--- a/课件笔记/docker/Docker容器.pptx
+++ b/课件笔记/docker/Docker容器.pptx
@@ -5,7 +5,7 @@
     <p:sldMasterId id="2147483648" r:id="rId1"/>
   </p:sldMasterIdLst>
   <p:notesMasterIdLst>
-    <p:notesMasterId r:id="rId29"/>
+    <p:notesMasterId r:id="rId37"/>
   </p:notesMasterIdLst>
   <p:sldIdLst>
     <p:sldId id="279" r:id="rId2"/>
@@ -22,19 +22,27 @@
     <p:sldId id="324" r:id="rId13"/>
     <p:sldId id="325" r:id="rId14"/>
     <p:sldId id="326" r:id="rId15"/>
-    <p:sldId id="348" r:id="rId16"/>
-    <p:sldId id="327" r:id="rId17"/>
-    <p:sldId id="328" r:id="rId18"/>
+    <p:sldId id="327" r:id="rId16"/>
+    <p:sldId id="328" r:id="rId17"/>
+    <p:sldId id="349" r:id="rId18"/>
     <p:sldId id="329" r:id="rId19"/>
     <p:sldId id="330" r:id="rId20"/>
     <p:sldId id="347" r:id="rId21"/>
-    <p:sldId id="331" r:id="rId22"/>
-    <p:sldId id="332" r:id="rId23"/>
-    <p:sldId id="333" r:id="rId24"/>
-    <p:sldId id="334" r:id="rId25"/>
-    <p:sldId id="335" r:id="rId26"/>
-    <p:sldId id="336" r:id="rId27"/>
-    <p:sldId id="289" r:id="rId28"/>
+    <p:sldId id="355" r:id="rId22"/>
+    <p:sldId id="331" r:id="rId23"/>
+    <p:sldId id="348" r:id="rId24"/>
+    <p:sldId id="333" r:id="rId25"/>
+    <p:sldId id="354" r:id="rId26"/>
+    <p:sldId id="334" r:id="rId27"/>
+    <p:sldId id="350" r:id="rId28"/>
+    <p:sldId id="352" r:id="rId29"/>
+    <p:sldId id="353" r:id="rId30"/>
+    <p:sldId id="356" r:id="rId31"/>
+    <p:sldId id="335" r:id="rId32"/>
+    <p:sldId id="336" r:id="rId33"/>
+    <p:sldId id="351" r:id="rId34"/>
+    <p:sldId id="357" r:id="rId35"/>
+    <p:sldId id="289" r:id="rId36"/>
   </p:sldIdLst>
   <p:sldSz cx="9144000" cy="5143500" type="screen16x9"/>
   <p:notesSz cx="6858000" cy="9144000"/>
@@ -327,7 +335,7 @@
               <a:rPr lang="zh-CN" altLang="en-US" dirty="0">
                 <a:ea typeface="宋体" panose="02010600030101010101" pitchFamily="2" charset="-122"/>
               </a:rPr>
-              <a:t>2020/6/18</a:t>
+              <a:t>2020/6/19</a:t>
             </a:fld>
             <a:endParaRPr lang="zh-CN" altLang="en-US" sz="1200" dirty="0">
               <a:latin typeface="微软雅黑" panose="020B0503020204020204" pitchFamily="2" charset="-122"/>
@@ -665,7 +673,7 @@
               <a:rPr lang="zh-CN" altLang="en-US" dirty="0">
                 <a:sym typeface="微软雅黑" panose="020B0503020204020204" pitchFamily="2" charset="-122"/>
               </a:rPr>
-              <a:t>2020/6/18</a:t>
+              <a:t>2020/6/19</a:t>
             </a:fld>
             <a:endParaRPr lang="zh-CN" altLang="en-US" dirty="0">
               <a:sym typeface="微软雅黑" panose="020B0503020204020204" pitchFamily="2" charset="-122"/>
@@ -841,7 +849,7 @@
               <a:rPr lang="zh-CN" altLang="en-US" dirty="0">
                 <a:sym typeface="微软雅黑" panose="020B0503020204020204" pitchFamily="2" charset="-122"/>
               </a:rPr>
-              <a:t>2020/6/18</a:t>
+              <a:t>2020/6/19</a:t>
             </a:fld>
             <a:endParaRPr lang="zh-CN" altLang="en-US" dirty="0">
               <a:sym typeface="微软雅黑" panose="020B0503020204020204" pitchFamily="2" charset="-122"/>
@@ -1027,7 +1035,7 @@
               <a:rPr lang="zh-CN" altLang="en-US" dirty="0">
                 <a:sym typeface="微软雅黑" panose="020B0503020204020204" pitchFamily="2" charset="-122"/>
               </a:rPr>
-              <a:t>2020/6/18</a:t>
+              <a:t>2020/6/19</a:t>
             </a:fld>
             <a:endParaRPr lang="zh-CN" altLang="en-US" dirty="0">
               <a:sym typeface="微软雅黑" panose="020B0503020204020204" pitchFamily="2" charset="-122"/>
@@ -1203,7 +1211,7 @@
               <a:rPr lang="zh-CN" altLang="en-US" dirty="0">
                 <a:sym typeface="微软雅黑" panose="020B0503020204020204" pitchFamily="2" charset="-122"/>
               </a:rPr>
-              <a:t>2020/6/18</a:t>
+              <a:t>2020/6/19</a:t>
             </a:fld>
             <a:endParaRPr lang="zh-CN" altLang="en-US" dirty="0">
               <a:sym typeface="微软雅黑" panose="020B0503020204020204" pitchFamily="2" charset="-122"/>
@@ -1456,7 +1464,7 @@
               <a:rPr lang="zh-CN" altLang="en-US" dirty="0">
                 <a:sym typeface="微软雅黑" panose="020B0503020204020204" pitchFamily="2" charset="-122"/>
               </a:rPr>
-              <a:t>2020/6/18</a:t>
+              <a:t>2020/6/19</a:t>
             </a:fld>
             <a:endParaRPr lang="zh-CN" altLang="en-US" dirty="0">
               <a:sym typeface="微软雅黑" panose="020B0503020204020204" pitchFamily="2" charset="-122"/>
@@ -1693,7 +1701,7 @@
               <a:rPr lang="zh-CN" altLang="en-US" dirty="0">
                 <a:sym typeface="微软雅黑" panose="020B0503020204020204" pitchFamily="2" charset="-122"/>
               </a:rPr>
-              <a:t>2020/6/18</a:t>
+              <a:t>2020/6/19</a:t>
             </a:fld>
             <a:endParaRPr lang="zh-CN" altLang="en-US" dirty="0">
               <a:sym typeface="微软雅黑" panose="020B0503020204020204" pitchFamily="2" charset="-122"/>
@@ -2065,7 +2073,7 @@
               <a:rPr lang="zh-CN" altLang="en-US" dirty="0">
                 <a:sym typeface="微软雅黑" panose="020B0503020204020204" pitchFamily="2" charset="-122"/>
               </a:rPr>
-              <a:t>2020/6/18</a:t>
+              <a:t>2020/6/19</a:t>
             </a:fld>
             <a:endParaRPr lang="zh-CN" altLang="en-US" dirty="0">
               <a:sym typeface="微软雅黑" panose="020B0503020204020204" pitchFamily="2" charset="-122"/>
@@ -2190,7 +2198,7 @@
               <a:rPr lang="zh-CN" altLang="en-US" dirty="0">
                 <a:sym typeface="微软雅黑" panose="020B0503020204020204" pitchFamily="2" charset="-122"/>
               </a:rPr>
-              <a:t>2020/6/18</a:t>
+              <a:t>2020/6/19</a:t>
             </a:fld>
             <a:endParaRPr lang="zh-CN" altLang="en-US" dirty="0">
               <a:sym typeface="微软雅黑" panose="020B0503020204020204" pitchFamily="2" charset="-122"/>
@@ -2293,7 +2301,7 @@
               <a:rPr lang="zh-CN" altLang="en-US" dirty="0">
                 <a:sym typeface="微软雅黑" panose="020B0503020204020204" pitchFamily="2" charset="-122"/>
               </a:rPr>
-              <a:t>2020/6/18</a:t>
+              <a:t>2020/6/19</a:t>
             </a:fld>
             <a:endParaRPr lang="zh-CN" altLang="en-US" dirty="0">
               <a:sym typeface="微软雅黑" panose="020B0503020204020204" pitchFamily="2" charset="-122"/>
@@ -2576,7 +2584,7 @@
               <a:rPr lang="zh-CN" altLang="en-US" dirty="0">
                 <a:sym typeface="微软雅黑" panose="020B0503020204020204" pitchFamily="2" charset="-122"/>
               </a:rPr>
-              <a:t>2020/6/18</a:t>
+              <a:t>2020/6/19</a:t>
             </a:fld>
             <a:endParaRPr lang="zh-CN" altLang="en-US" dirty="0">
               <a:sym typeface="微软雅黑" panose="020B0503020204020204" pitchFamily="2" charset="-122"/>
@@ -2836,7 +2844,7 @@
               <a:rPr lang="zh-CN" altLang="en-US" dirty="0">
                 <a:sym typeface="微软雅黑" panose="020B0503020204020204" pitchFamily="2" charset="-122"/>
               </a:rPr>
-              <a:t>2020/6/18</a:t>
+              <a:t>2020/6/19</a:t>
             </a:fld>
             <a:endParaRPr lang="zh-CN" altLang="en-US" dirty="0">
               <a:sym typeface="微软雅黑" panose="020B0503020204020204" pitchFamily="2" charset="-122"/>
@@ -3073,7 +3081,7 @@
               <a:rPr lang="zh-CN" altLang="en-US" dirty="0">
                 <a:sym typeface="微软雅黑" panose="020B0503020204020204" pitchFamily="2" charset="-122"/>
               </a:rPr>
-              <a:t>2020/6/18</a:t>
+              <a:t>2020/6/19</a:t>
             </a:fld>
             <a:endParaRPr lang="zh-CN" altLang="en-US" dirty="0">
               <a:sym typeface="微软雅黑" panose="020B0503020204020204" pitchFamily="2" charset="-122"/>
@@ -4810,7 +4818,7 @@
         </p:nvSpPr>
         <p:spPr>
           <a:xfrm>
-            <a:off x="476250" y="863590"/>
+            <a:off x="464825" y="915635"/>
             <a:ext cx="8099120" cy="2862322"/>
           </a:xfrm>
           <a:prstGeom prst="rect">
@@ -5517,7 +5525,7 @@
         <p:spPr>
           <a:xfrm>
             <a:off x="476250" y="177800"/>
-            <a:ext cx="3373039" cy="461665"/>
+            <a:ext cx="2383986" cy="461665"/>
           </a:xfrm>
           <a:prstGeom prst="rect">
             <a:avLst/>
@@ -5533,17 +5541,6 @@
           </a:bodyPr>
           <a:lstStyle/>
           <a:p>
-            <a:r>
-              <a:rPr lang="zh-CN" altLang="en-US" sz="2400" dirty="0">
-                <a:solidFill>
-                  <a:srgbClr val="FF8607"/>
-                </a:solidFill>
-                <a:latin typeface="Impact" panose="020B0806030902050204" pitchFamily="2" charset="0"/>
-                <a:ea typeface="微软雅黑" panose="020B0503020204020204" pitchFamily="2" charset="-122"/>
-                <a:sym typeface="Impact" panose="020B0806030902050204" pitchFamily="2" charset="0"/>
-              </a:rPr>
-              <a:t>镜像操作之上下文路径 </a:t>
-            </a:r>
             <a:r>
               <a:rPr lang="en-US" altLang="zh-CN" sz="2400" dirty="0">
                 <a:solidFill>
@@ -5553,7 +5550,7 @@
                 <a:ea typeface="微软雅黑" panose="020B0503020204020204" pitchFamily="2" charset="-122"/>
                 <a:sym typeface="Impact" panose="020B0806030902050204" pitchFamily="2" charset="0"/>
               </a:rPr>
-              <a:t>.</a:t>
+              <a:t>Docker Container</a:t>
             </a:r>
             <a:endParaRPr lang="zh-CN" altLang="en-US" dirty="0">
               <a:ea typeface="宋体" panose="02010600030101010101" pitchFamily="2" charset="-122"/>
@@ -5615,7 +5612,7 @@
         <p:spPr>
           <a:xfrm>
             <a:off x="476250" y="863590"/>
-            <a:ext cx="8099120" cy="646331"/>
+            <a:ext cx="8099120" cy="1477328"/>
           </a:xfrm>
           <a:prstGeom prst="rect">
             <a:avLst/>
@@ -5630,39 +5627,120 @@
           <a:p>
             <a:r>
               <a:rPr lang="en-US" altLang="zh-CN" dirty="0"/>
-              <a:t>Build</a:t>
-            </a:r>
+              <a:t>Docker Container</a:t>
+            </a:r>
+            <a:r>
+              <a:rPr lang="zh-CN" altLang="zh-CN" dirty="0"/>
+              <a:t>是</a:t>
+            </a:r>
+            <a:r>
+              <a:rPr lang="en-US" altLang="zh-CN" dirty="0"/>
+              <a:t>Image</a:t>
+            </a:r>
+            <a:r>
+              <a:rPr lang="zh-CN" altLang="zh-CN" dirty="0"/>
+              <a:t>的实例，共享内核</a:t>
+            </a:r>
+            <a:endParaRPr lang="en-US" altLang="zh-CN" dirty="0"/>
+          </a:p>
+          <a:p>
+            <a:endParaRPr lang="en-US" altLang="zh-CN" dirty="0"/>
+          </a:p>
+          <a:p>
+            <a:pPr marL="342900" indent="-342900">
+              <a:buAutoNum type="arabicPlain"/>
+            </a:pPr>
             <a:r>
               <a:rPr lang="zh-CN" altLang="en-US" dirty="0"/>
-              <a:t>时，指令最后有个</a:t>
+              <a:t>可以不同</a:t>
             </a:r>
             <a:r>
               <a:rPr lang="en-US" altLang="zh-CN" dirty="0"/>
-              <a:t>.    </a:t>
+              <a:t>OS</a:t>
             </a:r>
             <a:r>
               <a:rPr lang="zh-CN" altLang="en-US" dirty="0"/>
-              <a:t>是表示上下文路径</a:t>
+              <a:t>，</a:t>
+            </a:r>
+            <a:r>
+              <a:rPr lang="en-US" altLang="zh-CN" dirty="0"/>
+              <a:t>Ubuntu  </a:t>
+            </a:r>
+            <a:r>
+              <a:rPr lang="en-US" altLang="zh-CN" dirty="0" err="1"/>
+              <a:t>centOS</a:t>
             </a:r>
             <a:endParaRPr lang="en-US" altLang="zh-CN" dirty="0"/>
           </a:p>
           <a:p>
+            <a:pPr marL="342900" indent="-342900">
+              <a:buAutoNum type="arabicPlain"/>
+            </a:pPr>
+            <a:r>
+              <a:rPr lang="zh-CN" altLang="en-US" dirty="0"/>
+              <a:t>进入容器</a:t>
+            </a:r>
             <a:r>
               <a:rPr lang="en-US" altLang="zh-CN" dirty="0"/>
-              <a:t>CS</a:t>
-            </a:r>
+              <a:t>exec</a:t>
+            </a:r>
+          </a:p>
+          <a:p>
+            <a:pPr marL="342900" indent="-342900">
+              <a:buAutoNum type="arabicPlain"/>
+            </a:pPr>
             <a:r>
               <a:rPr lang="zh-CN" altLang="en-US" dirty="0"/>
-              <a:t>架构，打包文件</a:t>
+              <a:t>依赖</a:t>
+            </a:r>
+            <a:r>
+              <a:rPr lang="en-US" altLang="zh-CN" dirty="0"/>
+              <a:t>Docker </a:t>
+            </a:r>
+            <a:r>
+              <a:rPr lang="en-US" altLang="zh-CN" dirty="0" err="1"/>
+              <a:t>Deamon</a:t>
+            </a:r>
+            <a:r>
+              <a:rPr lang="zh-CN" altLang="en-US" dirty="0"/>
+              <a:t>守护进程</a:t>
             </a:r>
             <a:endParaRPr lang="en-US" altLang="zh-CN" dirty="0"/>
           </a:p>
         </p:txBody>
       </p:sp>
+      <p:pic>
+        <p:nvPicPr>
+          <p:cNvPr id="6" name="图片 5">
+            <a:extLst>
+              <a:ext uri="{FF2B5EF4-FFF2-40B4-BE49-F238E27FC236}">
+                <a16:creationId xmlns:a16="http://schemas.microsoft.com/office/drawing/2014/main" id="{0530CF4D-A20C-4963-97CD-5B396AEF9E03}"/>
+              </a:ext>
+            </a:extLst>
+          </p:cNvPr>
+          <p:cNvPicPr/>
+          <p:nvPr/>
+        </p:nvPicPr>
+        <p:blipFill>
+          <a:blip r:embed="rId2"/>
+          <a:stretch>
+            <a:fillRect/>
+          </a:stretch>
+        </p:blipFill>
+        <p:spPr>
+          <a:xfrm>
+            <a:off x="4788015" y="1563680"/>
+            <a:ext cx="3882218" cy="2698242"/>
+          </a:xfrm>
+          <a:prstGeom prst="rect">
+            <a:avLst/>
+          </a:prstGeom>
+        </p:spPr>
+      </p:pic>
     </p:spTree>
     <p:extLst>
       <p:ext uri="{BB962C8B-B14F-4D97-AF65-F5344CB8AC3E}">
-        <p14:creationId xmlns:p14="http://schemas.microsoft.com/office/powerpoint/2010/main" val="3669854230"/>
+        <p14:creationId xmlns:p14="http://schemas.microsoft.com/office/powerpoint/2010/main" val="1021621609"/>
       </p:ext>
     </p:extLst>
   </p:cSld>
@@ -5738,297 +5816,6 @@
         <p:spPr>
           <a:xfrm>
             <a:off x="476250" y="177800"/>
-            <a:ext cx="2383986" cy="461665"/>
-          </a:xfrm>
-          <a:prstGeom prst="rect">
-            <a:avLst/>
-          </a:prstGeom>
-          <a:noFill/>
-          <a:ln w="9525">
-            <a:noFill/>
-          </a:ln>
-        </p:spPr>
-        <p:txBody>
-          <a:bodyPr wrap="none">
-            <a:spAutoFit/>
-          </a:bodyPr>
-          <a:lstStyle/>
-          <a:p>
-            <a:r>
-              <a:rPr lang="en-US" altLang="zh-CN" sz="2400" dirty="0">
-                <a:solidFill>
-                  <a:srgbClr val="FF8607"/>
-                </a:solidFill>
-                <a:latin typeface="Impact" panose="020B0806030902050204" pitchFamily="2" charset="0"/>
-                <a:ea typeface="微软雅黑" panose="020B0503020204020204" pitchFamily="2" charset="-122"/>
-                <a:sym typeface="Impact" panose="020B0806030902050204" pitchFamily="2" charset="0"/>
-              </a:rPr>
-              <a:t>Docker Container</a:t>
-            </a:r>
-            <a:endParaRPr lang="zh-CN" altLang="en-US" dirty="0">
-              <a:ea typeface="宋体" panose="02010600030101010101" pitchFamily="2" charset="-122"/>
-            </a:endParaRPr>
-          </a:p>
-        </p:txBody>
-      </p:sp>
-      <p:sp>
-        <p:nvSpPr>
-          <p:cNvPr id="12292" name="等腰三角形 28"/>
-          <p:cNvSpPr/>
-          <p:nvPr/>
-        </p:nvSpPr>
-        <p:spPr>
-          <a:xfrm rot="5400000">
-            <a:off x="-39687" y="157163"/>
-            <a:ext cx="581025" cy="501650"/>
-          </a:xfrm>
-          <a:prstGeom prst="triangle">
-            <a:avLst>
-              <a:gd name="adj" fmla="val 50000"/>
-            </a:avLst>
-          </a:prstGeom>
-          <a:solidFill>
-            <a:srgbClr val="282828"/>
-          </a:solidFill>
-          <a:ln w="9525">
-            <a:noFill/>
-          </a:ln>
-        </p:spPr>
-        <p:txBody>
-          <a:bodyPr vert="horz" wrap="square" anchor="ctr"/>
-          <a:lstStyle/>
-          <a:p>
-            <a:pPr algn="ctr"/>
-            <a:endParaRPr>
-              <a:solidFill>
-                <a:srgbClr val="FFFFFF"/>
-              </a:solidFill>
-              <a:latin typeface="微软雅黑" panose="020B0503020204020204" pitchFamily="2" charset="-122"/>
-              <a:ea typeface="微软雅黑" panose="020B0503020204020204" pitchFamily="2" charset="-122"/>
-              <a:sym typeface="微软雅黑" panose="020B0503020204020204" pitchFamily="2" charset="-122"/>
-            </a:endParaRPr>
-          </a:p>
-        </p:txBody>
-      </p:sp>
-      <p:sp>
-        <p:nvSpPr>
-          <p:cNvPr id="2" name="文本框 1">
-            <a:extLst>
-              <a:ext uri="{FF2B5EF4-FFF2-40B4-BE49-F238E27FC236}">
-                <a16:creationId xmlns:a16="http://schemas.microsoft.com/office/drawing/2014/main" id="{16B512D6-5C02-4FFA-BD5E-8D82BFAB8AA1}"/>
-              </a:ext>
-            </a:extLst>
-          </p:cNvPr>
-          <p:cNvSpPr txBox="1"/>
-          <p:nvPr/>
-        </p:nvSpPr>
-        <p:spPr>
-          <a:xfrm>
-            <a:off x="476250" y="863590"/>
-            <a:ext cx="8099120" cy="1477328"/>
-          </a:xfrm>
-          <a:prstGeom prst="rect">
-            <a:avLst/>
-          </a:prstGeom>
-          <a:noFill/>
-        </p:spPr>
-        <p:txBody>
-          <a:bodyPr wrap="square" rtlCol="0">
-            <a:spAutoFit/>
-          </a:bodyPr>
-          <a:lstStyle/>
-          <a:p>
-            <a:r>
-              <a:rPr lang="en-US" altLang="zh-CN" dirty="0"/>
-              <a:t>Docker Container</a:t>
-            </a:r>
-            <a:r>
-              <a:rPr lang="zh-CN" altLang="zh-CN" dirty="0"/>
-              <a:t>是</a:t>
-            </a:r>
-            <a:r>
-              <a:rPr lang="en-US" altLang="zh-CN" dirty="0"/>
-              <a:t>Image</a:t>
-            </a:r>
-            <a:r>
-              <a:rPr lang="zh-CN" altLang="zh-CN" dirty="0"/>
-              <a:t>的实例，共享内核</a:t>
-            </a:r>
-            <a:endParaRPr lang="en-US" altLang="zh-CN" dirty="0"/>
-          </a:p>
-          <a:p>
-            <a:endParaRPr lang="en-US" altLang="zh-CN" dirty="0"/>
-          </a:p>
-          <a:p>
-            <a:pPr marL="342900" indent="-342900">
-              <a:buAutoNum type="arabicPlain"/>
-            </a:pPr>
-            <a:r>
-              <a:rPr lang="zh-CN" altLang="en-US" dirty="0"/>
-              <a:t>可以不同</a:t>
-            </a:r>
-            <a:r>
-              <a:rPr lang="en-US" altLang="zh-CN" dirty="0"/>
-              <a:t>OS</a:t>
-            </a:r>
-            <a:r>
-              <a:rPr lang="zh-CN" altLang="en-US" dirty="0"/>
-              <a:t>，</a:t>
-            </a:r>
-            <a:r>
-              <a:rPr lang="en-US" altLang="zh-CN" dirty="0"/>
-              <a:t>Ubuntu  </a:t>
-            </a:r>
-            <a:r>
-              <a:rPr lang="en-US" altLang="zh-CN" dirty="0" err="1"/>
-              <a:t>centOS</a:t>
-            </a:r>
-            <a:endParaRPr lang="en-US" altLang="zh-CN" dirty="0"/>
-          </a:p>
-          <a:p>
-            <a:pPr marL="342900" indent="-342900">
-              <a:buAutoNum type="arabicPlain"/>
-            </a:pPr>
-            <a:r>
-              <a:rPr lang="zh-CN" altLang="en-US" dirty="0"/>
-              <a:t>进入容器</a:t>
-            </a:r>
-            <a:r>
-              <a:rPr lang="en-US" altLang="zh-CN" dirty="0"/>
-              <a:t>exec</a:t>
-            </a:r>
-          </a:p>
-          <a:p>
-            <a:pPr marL="342900" indent="-342900">
-              <a:buAutoNum type="arabicPlain"/>
-            </a:pPr>
-            <a:r>
-              <a:rPr lang="zh-CN" altLang="en-US" dirty="0"/>
-              <a:t>依赖</a:t>
-            </a:r>
-            <a:r>
-              <a:rPr lang="en-US" altLang="zh-CN" dirty="0"/>
-              <a:t>Docker </a:t>
-            </a:r>
-            <a:r>
-              <a:rPr lang="en-US" altLang="zh-CN" dirty="0" err="1"/>
-              <a:t>Deamon</a:t>
-            </a:r>
-            <a:r>
-              <a:rPr lang="zh-CN" altLang="en-US" dirty="0"/>
-              <a:t>守护进程</a:t>
-            </a:r>
-            <a:endParaRPr lang="en-US" altLang="zh-CN" dirty="0"/>
-          </a:p>
-        </p:txBody>
-      </p:sp>
-      <p:pic>
-        <p:nvPicPr>
-          <p:cNvPr id="6" name="图片 5">
-            <a:extLst>
-              <a:ext uri="{FF2B5EF4-FFF2-40B4-BE49-F238E27FC236}">
-                <a16:creationId xmlns:a16="http://schemas.microsoft.com/office/drawing/2014/main" id="{0530CF4D-A20C-4963-97CD-5B396AEF9E03}"/>
-              </a:ext>
-            </a:extLst>
-          </p:cNvPr>
-          <p:cNvPicPr/>
-          <p:nvPr/>
-        </p:nvPicPr>
-        <p:blipFill>
-          <a:blip r:embed="rId2"/>
-          <a:stretch>
-            <a:fillRect/>
-          </a:stretch>
-        </p:blipFill>
-        <p:spPr>
-          <a:xfrm>
-            <a:off x="4932025" y="1419670"/>
-            <a:ext cx="3738208" cy="2842252"/>
-          </a:xfrm>
-          <a:prstGeom prst="rect">
-            <a:avLst/>
-          </a:prstGeom>
-        </p:spPr>
-      </p:pic>
-    </p:spTree>
-    <p:extLst>
-      <p:ext uri="{BB962C8B-B14F-4D97-AF65-F5344CB8AC3E}">
-        <p14:creationId xmlns:p14="http://schemas.microsoft.com/office/powerpoint/2010/main" val="1021621609"/>
-      </p:ext>
-    </p:extLst>
-  </p:cSld>
-  <p:clrMapOvr>
-    <a:masterClrMapping/>
-  </p:clrMapOvr>
-  <p:transition spd="slow">
-    <p:push dir="u"/>
-  </p:transition>
-</p:sld>
-</file>
-
-<file path=ppt/slides/slide17.xml><?xml version="1.0" encoding="utf-8"?>
-<p:sld xmlns:a="http://schemas.openxmlformats.org/drawingml/2006/main" xmlns:r="http://schemas.openxmlformats.org/officeDocument/2006/relationships" xmlns:p="http://schemas.openxmlformats.org/presentationml/2006/main">
-  <p:cSld>
-    <p:spTree>
-      <p:nvGrpSpPr>
-        <p:cNvPr id="1" name=""/>
-        <p:cNvGrpSpPr/>
-        <p:nvPr/>
-      </p:nvGrpSpPr>
-      <p:grpSpPr>
-        <a:xfrm>
-          <a:off x="0" y="0"/>
-          <a:ext cx="0" cy="0"/>
-          <a:chOff x="0" y="0"/>
-          <a:chExt cx="0" cy="0"/>
-        </a:xfrm>
-      </p:grpSpPr>
-      <p:sp>
-        <p:nvSpPr>
-          <p:cNvPr id="12290" name="矩形 9"/>
-          <p:cNvSpPr/>
-          <p:nvPr/>
-        </p:nvSpPr>
-        <p:spPr>
-          <a:xfrm>
-            <a:off x="0" y="4562474"/>
-            <a:ext cx="9144000" cy="581026"/>
-          </a:xfrm>
-          <a:prstGeom prst="rect">
-            <a:avLst/>
-          </a:prstGeom>
-          <a:solidFill>
-            <a:srgbClr val="282828"/>
-          </a:solidFill>
-          <a:ln w="9525">
-            <a:noFill/>
-          </a:ln>
-        </p:spPr>
-        <p:txBody>
-          <a:bodyPr anchor="ctr"/>
-          <a:lstStyle/>
-          <a:p>
-            <a:pPr algn="ctr"/>
-            <a:endParaRPr>
-              <a:solidFill>
-                <a:srgbClr val="FFFFFF"/>
-              </a:solidFill>
-              <a:latin typeface="微软雅黑" panose="020B0503020204020204" pitchFamily="2" charset="-122"/>
-              <a:ea typeface="微软雅黑" panose="020B0503020204020204" pitchFamily="2" charset="-122"/>
-              <a:sym typeface="微软雅黑" panose="020B0503020204020204" pitchFamily="2" charset="-122"/>
-            </a:endParaRPr>
-          </a:p>
-        </p:txBody>
-      </p:sp>
-      <p:sp>
-        <p:nvSpPr>
-          <p:cNvPr id="12291" name="矩形 27"/>
-          <p:cNvSpPr/>
-          <p:nvPr/>
-        </p:nvSpPr>
-        <p:spPr>
-          <a:xfrm>
-            <a:off x="476250" y="177800"/>
             <a:ext cx="2310248" cy="461665"/>
           </a:xfrm>
           <a:prstGeom prst="rect">
@@ -6167,468 +5954,7 @@
 </p:sld>
 </file>
 
-<file path=ppt/slides/slide18.xml><?xml version="1.0" encoding="utf-8"?>
-<p:sld xmlns:a="http://schemas.openxmlformats.org/drawingml/2006/main" xmlns:r="http://schemas.openxmlformats.org/officeDocument/2006/relationships" xmlns:p="http://schemas.openxmlformats.org/presentationml/2006/main">
-  <p:cSld>
-    <p:spTree>
-      <p:nvGrpSpPr>
-        <p:cNvPr id="1" name=""/>
-        <p:cNvGrpSpPr/>
-        <p:nvPr/>
-      </p:nvGrpSpPr>
-      <p:grpSpPr>
-        <a:xfrm>
-          <a:off x="0" y="0"/>
-          <a:ext cx="0" cy="0"/>
-          <a:chOff x="0" y="0"/>
-          <a:chExt cx="0" cy="0"/>
-        </a:xfrm>
-      </p:grpSpPr>
-      <p:sp>
-        <p:nvSpPr>
-          <p:cNvPr id="12290" name="矩形 9"/>
-          <p:cNvSpPr/>
-          <p:nvPr/>
-        </p:nvSpPr>
-        <p:spPr>
-          <a:xfrm>
-            <a:off x="0" y="4562474"/>
-            <a:ext cx="9144000" cy="581026"/>
-          </a:xfrm>
-          <a:prstGeom prst="rect">
-            <a:avLst/>
-          </a:prstGeom>
-          <a:solidFill>
-            <a:srgbClr val="282828"/>
-          </a:solidFill>
-          <a:ln w="9525">
-            <a:noFill/>
-          </a:ln>
-        </p:spPr>
-        <p:txBody>
-          <a:bodyPr anchor="ctr"/>
-          <a:lstStyle/>
-          <a:p>
-            <a:pPr algn="ctr"/>
-            <a:endParaRPr>
-              <a:solidFill>
-                <a:srgbClr val="FFFFFF"/>
-              </a:solidFill>
-              <a:latin typeface="微软雅黑" panose="020B0503020204020204" pitchFamily="2" charset="-122"/>
-              <a:ea typeface="微软雅黑" panose="020B0503020204020204" pitchFamily="2" charset="-122"/>
-              <a:sym typeface="微软雅黑" panose="020B0503020204020204" pitchFamily="2" charset="-122"/>
-            </a:endParaRPr>
-          </a:p>
-        </p:txBody>
-      </p:sp>
-      <p:sp>
-        <p:nvSpPr>
-          <p:cNvPr id="12291" name="矩形 27"/>
-          <p:cNvSpPr/>
-          <p:nvPr/>
-        </p:nvSpPr>
-        <p:spPr>
-          <a:xfrm>
-            <a:off x="476250" y="177800"/>
-            <a:ext cx="1625766" cy="461665"/>
-          </a:xfrm>
-          <a:prstGeom prst="rect">
-            <a:avLst/>
-          </a:prstGeom>
-          <a:noFill/>
-          <a:ln w="9525">
-            <a:noFill/>
-          </a:ln>
-        </p:spPr>
-        <p:txBody>
-          <a:bodyPr wrap="none">
-            <a:spAutoFit/>
-          </a:bodyPr>
-          <a:lstStyle/>
-          <a:p>
-            <a:r>
-              <a:rPr lang="en-US" altLang="zh-CN" sz="2400" dirty="0">
-                <a:solidFill>
-                  <a:srgbClr val="FF8607"/>
-                </a:solidFill>
-                <a:latin typeface="Impact" panose="020B0806030902050204" pitchFamily="2" charset="0"/>
-                <a:ea typeface="微软雅黑" panose="020B0503020204020204" pitchFamily="2" charset="-122"/>
-                <a:sym typeface="Impact" panose="020B0806030902050204" pitchFamily="2" charset="0"/>
-              </a:rPr>
-              <a:t>Docker</a:t>
-            </a:r>
-            <a:r>
-              <a:rPr lang="zh-CN" altLang="en-US" sz="2400" dirty="0">
-                <a:solidFill>
-                  <a:srgbClr val="FF8607"/>
-                </a:solidFill>
-                <a:latin typeface="Impact" panose="020B0806030902050204" pitchFamily="2" charset="0"/>
-                <a:ea typeface="微软雅黑" panose="020B0503020204020204" pitchFamily="2" charset="-122"/>
-                <a:sym typeface="Impact" panose="020B0806030902050204" pitchFamily="2" charset="0"/>
-              </a:rPr>
-              <a:t> </a:t>
-            </a:r>
-            <a:r>
-              <a:rPr lang="en-US" altLang="zh-CN" sz="2400" dirty="0">
-                <a:solidFill>
-                  <a:srgbClr val="FF8607"/>
-                </a:solidFill>
-                <a:latin typeface="Impact" panose="020B0806030902050204" pitchFamily="2" charset="0"/>
-                <a:ea typeface="微软雅黑" panose="020B0503020204020204" pitchFamily="2" charset="-122"/>
-                <a:sym typeface="Impact" panose="020B0806030902050204" pitchFamily="2" charset="0"/>
-              </a:rPr>
-              <a:t>Hub</a:t>
-            </a:r>
-            <a:endParaRPr lang="zh-CN" altLang="en-US" dirty="0">
-              <a:ea typeface="宋体" panose="02010600030101010101" pitchFamily="2" charset="-122"/>
-            </a:endParaRPr>
-          </a:p>
-        </p:txBody>
-      </p:sp>
-      <p:sp>
-        <p:nvSpPr>
-          <p:cNvPr id="12292" name="等腰三角形 28"/>
-          <p:cNvSpPr/>
-          <p:nvPr/>
-        </p:nvSpPr>
-        <p:spPr>
-          <a:xfrm rot="5400000">
-            <a:off x="-39687" y="157163"/>
-            <a:ext cx="581025" cy="501650"/>
-          </a:xfrm>
-          <a:prstGeom prst="triangle">
-            <a:avLst>
-              <a:gd name="adj" fmla="val 50000"/>
-            </a:avLst>
-          </a:prstGeom>
-          <a:solidFill>
-            <a:srgbClr val="282828"/>
-          </a:solidFill>
-          <a:ln w="9525">
-            <a:noFill/>
-          </a:ln>
-        </p:spPr>
-        <p:txBody>
-          <a:bodyPr vert="horz" wrap="square" anchor="ctr"/>
-          <a:lstStyle/>
-          <a:p>
-            <a:pPr algn="ctr"/>
-            <a:endParaRPr>
-              <a:solidFill>
-                <a:srgbClr val="FFFFFF"/>
-              </a:solidFill>
-              <a:latin typeface="微软雅黑" panose="020B0503020204020204" pitchFamily="2" charset="-122"/>
-              <a:ea typeface="微软雅黑" panose="020B0503020204020204" pitchFamily="2" charset="-122"/>
-              <a:sym typeface="微软雅黑" panose="020B0503020204020204" pitchFamily="2" charset="-122"/>
-            </a:endParaRPr>
-          </a:p>
-        </p:txBody>
-      </p:sp>
-      <p:sp>
-        <p:nvSpPr>
-          <p:cNvPr id="2" name="文本框 1">
-            <a:extLst>
-              <a:ext uri="{FF2B5EF4-FFF2-40B4-BE49-F238E27FC236}">
-                <a16:creationId xmlns:a16="http://schemas.microsoft.com/office/drawing/2014/main" id="{16B512D6-5C02-4FFA-BD5E-8D82BFAB8AA1}"/>
-              </a:ext>
-            </a:extLst>
-          </p:cNvPr>
-          <p:cNvSpPr txBox="1"/>
-          <p:nvPr/>
-        </p:nvSpPr>
-        <p:spPr>
-          <a:xfrm>
-            <a:off x="6948165" y="889641"/>
-            <a:ext cx="1435614" cy="369332"/>
-          </a:xfrm>
-          <a:prstGeom prst="rect">
-            <a:avLst/>
-          </a:prstGeom>
-          <a:noFill/>
-        </p:spPr>
-        <p:txBody>
-          <a:bodyPr wrap="square" rtlCol="0">
-            <a:spAutoFit/>
-          </a:bodyPr>
-          <a:lstStyle/>
-          <a:p>
-            <a:r>
-              <a:rPr lang="en-US" altLang="zh-CN" dirty="0"/>
-              <a:t>CS</a:t>
-            </a:r>
-            <a:r>
-              <a:rPr lang="zh-CN" altLang="en-US" dirty="0"/>
-              <a:t>架构</a:t>
-            </a:r>
-            <a:endParaRPr lang="en-US" altLang="zh-CN" dirty="0"/>
-          </a:p>
-        </p:txBody>
-      </p:sp>
-      <p:pic>
-        <p:nvPicPr>
-          <p:cNvPr id="1026" name="Picture 2">
-            <a:extLst>
-              <a:ext uri="{FF2B5EF4-FFF2-40B4-BE49-F238E27FC236}">
-                <a16:creationId xmlns:a16="http://schemas.microsoft.com/office/drawing/2014/main" id="{36263FD4-B254-4016-86D3-893429BDE52C}"/>
-              </a:ext>
-            </a:extLst>
-          </p:cNvPr>
-          <p:cNvPicPr>
-            <a:picLocks noChangeAspect="1" noChangeArrowheads="1"/>
-          </p:cNvPicPr>
-          <p:nvPr/>
-        </p:nvPicPr>
-        <p:blipFill>
-          <a:blip r:embed="rId2">
-            <a:extLst>
-              <a:ext uri="{28A0092B-C50C-407E-A947-70E740481C1C}">
-                <a14:useLocalDpi xmlns:a14="http://schemas.microsoft.com/office/drawing/2010/main" val="0"/>
-              </a:ext>
-            </a:extLst>
-          </a:blip>
-          <a:srcRect/>
-          <a:stretch>
-            <a:fillRect/>
-          </a:stretch>
-        </p:blipFill>
-        <p:spPr bwMode="auto">
-          <a:xfrm>
-            <a:off x="501651" y="889641"/>
-            <a:ext cx="6096000" cy="3190875"/>
-          </a:xfrm>
-          <a:prstGeom prst="rect">
-            <a:avLst/>
-          </a:prstGeom>
-          <a:noFill/>
-          <a:extLst>
-            <a:ext uri="{909E8E84-426E-40DD-AFC4-6F175D3DCCD1}">
-              <a14:hiddenFill xmlns:a14="http://schemas.microsoft.com/office/drawing/2010/main">
-                <a:solidFill>
-                  <a:srgbClr val="FFFFFF"/>
-                </a:solidFill>
-              </a14:hiddenFill>
-            </a:ext>
-          </a:extLst>
-        </p:spPr>
-      </p:pic>
-    </p:spTree>
-    <p:extLst>
-      <p:ext uri="{BB962C8B-B14F-4D97-AF65-F5344CB8AC3E}">
-        <p14:creationId xmlns:p14="http://schemas.microsoft.com/office/powerpoint/2010/main" val="1531963395"/>
-      </p:ext>
-    </p:extLst>
-  </p:cSld>
-  <p:clrMapOvr>
-    <a:masterClrMapping/>
-  </p:clrMapOvr>
-  <p:transition spd="slow">
-    <p:push dir="u"/>
-  </p:transition>
-</p:sld>
-</file>
-
-<file path=ppt/slides/slide19.xml><?xml version="1.0" encoding="utf-8"?>
-<p:sld xmlns:a="http://schemas.openxmlformats.org/drawingml/2006/main" xmlns:r="http://schemas.openxmlformats.org/officeDocument/2006/relationships" xmlns:p="http://schemas.openxmlformats.org/presentationml/2006/main">
-  <p:cSld>
-    <p:spTree>
-      <p:nvGrpSpPr>
-        <p:cNvPr id="1" name=""/>
-        <p:cNvGrpSpPr/>
-        <p:nvPr/>
-      </p:nvGrpSpPr>
-      <p:grpSpPr>
-        <a:xfrm>
-          <a:off x="0" y="0"/>
-          <a:ext cx="0" cy="0"/>
-          <a:chOff x="0" y="0"/>
-          <a:chExt cx="0" cy="0"/>
-        </a:xfrm>
-      </p:grpSpPr>
-      <p:sp>
-        <p:nvSpPr>
-          <p:cNvPr id="12290" name="矩形 9"/>
-          <p:cNvSpPr/>
-          <p:nvPr/>
-        </p:nvSpPr>
-        <p:spPr>
-          <a:xfrm>
-            <a:off x="0" y="4562474"/>
-            <a:ext cx="9144000" cy="581026"/>
-          </a:xfrm>
-          <a:prstGeom prst="rect">
-            <a:avLst/>
-          </a:prstGeom>
-          <a:solidFill>
-            <a:srgbClr val="282828"/>
-          </a:solidFill>
-          <a:ln w="9525">
-            <a:noFill/>
-          </a:ln>
-        </p:spPr>
-        <p:txBody>
-          <a:bodyPr anchor="ctr"/>
-          <a:lstStyle/>
-          <a:p>
-            <a:pPr algn="ctr"/>
-            <a:endParaRPr>
-              <a:solidFill>
-                <a:srgbClr val="FFFFFF"/>
-              </a:solidFill>
-              <a:latin typeface="微软雅黑" panose="020B0503020204020204" pitchFamily="2" charset="-122"/>
-              <a:ea typeface="微软雅黑" panose="020B0503020204020204" pitchFamily="2" charset="-122"/>
-              <a:sym typeface="微软雅黑" panose="020B0503020204020204" pitchFamily="2" charset="-122"/>
-            </a:endParaRPr>
-          </a:p>
-        </p:txBody>
-      </p:sp>
-      <p:sp>
-        <p:nvSpPr>
-          <p:cNvPr id="12291" name="矩形 27"/>
-          <p:cNvSpPr/>
-          <p:nvPr/>
-        </p:nvSpPr>
-        <p:spPr>
-          <a:xfrm>
-            <a:off x="476250" y="177800"/>
-            <a:ext cx="2186817" cy="461665"/>
-          </a:xfrm>
-          <a:prstGeom prst="rect">
-            <a:avLst/>
-          </a:prstGeom>
-          <a:noFill/>
-          <a:ln w="9525">
-            <a:noFill/>
-          </a:ln>
-        </p:spPr>
-        <p:txBody>
-          <a:bodyPr wrap="none">
-            <a:spAutoFit/>
-          </a:bodyPr>
-          <a:lstStyle/>
-          <a:p>
-            <a:r>
-              <a:rPr lang="en-US" altLang="zh-CN" sz="2400" dirty="0" err="1">
-                <a:solidFill>
-                  <a:srgbClr val="FF8607"/>
-                </a:solidFill>
-                <a:latin typeface="Impact" panose="020B0806030902050204" pitchFamily="2" charset="0"/>
-                <a:ea typeface="微软雅黑" panose="020B0503020204020204" pitchFamily="2" charset="-122"/>
-                <a:sym typeface="Impact" panose="020B0806030902050204" pitchFamily="2" charset="0"/>
-              </a:rPr>
-              <a:t>DockerHub</a:t>
-            </a:r>
-            <a:r>
-              <a:rPr lang="zh-CN" altLang="en-US" sz="2400" dirty="0">
-                <a:solidFill>
-                  <a:srgbClr val="FF8607"/>
-                </a:solidFill>
-                <a:latin typeface="Impact" panose="020B0806030902050204" pitchFamily="2" charset="0"/>
-                <a:ea typeface="微软雅黑" panose="020B0503020204020204" pitchFamily="2" charset="-122"/>
-                <a:sym typeface="Impact" panose="020B0806030902050204" pitchFamily="2" charset="0"/>
-              </a:rPr>
-              <a:t>操作</a:t>
-            </a:r>
-            <a:endParaRPr lang="zh-CN" altLang="en-US" dirty="0">
-              <a:ea typeface="宋体" panose="02010600030101010101" pitchFamily="2" charset="-122"/>
-            </a:endParaRPr>
-          </a:p>
-        </p:txBody>
-      </p:sp>
-      <p:sp>
-        <p:nvSpPr>
-          <p:cNvPr id="12292" name="等腰三角形 28"/>
-          <p:cNvSpPr/>
-          <p:nvPr/>
-        </p:nvSpPr>
-        <p:spPr>
-          <a:xfrm rot="5400000">
-            <a:off x="-39687" y="157163"/>
-            <a:ext cx="581025" cy="501650"/>
-          </a:xfrm>
-          <a:prstGeom prst="triangle">
-            <a:avLst>
-              <a:gd name="adj" fmla="val 50000"/>
-            </a:avLst>
-          </a:prstGeom>
-          <a:solidFill>
-            <a:srgbClr val="282828"/>
-          </a:solidFill>
-          <a:ln w="9525">
-            <a:noFill/>
-          </a:ln>
-        </p:spPr>
-        <p:txBody>
-          <a:bodyPr vert="horz" wrap="square" anchor="ctr"/>
-          <a:lstStyle/>
-          <a:p>
-            <a:pPr algn="ctr"/>
-            <a:endParaRPr>
-              <a:solidFill>
-                <a:srgbClr val="FFFFFF"/>
-              </a:solidFill>
-              <a:latin typeface="微软雅黑" panose="020B0503020204020204" pitchFamily="2" charset="-122"/>
-              <a:ea typeface="微软雅黑" panose="020B0503020204020204" pitchFamily="2" charset="-122"/>
-              <a:sym typeface="微软雅黑" panose="020B0503020204020204" pitchFamily="2" charset="-122"/>
-            </a:endParaRPr>
-          </a:p>
-        </p:txBody>
-      </p:sp>
-      <p:sp>
-        <p:nvSpPr>
-          <p:cNvPr id="2" name="文本框 1">
-            <a:extLst>
-              <a:ext uri="{FF2B5EF4-FFF2-40B4-BE49-F238E27FC236}">
-                <a16:creationId xmlns:a16="http://schemas.microsoft.com/office/drawing/2014/main" id="{16B512D6-5C02-4FFA-BD5E-8D82BFAB8AA1}"/>
-              </a:ext>
-            </a:extLst>
-          </p:cNvPr>
-          <p:cNvSpPr txBox="1"/>
-          <p:nvPr/>
-        </p:nvSpPr>
-        <p:spPr>
-          <a:xfrm>
-            <a:off x="476250" y="863590"/>
-            <a:ext cx="8099120" cy="369332"/>
-          </a:xfrm>
-          <a:prstGeom prst="rect">
-            <a:avLst/>
-          </a:prstGeom>
-          <a:noFill/>
-        </p:spPr>
-        <p:txBody>
-          <a:bodyPr wrap="square" rtlCol="0">
-            <a:spAutoFit/>
-          </a:bodyPr>
-          <a:lstStyle/>
-          <a:p>
-            <a:r>
-              <a:rPr lang="zh-CN" altLang="en-US" dirty="0"/>
-              <a:t>见</a:t>
-            </a:r>
-            <a:r>
-              <a:rPr lang="en-US" altLang="zh-CN" dirty="0"/>
-              <a:t>word</a:t>
-            </a:r>
-          </a:p>
-        </p:txBody>
-      </p:sp>
-    </p:spTree>
-    <p:extLst>
-      <p:ext uri="{BB962C8B-B14F-4D97-AF65-F5344CB8AC3E}">
-        <p14:creationId xmlns:p14="http://schemas.microsoft.com/office/powerpoint/2010/main" val="452217488"/>
-      </p:ext>
-    </p:extLst>
-  </p:cSld>
-  <p:clrMapOvr>
-    <a:masterClrMapping/>
-  </p:clrMapOvr>
-  <p:transition spd="slow">
-    <p:push dir="u"/>
-  </p:transition>
-</p:sld>
-</file>
-
-<file path=ppt/slides/slide2.xml><?xml version="1.0" encoding="utf-8"?>
+<file path=ppt/slides/slide17.xml><?xml version="1.0" encoding="utf-8"?>
 <p:sld xmlns:a="http://schemas.openxmlformats.org/drawingml/2006/main" xmlns:r="http://schemas.openxmlformats.org/officeDocument/2006/relationships" xmlns:p="http://schemas.openxmlformats.org/presentationml/2006/main">
   <p:cSld>
     <p:spTree>
@@ -7567,6 +6893,1979 @@
         <p:spPr>
           <a:xfrm>
             <a:off x="278130" y="1203655"/>
+            <a:ext cx="3773170" cy="1787412"/>
+          </a:xfrm>
+          <a:prstGeom prst="rect">
+            <a:avLst/>
+          </a:prstGeom>
+          <a:noFill/>
+          <a:ln>
+            <a:noFill/>
+            <a:prstDash val="dash"/>
+          </a:ln>
+        </p:spPr>
+        <p:txBody>
+          <a:bodyPr wrap="square" lIns="71755" tIns="36195" rIns="71755" bIns="36195" rtlCol="0">
+            <a:spAutoFit/>
+          </a:bodyPr>
+          <a:lstStyle>
+            <a:defPPr>
+              <a:defRPr lang="zh-CN"/>
+            </a:defPPr>
+            <a:lvl1pPr fontAlgn="auto">
+              <a:lnSpc>
+                <a:spcPct val="130000"/>
+              </a:lnSpc>
+              <a:spcAft>
+                <a:spcPts val="1000"/>
+              </a:spcAft>
+              <a:defRPr sz="1600" spc="150"/>
+            </a:lvl1pPr>
+          </a:lstStyle>
+          <a:p>
+            <a:pPr marL="386715" marR="0" lvl="1" algn="l" defTabSz="914400" rtl="0" eaLnBrk="1" fontAlgn="ctr" latinLnBrk="0" hangingPunct="1">
+              <a:lnSpc>
+                <a:spcPct val="120000"/>
+              </a:lnSpc>
+              <a:spcBef>
+                <a:spcPts val="600"/>
+              </a:spcBef>
+              <a:spcAft>
+                <a:spcPts val="0"/>
+              </a:spcAft>
+              <a:buSzPct val="90000"/>
+              <a:defRPr/>
+            </a:pPr>
+            <a:r>
+              <a:rPr lang="en-US" altLang="zh-CN" sz="1200" spc="129" dirty="0">
+                <a:ln w="10160">
+                  <a:noFill/>
+                  <a:prstDash val="solid"/>
+                </a:ln>
+                <a:solidFill>
+                  <a:srgbClr val="FFFFFF"/>
+                </a:solidFill>
+                <a:effectLst>
+                  <a:outerShdw blurRad="38100" dist="22860" dir="5400000" algn="tl" rotWithShape="0">
+                    <a:srgbClr val="000000">
+                      <a:alpha val="30000"/>
+                    </a:srgbClr>
+                  </a:outerShdw>
+                </a:effectLst>
+                <a:latin typeface="微软雅黑" panose="020B0503020204020204" pitchFamily="2" charset="-122"/>
+                <a:ea typeface="微软雅黑" panose="020B0503020204020204" pitchFamily="2" charset="-122"/>
+                <a:sym typeface="+mn-ea"/>
+              </a:rPr>
+              <a:t>1  </a:t>
+            </a:r>
+            <a:r>
+              <a:rPr lang="en-US" altLang="zh-CN" sz="1200" spc="129" dirty="0" err="1">
+                <a:ln w="10160">
+                  <a:noFill/>
+                  <a:prstDash val="solid"/>
+                </a:ln>
+                <a:solidFill>
+                  <a:srgbClr val="FFFFFF"/>
+                </a:solidFill>
+                <a:effectLst>
+                  <a:outerShdw blurRad="38100" dist="22860" dir="5400000" algn="tl" rotWithShape="0">
+                    <a:srgbClr val="000000">
+                      <a:alpha val="30000"/>
+                    </a:srgbClr>
+                  </a:outerShdw>
+                </a:effectLst>
+                <a:latin typeface="微软雅黑" panose="020B0503020204020204" pitchFamily="2" charset="-122"/>
+                <a:ea typeface="微软雅黑" panose="020B0503020204020204" pitchFamily="2" charset="-122"/>
+                <a:sym typeface="+mn-ea"/>
+              </a:rPr>
+              <a:t>Dockerfile</a:t>
+            </a:r>
+            <a:r>
+              <a:rPr lang="zh-CN" altLang="en-US" sz="1200" spc="129" dirty="0">
+                <a:ln w="10160">
+                  <a:noFill/>
+                  <a:prstDash val="solid"/>
+                </a:ln>
+                <a:solidFill>
+                  <a:srgbClr val="FFFFFF"/>
+                </a:solidFill>
+                <a:effectLst>
+                  <a:outerShdw blurRad="38100" dist="22860" dir="5400000" algn="tl" rotWithShape="0">
+                    <a:srgbClr val="000000">
+                      <a:alpha val="30000"/>
+                    </a:srgbClr>
+                  </a:outerShdw>
+                </a:effectLst>
+                <a:latin typeface="微软雅黑" panose="020B0503020204020204" pitchFamily="2" charset="-122"/>
+                <a:ea typeface="微软雅黑" panose="020B0503020204020204" pitchFamily="2" charset="-122"/>
+                <a:sym typeface="+mn-ea"/>
+              </a:rPr>
+              <a:t>解读和构建</a:t>
+            </a:r>
+            <a:endParaRPr lang="en-US" altLang="zh-CN" sz="1200" spc="129" dirty="0">
+              <a:ln w="10160">
+                <a:noFill/>
+                <a:prstDash val="solid"/>
+              </a:ln>
+              <a:solidFill>
+                <a:srgbClr val="FFFFFF"/>
+              </a:solidFill>
+              <a:effectLst>
+                <a:outerShdw blurRad="38100" dist="22860" dir="5400000" algn="tl" rotWithShape="0">
+                  <a:srgbClr val="000000">
+                    <a:alpha val="30000"/>
+                  </a:srgbClr>
+                </a:outerShdw>
+              </a:effectLst>
+              <a:latin typeface="微软雅黑" panose="020B0503020204020204" pitchFamily="2" charset="-122"/>
+              <a:ea typeface="微软雅黑" panose="020B0503020204020204" pitchFamily="2" charset="-122"/>
+              <a:sym typeface="+mn-ea"/>
+            </a:endParaRPr>
+          </a:p>
+          <a:p>
+            <a:pPr marL="615315" marR="0" lvl="1" indent="-228600" algn="l" defTabSz="914400" rtl="0" eaLnBrk="1" fontAlgn="ctr" latinLnBrk="0" hangingPunct="1">
+              <a:lnSpc>
+                <a:spcPct val="120000"/>
+              </a:lnSpc>
+              <a:spcBef>
+                <a:spcPts val="600"/>
+              </a:spcBef>
+              <a:spcAft>
+                <a:spcPts val="0"/>
+              </a:spcAft>
+              <a:buSzPct val="90000"/>
+              <a:buAutoNum type="arabicPlain" startAt="2"/>
+              <a:defRPr/>
+            </a:pPr>
+            <a:r>
+              <a:rPr lang="en-US" altLang="zh-CN" sz="1200" spc="129" dirty="0">
+                <a:ln w="10160">
+                  <a:noFill/>
+                  <a:prstDash val="solid"/>
+                </a:ln>
+                <a:solidFill>
+                  <a:srgbClr val="FFFFFF"/>
+                </a:solidFill>
+                <a:effectLst>
+                  <a:outerShdw blurRad="38100" dist="22860" dir="5400000" algn="tl" rotWithShape="0">
+                    <a:srgbClr val="000000">
+                      <a:alpha val="30000"/>
+                    </a:srgbClr>
+                  </a:outerShdw>
+                </a:effectLst>
+                <a:latin typeface="微软雅黑" panose="020B0503020204020204" pitchFamily="2" charset="-122"/>
+                <a:ea typeface="微软雅黑" panose="020B0503020204020204" pitchFamily="2" charset="-122"/>
+                <a:sym typeface="+mn-ea"/>
+              </a:rPr>
+              <a:t>Nginx</a:t>
+            </a:r>
+            <a:r>
+              <a:rPr lang="zh-CN" altLang="en-US" sz="1200" spc="129" dirty="0">
+                <a:ln w="10160">
+                  <a:noFill/>
+                  <a:prstDash val="solid"/>
+                </a:ln>
+                <a:solidFill>
+                  <a:srgbClr val="FFFFFF"/>
+                </a:solidFill>
+                <a:effectLst>
+                  <a:outerShdw blurRad="38100" dist="22860" dir="5400000" algn="tl" rotWithShape="0">
+                    <a:srgbClr val="000000">
+                      <a:alpha val="30000"/>
+                    </a:srgbClr>
+                  </a:outerShdw>
+                </a:effectLst>
+                <a:latin typeface="微软雅黑" panose="020B0503020204020204" pitchFamily="2" charset="-122"/>
+                <a:ea typeface="微软雅黑" panose="020B0503020204020204" pitchFamily="2" charset="-122"/>
+                <a:sym typeface="+mn-ea"/>
+              </a:rPr>
+              <a:t>集群负载均衡</a:t>
+            </a:r>
+            <a:r>
+              <a:rPr lang="en-US" altLang="zh-CN" sz="1200" spc="129" dirty="0">
+                <a:ln w="10160">
+                  <a:noFill/>
+                  <a:prstDash val="solid"/>
+                </a:ln>
+                <a:solidFill>
+                  <a:srgbClr val="FFFFFF"/>
+                </a:solidFill>
+                <a:effectLst>
+                  <a:outerShdw blurRad="38100" dist="22860" dir="5400000" algn="tl" rotWithShape="0">
+                    <a:srgbClr val="000000">
+                      <a:alpha val="30000"/>
+                    </a:srgbClr>
+                  </a:outerShdw>
+                </a:effectLst>
+                <a:latin typeface="微软雅黑" panose="020B0503020204020204" pitchFamily="2" charset="-122"/>
+                <a:ea typeface="微软雅黑" panose="020B0503020204020204" pitchFamily="2" charset="-122"/>
+                <a:sym typeface="+mn-ea"/>
+              </a:rPr>
+              <a:t>-Redis</a:t>
+            </a:r>
+            <a:r>
+              <a:rPr lang="zh-CN" altLang="en-US" sz="1200" spc="129" dirty="0">
+                <a:ln w="10160">
+                  <a:noFill/>
+                  <a:prstDash val="solid"/>
+                </a:ln>
+                <a:solidFill>
+                  <a:srgbClr val="FFFFFF"/>
+                </a:solidFill>
+                <a:effectLst>
+                  <a:outerShdw blurRad="38100" dist="22860" dir="5400000" algn="tl" rotWithShape="0">
+                    <a:srgbClr val="000000">
+                      <a:alpha val="30000"/>
+                    </a:srgbClr>
+                  </a:outerShdw>
+                </a:effectLst>
+                <a:latin typeface="微软雅黑" panose="020B0503020204020204" pitchFamily="2" charset="-122"/>
+                <a:ea typeface="微软雅黑" panose="020B0503020204020204" pitchFamily="2" charset="-122"/>
+                <a:sym typeface="+mn-ea"/>
+              </a:rPr>
+              <a:t>部署</a:t>
+            </a:r>
+            <a:endParaRPr lang="en-US" altLang="zh-CN" sz="1200" spc="129" dirty="0">
+              <a:ln w="10160">
+                <a:noFill/>
+                <a:prstDash val="solid"/>
+              </a:ln>
+              <a:solidFill>
+                <a:srgbClr val="FFFFFF"/>
+              </a:solidFill>
+              <a:effectLst>
+                <a:outerShdw blurRad="38100" dist="22860" dir="5400000" algn="tl" rotWithShape="0">
+                  <a:srgbClr val="000000">
+                    <a:alpha val="30000"/>
+                  </a:srgbClr>
+                </a:outerShdw>
+              </a:effectLst>
+              <a:latin typeface="微软雅黑" panose="020B0503020204020204" pitchFamily="2" charset="-122"/>
+              <a:ea typeface="微软雅黑" panose="020B0503020204020204" pitchFamily="2" charset="-122"/>
+              <a:sym typeface="+mn-ea"/>
+            </a:endParaRPr>
+          </a:p>
+          <a:p>
+            <a:pPr marL="615315" marR="0" lvl="1" indent="-228600" algn="l" defTabSz="914400" rtl="0" eaLnBrk="1" fontAlgn="ctr" latinLnBrk="0" hangingPunct="1">
+              <a:lnSpc>
+                <a:spcPct val="120000"/>
+              </a:lnSpc>
+              <a:spcBef>
+                <a:spcPts val="600"/>
+              </a:spcBef>
+              <a:spcAft>
+                <a:spcPts val="0"/>
+              </a:spcAft>
+              <a:buSzPct val="90000"/>
+              <a:buAutoNum type="arabicPlain" startAt="2"/>
+              <a:defRPr/>
+            </a:pPr>
+            <a:r>
+              <a:rPr lang="en-US" altLang="zh-CN" sz="1200" spc="129" dirty="0">
+                <a:ln w="10160">
+                  <a:noFill/>
+                  <a:prstDash val="solid"/>
+                </a:ln>
+                <a:solidFill>
+                  <a:srgbClr val="FFFFFF"/>
+                </a:solidFill>
+                <a:effectLst>
+                  <a:outerShdw blurRad="38100" dist="22860" dir="5400000" algn="tl" rotWithShape="0">
+                    <a:srgbClr val="000000">
+                      <a:alpha val="30000"/>
+                    </a:srgbClr>
+                  </a:outerShdw>
+                </a:effectLst>
+                <a:latin typeface="微软雅黑" panose="020B0503020204020204" pitchFamily="2" charset="-122"/>
+                <a:ea typeface="微软雅黑" panose="020B0503020204020204" pitchFamily="2" charset="-122"/>
+                <a:sym typeface="+mn-ea"/>
+              </a:rPr>
+              <a:t>docker-compose </a:t>
+            </a:r>
+            <a:r>
+              <a:rPr lang="zh-CN" altLang="en-US" sz="1200" spc="129" dirty="0">
+                <a:ln w="10160">
+                  <a:noFill/>
+                  <a:prstDash val="solid"/>
+                </a:ln>
+                <a:solidFill>
+                  <a:srgbClr val="FFFFFF"/>
+                </a:solidFill>
+                <a:effectLst>
+                  <a:outerShdw blurRad="38100" dist="22860" dir="5400000" algn="tl" rotWithShape="0">
+                    <a:srgbClr val="000000">
+                      <a:alpha val="30000"/>
+                    </a:srgbClr>
+                  </a:outerShdw>
+                </a:effectLst>
+                <a:latin typeface="微软雅黑" panose="020B0503020204020204" pitchFamily="2" charset="-122"/>
+                <a:ea typeface="微软雅黑" panose="020B0503020204020204" pitchFamily="2" charset="-122"/>
+                <a:sym typeface="+mn-ea"/>
+              </a:rPr>
+              <a:t>和</a:t>
+            </a:r>
+            <a:r>
+              <a:rPr lang="en-US" altLang="zh-CN" sz="1200" spc="129" dirty="0" err="1">
+                <a:ln w="10160">
+                  <a:noFill/>
+                  <a:prstDash val="solid"/>
+                </a:ln>
+                <a:solidFill>
+                  <a:srgbClr val="FFFFFF"/>
+                </a:solidFill>
+                <a:effectLst>
+                  <a:outerShdw blurRad="38100" dist="22860" dir="5400000" algn="tl" rotWithShape="0">
+                    <a:srgbClr val="000000">
+                      <a:alpha val="30000"/>
+                    </a:srgbClr>
+                  </a:outerShdw>
+                </a:effectLst>
+                <a:latin typeface="微软雅黑" panose="020B0503020204020204" pitchFamily="2" charset="-122"/>
+                <a:ea typeface="微软雅黑" panose="020B0503020204020204" pitchFamily="2" charset="-122"/>
+                <a:sym typeface="+mn-ea"/>
+              </a:rPr>
+              <a:t>yml</a:t>
+            </a:r>
+            <a:endParaRPr lang="en-US" altLang="zh-CN" sz="1200" spc="129" dirty="0">
+              <a:ln w="10160">
+                <a:noFill/>
+                <a:prstDash val="solid"/>
+              </a:ln>
+              <a:solidFill>
+                <a:srgbClr val="FFFFFF"/>
+              </a:solidFill>
+              <a:effectLst>
+                <a:outerShdw blurRad="38100" dist="22860" dir="5400000" algn="tl" rotWithShape="0">
+                  <a:srgbClr val="000000">
+                    <a:alpha val="30000"/>
+                  </a:srgbClr>
+                </a:outerShdw>
+              </a:effectLst>
+              <a:latin typeface="微软雅黑" panose="020B0503020204020204" pitchFamily="2" charset="-122"/>
+              <a:ea typeface="微软雅黑" panose="020B0503020204020204" pitchFamily="2" charset="-122"/>
+              <a:sym typeface="+mn-ea"/>
+            </a:endParaRPr>
+          </a:p>
+          <a:p>
+            <a:pPr marL="615315" marR="0" lvl="1" indent="-228600" algn="l" defTabSz="914400" rtl="0" eaLnBrk="1" fontAlgn="ctr" latinLnBrk="0" hangingPunct="1">
+              <a:lnSpc>
+                <a:spcPct val="120000"/>
+              </a:lnSpc>
+              <a:spcBef>
+                <a:spcPts val="600"/>
+              </a:spcBef>
+              <a:spcAft>
+                <a:spcPts val="0"/>
+              </a:spcAft>
+              <a:buSzPct val="90000"/>
+              <a:buAutoNum type="arabicPlain" startAt="2"/>
+              <a:defRPr/>
+            </a:pPr>
+            <a:r>
+              <a:rPr lang="en-US" altLang="zh-CN" sz="1200" spc="129" dirty="0">
+                <a:ln w="10160">
+                  <a:noFill/>
+                  <a:prstDash val="solid"/>
+                </a:ln>
+                <a:solidFill>
+                  <a:srgbClr val="FFFFFF"/>
+                </a:solidFill>
+                <a:effectLst>
+                  <a:outerShdw blurRad="38100" dist="22860" dir="5400000" algn="tl" rotWithShape="0">
+                    <a:srgbClr val="000000">
+                      <a:alpha val="30000"/>
+                    </a:srgbClr>
+                  </a:outerShdw>
+                </a:effectLst>
+                <a:latin typeface="微软雅黑" panose="020B0503020204020204" pitchFamily="2" charset="-122"/>
+                <a:ea typeface="微软雅黑" panose="020B0503020204020204" pitchFamily="2" charset="-122"/>
+                <a:sym typeface="+mn-ea"/>
+              </a:rPr>
+              <a:t>docker-machine  swarm K8S</a:t>
+            </a:r>
+          </a:p>
+          <a:p>
+            <a:pPr marL="386715" marR="0" lvl="1" algn="l" defTabSz="914400" rtl="0" eaLnBrk="1" fontAlgn="ctr" latinLnBrk="0" hangingPunct="1">
+              <a:lnSpc>
+                <a:spcPct val="120000"/>
+              </a:lnSpc>
+              <a:spcBef>
+                <a:spcPts val="600"/>
+              </a:spcBef>
+              <a:spcAft>
+                <a:spcPts val="0"/>
+              </a:spcAft>
+              <a:buSzPct val="90000"/>
+              <a:defRPr/>
+            </a:pPr>
+            <a:endParaRPr lang="en-US" altLang="zh-CN" sz="1200" spc="129" dirty="0">
+              <a:ln w="10160">
+                <a:noFill/>
+                <a:prstDash val="solid"/>
+              </a:ln>
+              <a:solidFill>
+                <a:srgbClr val="FFFFFF"/>
+              </a:solidFill>
+              <a:effectLst>
+                <a:outerShdw blurRad="38100" dist="22860" dir="5400000" algn="tl" rotWithShape="0">
+                  <a:srgbClr val="000000">
+                    <a:alpha val="30000"/>
+                  </a:srgbClr>
+                </a:outerShdw>
+              </a:effectLst>
+              <a:latin typeface="微软雅黑" panose="020B0503020204020204" pitchFamily="2" charset="-122"/>
+              <a:ea typeface="微软雅黑" panose="020B0503020204020204" pitchFamily="2" charset="-122"/>
+              <a:sym typeface="+mn-ea"/>
+            </a:endParaRPr>
+          </a:p>
+          <a:p>
+            <a:pPr marL="386715" marR="0" lvl="1" algn="l" defTabSz="914400" rtl="0" eaLnBrk="1" fontAlgn="ctr" latinLnBrk="0" hangingPunct="1">
+              <a:lnSpc>
+                <a:spcPct val="120000"/>
+              </a:lnSpc>
+              <a:spcBef>
+                <a:spcPts val="600"/>
+              </a:spcBef>
+              <a:spcAft>
+                <a:spcPts val="0"/>
+              </a:spcAft>
+              <a:buSzPct val="90000"/>
+              <a:defRPr/>
+            </a:pPr>
+            <a:endParaRPr lang="en-US" altLang="zh-CN" sz="1200" spc="129" dirty="0">
+              <a:ln w="10160">
+                <a:noFill/>
+                <a:prstDash val="solid"/>
+              </a:ln>
+              <a:solidFill>
+                <a:srgbClr val="FFFFFF"/>
+              </a:solidFill>
+              <a:effectLst>
+                <a:outerShdw blurRad="38100" dist="22860" dir="5400000" algn="tl" rotWithShape="0">
+                  <a:srgbClr val="000000">
+                    <a:alpha val="30000"/>
+                  </a:srgbClr>
+                </a:outerShdw>
+              </a:effectLst>
+              <a:latin typeface="微软雅黑" panose="020B0503020204020204" pitchFamily="2" charset="-122"/>
+              <a:ea typeface="微软雅黑" panose="020B0503020204020204" pitchFamily="2" charset="-122"/>
+              <a:sym typeface="+mn-ea"/>
+            </a:endParaRPr>
+          </a:p>
+        </p:txBody>
+      </p:sp>
+      <p:pic>
+        <p:nvPicPr>
+          <p:cNvPr id="17" name="图片 16" descr="logo"/>
+          <p:cNvPicPr>
+            <a:picLocks noChangeAspect="1"/>
+          </p:cNvPicPr>
+          <p:nvPr/>
+        </p:nvPicPr>
+        <p:blipFill>
+          <a:blip r:embed="rId8"/>
+          <a:stretch>
+            <a:fillRect/>
+          </a:stretch>
+        </p:blipFill>
+        <p:spPr>
+          <a:xfrm>
+            <a:off x="7647940" y="372110"/>
+            <a:ext cx="1278890" cy="357505"/>
+          </a:xfrm>
+          <a:prstGeom prst="rect">
+            <a:avLst/>
+          </a:prstGeom>
+        </p:spPr>
+      </p:pic>
+      <p:pic>
+        <p:nvPicPr>
+          <p:cNvPr id="3" name="图片 2">
+            <a:extLst>
+              <a:ext uri="{FF2B5EF4-FFF2-40B4-BE49-F238E27FC236}">
+                <a16:creationId xmlns:a16="http://schemas.microsoft.com/office/drawing/2014/main" id="{FAAA572B-7185-4990-A373-649EA81BFE3E}"/>
+              </a:ext>
+            </a:extLst>
+          </p:cNvPr>
+          <p:cNvPicPr>
+            <a:picLocks noChangeAspect="1"/>
+          </p:cNvPicPr>
+          <p:nvPr/>
+        </p:nvPicPr>
+        <p:blipFill>
+          <a:blip r:embed="rId9" cstate="print">
+            <a:extLst>
+              <a:ext uri="{28A0092B-C50C-407E-A947-70E740481C1C}">
+                <a14:useLocalDpi xmlns:a14="http://schemas.microsoft.com/office/drawing/2010/main" val="0"/>
+              </a:ext>
+            </a:extLst>
+          </a:blip>
+          <a:stretch>
+            <a:fillRect/>
+          </a:stretch>
+        </p:blipFill>
+        <p:spPr>
+          <a:xfrm>
+            <a:off x="6542665" y="3489062"/>
+            <a:ext cx="2289053" cy="923546"/>
+          </a:xfrm>
+          <a:prstGeom prst="rect">
+            <a:avLst/>
+          </a:prstGeom>
+        </p:spPr>
+      </p:pic>
+    </p:spTree>
+    <p:extLst>
+      <p:ext uri="{BB962C8B-B14F-4D97-AF65-F5344CB8AC3E}">
+        <p14:creationId xmlns:p14="http://schemas.microsoft.com/office/powerpoint/2010/main" val="3373683609"/>
+      </p:ext>
+    </p:extLst>
+  </p:cSld>
+  <p:clrMapOvr>
+    <a:masterClrMapping/>
+  </p:clrMapOvr>
+  <p:transition spd="slow">
+    <p:push dir="u"/>
+  </p:transition>
+</p:sld>
+</file>
+
+<file path=ppt/slides/slide18.xml><?xml version="1.0" encoding="utf-8"?>
+<p:sld xmlns:a="http://schemas.openxmlformats.org/drawingml/2006/main" xmlns:r="http://schemas.openxmlformats.org/officeDocument/2006/relationships" xmlns:p="http://schemas.openxmlformats.org/presentationml/2006/main">
+  <p:cSld>
+    <p:spTree>
+      <p:nvGrpSpPr>
+        <p:cNvPr id="1" name=""/>
+        <p:cNvGrpSpPr/>
+        <p:nvPr/>
+      </p:nvGrpSpPr>
+      <p:grpSpPr>
+        <a:xfrm>
+          <a:off x="0" y="0"/>
+          <a:ext cx="0" cy="0"/>
+          <a:chOff x="0" y="0"/>
+          <a:chExt cx="0" cy="0"/>
+        </a:xfrm>
+      </p:grpSpPr>
+      <p:sp>
+        <p:nvSpPr>
+          <p:cNvPr id="12290" name="矩形 9"/>
+          <p:cNvSpPr/>
+          <p:nvPr/>
+        </p:nvSpPr>
+        <p:spPr>
+          <a:xfrm>
+            <a:off x="0" y="4562474"/>
+            <a:ext cx="9144000" cy="581026"/>
+          </a:xfrm>
+          <a:prstGeom prst="rect">
+            <a:avLst/>
+          </a:prstGeom>
+          <a:solidFill>
+            <a:srgbClr val="282828"/>
+          </a:solidFill>
+          <a:ln w="9525">
+            <a:noFill/>
+          </a:ln>
+        </p:spPr>
+        <p:txBody>
+          <a:bodyPr anchor="ctr"/>
+          <a:lstStyle/>
+          <a:p>
+            <a:pPr algn="ctr"/>
+            <a:endParaRPr>
+              <a:solidFill>
+                <a:srgbClr val="FFFFFF"/>
+              </a:solidFill>
+              <a:latin typeface="微软雅黑" panose="020B0503020204020204" pitchFamily="2" charset="-122"/>
+              <a:ea typeface="微软雅黑" panose="020B0503020204020204" pitchFamily="2" charset="-122"/>
+              <a:sym typeface="微软雅黑" panose="020B0503020204020204" pitchFamily="2" charset="-122"/>
+            </a:endParaRPr>
+          </a:p>
+        </p:txBody>
+      </p:sp>
+      <p:sp>
+        <p:nvSpPr>
+          <p:cNvPr id="12291" name="矩形 27"/>
+          <p:cNvSpPr/>
+          <p:nvPr/>
+        </p:nvSpPr>
+        <p:spPr>
+          <a:xfrm>
+            <a:off x="476250" y="177800"/>
+            <a:ext cx="1625766" cy="461665"/>
+          </a:xfrm>
+          <a:prstGeom prst="rect">
+            <a:avLst/>
+          </a:prstGeom>
+          <a:noFill/>
+          <a:ln w="9525">
+            <a:noFill/>
+          </a:ln>
+        </p:spPr>
+        <p:txBody>
+          <a:bodyPr wrap="none">
+            <a:spAutoFit/>
+          </a:bodyPr>
+          <a:lstStyle/>
+          <a:p>
+            <a:r>
+              <a:rPr lang="en-US" altLang="zh-CN" sz="2400" dirty="0">
+                <a:solidFill>
+                  <a:srgbClr val="FF8607"/>
+                </a:solidFill>
+                <a:latin typeface="Impact" panose="020B0806030902050204" pitchFamily="2" charset="0"/>
+                <a:ea typeface="微软雅黑" panose="020B0503020204020204" pitchFamily="2" charset="-122"/>
+                <a:sym typeface="Impact" panose="020B0806030902050204" pitchFamily="2" charset="0"/>
+              </a:rPr>
+              <a:t>Docker</a:t>
+            </a:r>
+            <a:r>
+              <a:rPr lang="zh-CN" altLang="en-US" sz="2400" dirty="0">
+                <a:solidFill>
+                  <a:srgbClr val="FF8607"/>
+                </a:solidFill>
+                <a:latin typeface="Impact" panose="020B0806030902050204" pitchFamily="2" charset="0"/>
+                <a:ea typeface="微软雅黑" panose="020B0503020204020204" pitchFamily="2" charset="-122"/>
+                <a:sym typeface="Impact" panose="020B0806030902050204" pitchFamily="2" charset="0"/>
+              </a:rPr>
+              <a:t> </a:t>
+            </a:r>
+            <a:r>
+              <a:rPr lang="en-US" altLang="zh-CN" sz="2400" dirty="0">
+                <a:solidFill>
+                  <a:srgbClr val="FF8607"/>
+                </a:solidFill>
+                <a:latin typeface="Impact" panose="020B0806030902050204" pitchFamily="2" charset="0"/>
+                <a:ea typeface="微软雅黑" panose="020B0503020204020204" pitchFamily="2" charset="-122"/>
+                <a:sym typeface="Impact" panose="020B0806030902050204" pitchFamily="2" charset="0"/>
+              </a:rPr>
+              <a:t>Hub</a:t>
+            </a:r>
+            <a:endParaRPr lang="zh-CN" altLang="en-US" dirty="0">
+              <a:ea typeface="宋体" panose="02010600030101010101" pitchFamily="2" charset="-122"/>
+            </a:endParaRPr>
+          </a:p>
+        </p:txBody>
+      </p:sp>
+      <p:sp>
+        <p:nvSpPr>
+          <p:cNvPr id="12292" name="等腰三角形 28"/>
+          <p:cNvSpPr/>
+          <p:nvPr/>
+        </p:nvSpPr>
+        <p:spPr>
+          <a:xfrm rot="5400000">
+            <a:off x="-39687" y="157163"/>
+            <a:ext cx="581025" cy="501650"/>
+          </a:xfrm>
+          <a:prstGeom prst="triangle">
+            <a:avLst>
+              <a:gd name="adj" fmla="val 50000"/>
+            </a:avLst>
+          </a:prstGeom>
+          <a:solidFill>
+            <a:srgbClr val="282828"/>
+          </a:solidFill>
+          <a:ln w="9525">
+            <a:noFill/>
+          </a:ln>
+        </p:spPr>
+        <p:txBody>
+          <a:bodyPr vert="horz" wrap="square" anchor="ctr"/>
+          <a:lstStyle/>
+          <a:p>
+            <a:pPr algn="ctr"/>
+            <a:endParaRPr>
+              <a:solidFill>
+                <a:srgbClr val="FFFFFF"/>
+              </a:solidFill>
+              <a:latin typeface="微软雅黑" panose="020B0503020204020204" pitchFamily="2" charset="-122"/>
+              <a:ea typeface="微软雅黑" panose="020B0503020204020204" pitchFamily="2" charset="-122"/>
+              <a:sym typeface="微软雅黑" panose="020B0503020204020204" pitchFamily="2" charset="-122"/>
+            </a:endParaRPr>
+          </a:p>
+        </p:txBody>
+      </p:sp>
+      <p:sp>
+        <p:nvSpPr>
+          <p:cNvPr id="2" name="文本框 1">
+            <a:extLst>
+              <a:ext uri="{FF2B5EF4-FFF2-40B4-BE49-F238E27FC236}">
+                <a16:creationId xmlns:a16="http://schemas.microsoft.com/office/drawing/2014/main" id="{16B512D6-5C02-4FFA-BD5E-8D82BFAB8AA1}"/>
+              </a:ext>
+            </a:extLst>
+          </p:cNvPr>
+          <p:cNvSpPr txBox="1"/>
+          <p:nvPr/>
+        </p:nvSpPr>
+        <p:spPr>
+          <a:xfrm>
+            <a:off x="6804155" y="889641"/>
+            <a:ext cx="2160150" cy="2585323"/>
+          </a:xfrm>
+          <a:prstGeom prst="rect">
+            <a:avLst/>
+          </a:prstGeom>
+          <a:noFill/>
+        </p:spPr>
+        <p:txBody>
+          <a:bodyPr wrap="square" rtlCol="0">
+            <a:spAutoFit/>
+          </a:bodyPr>
+          <a:lstStyle/>
+          <a:p>
+            <a:r>
+              <a:rPr lang="en-US" altLang="zh-CN" dirty="0"/>
+              <a:t>C/S</a:t>
+            </a:r>
+            <a:r>
+              <a:rPr lang="zh-CN" altLang="en-US" dirty="0"/>
+              <a:t>架构</a:t>
+            </a:r>
+            <a:endParaRPr lang="en-US" altLang="zh-CN" dirty="0"/>
+          </a:p>
+          <a:p>
+            <a:endParaRPr lang="en-US" altLang="zh-CN" dirty="0"/>
+          </a:p>
+          <a:p>
+            <a:r>
+              <a:rPr lang="en-US" altLang="zh-CN" b="1" dirty="0"/>
+              <a:t>Build, Ship and Run</a:t>
+            </a:r>
+          </a:p>
+          <a:p>
+            <a:endParaRPr lang="en-US" altLang="zh-CN" b="1" dirty="0"/>
+          </a:p>
+          <a:p>
+            <a:r>
+              <a:rPr lang="en-US" altLang="zh-CN" b="1" dirty="0"/>
+              <a:t>Build once</a:t>
+            </a:r>
+            <a:r>
+              <a:rPr lang="zh-CN" altLang="en-US" b="1" dirty="0"/>
+              <a:t>，</a:t>
+            </a:r>
+            <a:r>
+              <a:rPr lang="en-US" altLang="zh-CN" b="1" dirty="0"/>
+              <a:t>Run anywhere</a:t>
+            </a:r>
+          </a:p>
+          <a:p>
+            <a:endParaRPr lang="en-US" altLang="zh-CN" b="1" dirty="0"/>
+          </a:p>
+          <a:p>
+            <a:r>
+              <a:rPr lang="en-US" altLang="zh-CN" b="1" dirty="0"/>
+              <a:t>Linux Container</a:t>
+            </a:r>
+            <a:endParaRPr lang="en-US" altLang="zh-CN" dirty="0"/>
+          </a:p>
+        </p:txBody>
+      </p:sp>
+      <p:pic>
+        <p:nvPicPr>
+          <p:cNvPr id="1026" name="Picture 2">
+            <a:extLst>
+              <a:ext uri="{FF2B5EF4-FFF2-40B4-BE49-F238E27FC236}">
+                <a16:creationId xmlns:a16="http://schemas.microsoft.com/office/drawing/2014/main" id="{36263FD4-B254-4016-86D3-893429BDE52C}"/>
+              </a:ext>
+            </a:extLst>
+          </p:cNvPr>
+          <p:cNvPicPr>
+            <a:picLocks noChangeAspect="1" noChangeArrowheads="1"/>
+          </p:cNvPicPr>
+          <p:nvPr/>
+        </p:nvPicPr>
+        <p:blipFill>
+          <a:blip r:embed="rId2">
+            <a:extLst>
+              <a:ext uri="{28A0092B-C50C-407E-A947-70E740481C1C}">
+                <a14:useLocalDpi xmlns:a14="http://schemas.microsoft.com/office/drawing/2010/main" val="0"/>
+              </a:ext>
+            </a:extLst>
+          </a:blip>
+          <a:srcRect/>
+          <a:stretch>
+            <a:fillRect/>
+          </a:stretch>
+        </p:blipFill>
+        <p:spPr bwMode="auto">
+          <a:xfrm>
+            <a:off x="501651" y="889641"/>
+            <a:ext cx="6096000" cy="3190875"/>
+          </a:xfrm>
+          <a:prstGeom prst="rect">
+            <a:avLst/>
+          </a:prstGeom>
+          <a:noFill/>
+          <a:extLst>
+            <a:ext uri="{909E8E84-426E-40DD-AFC4-6F175D3DCCD1}">
+              <a14:hiddenFill xmlns:a14="http://schemas.microsoft.com/office/drawing/2010/main">
+                <a:solidFill>
+                  <a:srgbClr val="FFFFFF"/>
+                </a:solidFill>
+              </a14:hiddenFill>
+            </a:ext>
+          </a:extLst>
+        </p:spPr>
+      </p:pic>
+    </p:spTree>
+    <p:extLst>
+      <p:ext uri="{BB962C8B-B14F-4D97-AF65-F5344CB8AC3E}">
+        <p14:creationId xmlns:p14="http://schemas.microsoft.com/office/powerpoint/2010/main" val="1531963395"/>
+      </p:ext>
+    </p:extLst>
+  </p:cSld>
+  <p:clrMapOvr>
+    <a:masterClrMapping/>
+  </p:clrMapOvr>
+  <p:transition spd="slow">
+    <p:push dir="u"/>
+  </p:transition>
+</p:sld>
+</file>
+
+<file path=ppt/slides/slide19.xml><?xml version="1.0" encoding="utf-8"?>
+<p:sld xmlns:a="http://schemas.openxmlformats.org/drawingml/2006/main" xmlns:r="http://schemas.openxmlformats.org/officeDocument/2006/relationships" xmlns:p="http://schemas.openxmlformats.org/presentationml/2006/main">
+  <p:cSld>
+    <p:spTree>
+      <p:nvGrpSpPr>
+        <p:cNvPr id="1" name=""/>
+        <p:cNvGrpSpPr/>
+        <p:nvPr/>
+      </p:nvGrpSpPr>
+      <p:grpSpPr>
+        <a:xfrm>
+          <a:off x="0" y="0"/>
+          <a:ext cx="0" cy="0"/>
+          <a:chOff x="0" y="0"/>
+          <a:chExt cx="0" cy="0"/>
+        </a:xfrm>
+      </p:grpSpPr>
+      <p:sp>
+        <p:nvSpPr>
+          <p:cNvPr id="12290" name="矩形 9"/>
+          <p:cNvSpPr/>
+          <p:nvPr/>
+        </p:nvSpPr>
+        <p:spPr>
+          <a:xfrm>
+            <a:off x="0" y="4562474"/>
+            <a:ext cx="9144000" cy="581026"/>
+          </a:xfrm>
+          <a:prstGeom prst="rect">
+            <a:avLst/>
+          </a:prstGeom>
+          <a:solidFill>
+            <a:srgbClr val="282828"/>
+          </a:solidFill>
+          <a:ln w="9525">
+            <a:noFill/>
+          </a:ln>
+        </p:spPr>
+        <p:txBody>
+          <a:bodyPr anchor="ctr"/>
+          <a:lstStyle/>
+          <a:p>
+            <a:pPr algn="ctr"/>
+            <a:endParaRPr>
+              <a:solidFill>
+                <a:srgbClr val="FFFFFF"/>
+              </a:solidFill>
+              <a:latin typeface="微软雅黑" panose="020B0503020204020204" pitchFamily="2" charset="-122"/>
+              <a:ea typeface="微软雅黑" panose="020B0503020204020204" pitchFamily="2" charset="-122"/>
+              <a:sym typeface="微软雅黑" panose="020B0503020204020204" pitchFamily="2" charset="-122"/>
+            </a:endParaRPr>
+          </a:p>
+        </p:txBody>
+      </p:sp>
+      <p:sp>
+        <p:nvSpPr>
+          <p:cNvPr id="12291" name="矩形 27"/>
+          <p:cNvSpPr/>
+          <p:nvPr/>
+        </p:nvSpPr>
+        <p:spPr>
+          <a:xfrm>
+            <a:off x="476250" y="177800"/>
+            <a:ext cx="2186817" cy="461665"/>
+          </a:xfrm>
+          <a:prstGeom prst="rect">
+            <a:avLst/>
+          </a:prstGeom>
+          <a:noFill/>
+          <a:ln w="9525">
+            <a:noFill/>
+          </a:ln>
+        </p:spPr>
+        <p:txBody>
+          <a:bodyPr wrap="none">
+            <a:spAutoFit/>
+          </a:bodyPr>
+          <a:lstStyle/>
+          <a:p>
+            <a:r>
+              <a:rPr lang="en-US" altLang="zh-CN" sz="2400" dirty="0" err="1">
+                <a:solidFill>
+                  <a:srgbClr val="FF8607"/>
+                </a:solidFill>
+                <a:latin typeface="Impact" panose="020B0806030902050204" pitchFamily="2" charset="0"/>
+                <a:ea typeface="微软雅黑" panose="020B0503020204020204" pitchFamily="2" charset="-122"/>
+                <a:sym typeface="Impact" panose="020B0806030902050204" pitchFamily="2" charset="0"/>
+              </a:rPr>
+              <a:t>DockerHub</a:t>
+            </a:r>
+            <a:r>
+              <a:rPr lang="zh-CN" altLang="en-US" sz="2400" dirty="0">
+                <a:solidFill>
+                  <a:srgbClr val="FF8607"/>
+                </a:solidFill>
+                <a:latin typeface="Impact" panose="020B0806030902050204" pitchFamily="2" charset="0"/>
+                <a:ea typeface="微软雅黑" panose="020B0503020204020204" pitchFamily="2" charset="-122"/>
+                <a:sym typeface="Impact" panose="020B0806030902050204" pitchFamily="2" charset="0"/>
+              </a:rPr>
+              <a:t>操作</a:t>
+            </a:r>
+            <a:endParaRPr lang="zh-CN" altLang="en-US" dirty="0">
+              <a:ea typeface="宋体" panose="02010600030101010101" pitchFamily="2" charset="-122"/>
+            </a:endParaRPr>
+          </a:p>
+        </p:txBody>
+      </p:sp>
+      <p:sp>
+        <p:nvSpPr>
+          <p:cNvPr id="12292" name="等腰三角形 28"/>
+          <p:cNvSpPr/>
+          <p:nvPr/>
+        </p:nvSpPr>
+        <p:spPr>
+          <a:xfrm rot="5400000">
+            <a:off x="-39687" y="157163"/>
+            <a:ext cx="581025" cy="501650"/>
+          </a:xfrm>
+          <a:prstGeom prst="triangle">
+            <a:avLst>
+              <a:gd name="adj" fmla="val 50000"/>
+            </a:avLst>
+          </a:prstGeom>
+          <a:solidFill>
+            <a:srgbClr val="282828"/>
+          </a:solidFill>
+          <a:ln w="9525">
+            <a:noFill/>
+          </a:ln>
+        </p:spPr>
+        <p:txBody>
+          <a:bodyPr vert="horz" wrap="square" anchor="ctr"/>
+          <a:lstStyle/>
+          <a:p>
+            <a:pPr algn="ctr"/>
+            <a:endParaRPr>
+              <a:solidFill>
+                <a:srgbClr val="FFFFFF"/>
+              </a:solidFill>
+              <a:latin typeface="微软雅黑" panose="020B0503020204020204" pitchFamily="2" charset="-122"/>
+              <a:ea typeface="微软雅黑" panose="020B0503020204020204" pitchFamily="2" charset="-122"/>
+              <a:sym typeface="微软雅黑" panose="020B0503020204020204" pitchFamily="2" charset="-122"/>
+            </a:endParaRPr>
+          </a:p>
+        </p:txBody>
+      </p:sp>
+      <p:sp>
+        <p:nvSpPr>
+          <p:cNvPr id="2" name="文本框 1">
+            <a:extLst>
+              <a:ext uri="{FF2B5EF4-FFF2-40B4-BE49-F238E27FC236}">
+                <a16:creationId xmlns:a16="http://schemas.microsoft.com/office/drawing/2014/main" id="{16B512D6-5C02-4FFA-BD5E-8D82BFAB8AA1}"/>
+              </a:ext>
+            </a:extLst>
+          </p:cNvPr>
+          <p:cNvSpPr txBox="1"/>
+          <p:nvPr/>
+        </p:nvSpPr>
+        <p:spPr>
+          <a:xfrm>
+            <a:off x="476250" y="863590"/>
+            <a:ext cx="8099120" cy="369332"/>
+          </a:xfrm>
+          <a:prstGeom prst="rect">
+            <a:avLst/>
+          </a:prstGeom>
+          <a:noFill/>
+        </p:spPr>
+        <p:txBody>
+          <a:bodyPr wrap="square" rtlCol="0">
+            <a:spAutoFit/>
+          </a:bodyPr>
+          <a:lstStyle/>
+          <a:p>
+            <a:r>
+              <a:rPr lang="zh-CN" altLang="en-US" dirty="0"/>
+              <a:t>见</a:t>
+            </a:r>
+            <a:r>
+              <a:rPr lang="en-US" altLang="zh-CN" dirty="0"/>
+              <a:t>word</a:t>
+            </a:r>
+          </a:p>
+        </p:txBody>
+      </p:sp>
+    </p:spTree>
+    <p:extLst>
+      <p:ext uri="{BB962C8B-B14F-4D97-AF65-F5344CB8AC3E}">
+        <p14:creationId xmlns:p14="http://schemas.microsoft.com/office/powerpoint/2010/main" val="3847711798"/>
+      </p:ext>
+    </p:extLst>
+  </p:cSld>
+  <p:clrMapOvr>
+    <a:masterClrMapping/>
+  </p:clrMapOvr>
+  <p:transition spd="slow">
+    <p:push dir="u"/>
+  </p:transition>
+</p:sld>
+</file>
+
+<file path=ppt/slides/slide2.xml><?xml version="1.0" encoding="utf-8"?>
+<p:sld xmlns:a="http://schemas.openxmlformats.org/drawingml/2006/main" xmlns:r="http://schemas.openxmlformats.org/officeDocument/2006/relationships" xmlns:p="http://schemas.openxmlformats.org/presentationml/2006/main">
+  <p:cSld>
+    <p:spTree>
+      <p:nvGrpSpPr>
+        <p:cNvPr id="1" name=""/>
+        <p:cNvGrpSpPr/>
+        <p:nvPr/>
+      </p:nvGrpSpPr>
+      <p:grpSpPr>
+        <a:xfrm>
+          <a:off x="0" y="0"/>
+          <a:ext cx="0" cy="0"/>
+          <a:chOff x="0" y="0"/>
+          <a:chExt cx="0" cy="0"/>
+        </a:xfrm>
+      </p:grpSpPr>
+      <p:grpSp>
+        <p:nvGrpSpPr>
+          <p:cNvPr id="23" name="组合 22"/>
+          <p:cNvGrpSpPr/>
+          <p:nvPr>
+            <p:custDataLst>
+              <p:tags r:id="rId1"/>
+            </p:custDataLst>
+          </p:nvPr>
+        </p:nvGrpSpPr>
+        <p:grpSpPr>
+          <a:xfrm>
+            <a:off x="5672455" y="1487805"/>
+            <a:ext cx="3192780" cy="3089275"/>
+            <a:chOff x="8933" y="2343"/>
+            <a:chExt cx="5028" cy="4865"/>
+          </a:xfrm>
+        </p:grpSpPr>
+        <p:sp>
+          <p:nvSpPr>
+            <p:cNvPr id="24" name="圆角矩形 23"/>
+            <p:cNvSpPr/>
+            <p:nvPr>
+              <p:custDataLst>
+                <p:tags r:id="rId4"/>
+              </p:custDataLst>
+            </p:nvPr>
+          </p:nvSpPr>
+          <p:spPr>
+            <a:xfrm>
+              <a:off x="9133" y="2488"/>
+              <a:ext cx="4829" cy="4720"/>
+            </a:xfrm>
+            <a:prstGeom prst="roundRect">
+              <a:avLst>
+                <a:gd name="adj" fmla="val 9447"/>
+              </a:avLst>
+            </a:prstGeom>
+            <a:solidFill>
+              <a:schemeClr val="accent1">
+                <a:lumMod val="20000"/>
+                <a:lumOff val="80000"/>
+              </a:schemeClr>
+            </a:solidFill>
+            <a:ln>
+              <a:solidFill>
+                <a:schemeClr val="accent1">
+                  <a:lumMod val="60000"/>
+                  <a:lumOff val="40000"/>
+                </a:schemeClr>
+              </a:solidFill>
+            </a:ln>
+          </p:spPr>
+          <p:style>
+            <a:lnRef idx="2">
+              <a:schemeClr val="accent1">
+                <a:shade val="50000"/>
+              </a:schemeClr>
+            </a:lnRef>
+            <a:fillRef idx="1">
+              <a:schemeClr val="accent1"/>
+            </a:fillRef>
+            <a:effectRef idx="0">
+              <a:schemeClr val="accent1"/>
+            </a:effectRef>
+            <a:fontRef idx="minor">
+              <a:schemeClr val="lt1"/>
+            </a:fontRef>
+          </p:style>
+          <p:txBody>
+            <a:bodyPr rtlCol="0" anchor="ctr"/>
+            <a:lstStyle/>
+            <a:p>
+              <a:pPr algn="ctr"/>
+              <a:endParaRPr lang="zh-CN" altLang="en-US" sz="1800"/>
+            </a:p>
+          </p:txBody>
+        </p:sp>
+        <p:sp>
+          <p:nvSpPr>
+            <p:cNvPr id="25" name="圆角矩形 24"/>
+            <p:cNvSpPr/>
+            <p:nvPr>
+              <p:custDataLst>
+                <p:tags r:id="rId5"/>
+              </p:custDataLst>
+            </p:nvPr>
+          </p:nvSpPr>
+          <p:spPr>
+            <a:xfrm>
+              <a:off x="8933" y="2343"/>
+              <a:ext cx="4829" cy="4720"/>
+            </a:xfrm>
+            <a:prstGeom prst="roundRect">
+              <a:avLst>
+                <a:gd name="adj" fmla="val 9447"/>
+              </a:avLst>
+            </a:prstGeom>
+            <a:solidFill>
+              <a:schemeClr val="bg1"/>
+            </a:solidFill>
+            <a:ln>
+              <a:solidFill>
+                <a:schemeClr val="accent1">
+                  <a:lumMod val="60000"/>
+                  <a:lumOff val="40000"/>
+                </a:schemeClr>
+              </a:solidFill>
+            </a:ln>
+          </p:spPr>
+          <p:style>
+            <a:lnRef idx="2">
+              <a:schemeClr val="accent1">
+                <a:shade val="50000"/>
+              </a:schemeClr>
+            </a:lnRef>
+            <a:fillRef idx="1">
+              <a:schemeClr val="accent1"/>
+            </a:fillRef>
+            <a:effectRef idx="0">
+              <a:schemeClr val="accent1"/>
+            </a:effectRef>
+            <a:fontRef idx="minor">
+              <a:schemeClr val="lt1"/>
+            </a:fontRef>
+          </p:style>
+          <p:txBody>
+            <a:bodyPr rtlCol="0" anchor="ctr"/>
+            <a:lstStyle/>
+            <a:p>
+              <a:pPr algn="ctr"/>
+              <a:endParaRPr lang="zh-CN" altLang="en-US" sz="1800"/>
+            </a:p>
+          </p:txBody>
+        </p:sp>
+      </p:grpSp>
+      <p:sp>
+        <p:nvSpPr>
+          <p:cNvPr id="5122" name="黑色背景"/>
+          <p:cNvSpPr/>
+          <p:nvPr/>
+        </p:nvSpPr>
+        <p:spPr>
+          <a:xfrm>
+            <a:off x="0" y="0"/>
+            <a:ext cx="9144000" cy="5143500"/>
+          </a:xfrm>
+          <a:prstGeom prst="rect">
+            <a:avLst/>
+          </a:prstGeom>
+          <a:solidFill>
+            <a:srgbClr val="282828"/>
+          </a:solidFill>
+          <a:ln w="9525">
+            <a:noFill/>
+          </a:ln>
+        </p:spPr>
+        <p:txBody>
+          <a:bodyPr anchor="ctr"/>
+          <a:lstStyle/>
+          <a:p>
+            <a:pPr algn="ctr"/>
+            <a:endParaRPr dirty="0">
+              <a:solidFill>
+                <a:srgbClr val="FFFFFF"/>
+              </a:solidFill>
+              <a:latin typeface="微软雅黑" panose="020B0503020204020204" pitchFamily="2" charset="-122"/>
+              <a:ea typeface="微软雅黑" panose="020B0503020204020204" pitchFamily="2" charset="-122"/>
+              <a:sym typeface="微软雅黑" panose="020B0503020204020204" pitchFamily="2" charset="-122"/>
+            </a:endParaRPr>
+          </a:p>
+        </p:txBody>
+      </p:sp>
+      <p:sp>
+        <p:nvSpPr>
+          <p:cNvPr id="5123" name="前言"/>
+          <p:cNvSpPr/>
+          <p:nvPr/>
+        </p:nvSpPr>
+        <p:spPr>
+          <a:xfrm>
+            <a:off x="455295" y="278765"/>
+            <a:ext cx="4496435" cy="521970"/>
+          </a:xfrm>
+          <a:prstGeom prst="rect">
+            <a:avLst/>
+          </a:prstGeom>
+          <a:noFill/>
+          <a:ln w="9525">
+            <a:noFill/>
+          </a:ln>
+        </p:spPr>
+        <p:txBody>
+          <a:bodyPr wrap="square">
+            <a:spAutoFit/>
+          </a:bodyPr>
+          <a:lstStyle/>
+          <a:p>
+            <a:pPr algn="l"/>
+            <a:r>
+              <a:rPr lang="zh-CN" altLang="en-US" sz="2800" b="1" dirty="0">
+                <a:ln w="10160">
+                  <a:solidFill>
+                    <a:srgbClr val="FFC000"/>
+                  </a:solidFill>
+                  <a:prstDash val="solid"/>
+                </a:ln>
+                <a:solidFill>
+                  <a:srgbClr val="FFFFFF"/>
+                </a:solidFill>
+                <a:effectLst>
+                  <a:outerShdw blurRad="38100" dist="22860" dir="5400000" algn="tl" rotWithShape="0">
+                    <a:srgbClr val="000000">
+                      <a:alpha val="30000"/>
+                    </a:srgbClr>
+                  </a:outerShdw>
+                </a:effectLst>
+                <a:latin typeface="+mj-lt"/>
+                <a:ea typeface="+mj-lt"/>
+                <a:cs typeface="+mj-lt"/>
+                <a:sym typeface="+mn-ea"/>
+              </a:rPr>
+              <a:t>朝夕教育</a:t>
+            </a:r>
+            <a:r>
+              <a:rPr lang="en-US" altLang="zh-CN" sz="2800" b="1" dirty="0">
+                <a:ln w="10160">
+                  <a:solidFill>
+                    <a:srgbClr val="FFC000"/>
+                  </a:solidFill>
+                  <a:prstDash val="solid"/>
+                </a:ln>
+                <a:solidFill>
+                  <a:srgbClr val="FFFFFF"/>
+                </a:solidFill>
+                <a:effectLst>
+                  <a:outerShdw blurRad="38100" dist="22860" dir="5400000" algn="tl" rotWithShape="0">
+                    <a:srgbClr val="000000">
+                      <a:alpha val="30000"/>
+                    </a:srgbClr>
+                  </a:outerShdw>
+                </a:effectLst>
+                <a:latin typeface="+mj-lt"/>
+                <a:ea typeface="+mj-lt"/>
+                <a:cs typeface="+mj-lt"/>
+                <a:sym typeface="+mn-ea"/>
+              </a:rPr>
+              <a:t>.Net</a:t>
+            </a:r>
+            <a:r>
+              <a:rPr lang="zh-CN" altLang="en-US" sz="2800" b="1" dirty="0">
+                <a:ln w="10160">
+                  <a:solidFill>
+                    <a:srgbClr val="FFC000"/>
+                  </a:solidFill>
+                  <a:prstDash val="solid"/>
+                </a:ln>
+                <a:solidFill>
+                  <a:srgbClr val="FFFFFF"/>
+                </a:solidFill>
+                <a:effectLst>
+                  <a:outerShdw blurRad="38100" dist="22860" dir="5400000" algn="tl" rotWithShape="0">
+                    <a:srgbClr val="000000">
+                      <a:alpha val="30000"/>
+                    </a:srgbClr>
+                  </a:outerShdw>
+                </a:effectLst>
+                <a:latin typeface="+mj-lt"/>
+                <a:ea typeface="+mj-lt"/>
+                <a:cs typeface="+mj-lt"/>
+                <a:sym typeface="+mn-ea"/>
+              </a:rPr>
+              <a:t>架构班</a:t>
+            </a:r>
+          </a:p>
+        </p:txBody>
+      </p:sp>
+      <p:grpSp>
+        <p:nvGrpSpPr>
+          <p:cNvPr id="5124" name="组合 5123"/>
+          <p:cNvGrpSpPr/>
+          <p:nvPr/>
+        </p:nvGrpSpPr>
+        <p:grpSpPr>
+          <a:xfrm>
+            <a:off x="0" y="931863"/>
+            <a:ext cx="9144000" cy="3727450"/>
+            <a:chOff x="0" y="0"/>
+            <a:chExt cx="9144000" cy="3728183"/>
+          </a:xfrm>
+        </p:grpSpPr>
+        <p:sp>
+          <p:nvSpPr>
+            <p:cNvPr id="5125" name="矩形 254"/>
+            <p:cNvSpPr/>
+            <p:nvPr/>
+          </p:nvSpPr>
+          <p:spPr>
+            <a:xfrm rot="-10800000" flipV="1">
+              <a:off x="0" y="144015"/>
+              <a:ext cx="9144000" cy="3584168"/>
+            </a:xfrm>
+            <a:prstGeom prst="rect">
+              <a:avLst/>
+            </a:prstGeom>
+            <a:solidFill>
+              <a:srgbClr val="FF8607"/>
+            </a:solidFill>
+            <a:ln w="9525">
+              <a:noFill/>
+            </a:ln>
+          </p:spPr>
+          <p:txBody>
+            <a:bodyPr anchor="ctr"/>
+            <a:lstStyle/>
+            <a:p>
+              <a:pPr algn="ctr"/>
+              <a:endParaRPr>
+                <a:solidFill>
+                  <a:srgbClr val="FFFFFF"/>
+                </a:solidFill>
+                <a:latin typeface="微软雅黑" panose="020B0503020204020204" pitchFamily="2" charset="-122"/>
+                <a:ea typeface="微软雅黑" panose="020B0503020204020204" pitchFamily="2" charset="-122"/>
+                <a:sym typeface="微软雅黑" panose="020B0503020204020204" pitchFamily="2" charset="-122"/>
+              </a:endParaRPr>
+            </a:p>
+          </p:txBody>
+        </p:sp>
+        <p:sp>
+          <p:nvSpPr>
+            <p:cNvPr id="5126" name="直角三角形 6"/>
+            <p:cNvSpPr/>
+            <p:nvPr/>
+          </p:nvSpPr>
+          <p:spPr>
+            <a:xfrm rot="8100000">
+              <a:off x="1101425" y="0"/>
+              <a:ext cx="288032" cy="288032"/>
+            </a:xfrm>
+            <a:prstGeom prst="rtTriangle">
+              <a:avLst/>
+            </a:prstGeom>
+            <a:solidFill>
+              <a:srgbClr val="FF8607"/>
+            </a:solidFill>
+            <a:ln w="9525">
+              <a:noFill/>
+            </a:ln>
+          </p:spPr>
+          <p:txBody>
+            <a:bodyPr anchor="ctr"/>
+            <a:lstStyle/>
+            <a:p>
+              <a:pPr algn="ctr"/>
+              <a:endParaRPr>
+                <a:solidFill>
+                  <a:srgbClr val="FFFFFF"/>
+                </a:solidFill>
+                <a:latin typeface="微软雅黑" panose="020B0503020204020204" pitchFamily="2" charset="-122"/>
+                <a:ea typeface="微软雅黑" panose="020B0503020204020204" pitchFamily="2" charset="-122"/>
+                <a:sym typeface="微软雅黑" panose="020B0503020204020204" pitchFamily="2" charset="-122"/>
+              </a:endParaRPr>
+            </a:p>
+          </p:txBody>
+        </p:sp>
+      </p:grpSp>
+      <p:sp>
+        <p:nvSpPr>
+          <p:cNvPr id="26" name="文本框 25"/>
+          <p:cNvSpPr txBox="1"/>
+          <p:nvPr>
+            <p:custDataLst>
+              <p:tags r:id="rId2"/>
+            </p:custDataLst>
+          </p:nvPr>
+        </p:nvSpPr>
+        <p:spPr>
+          <a:xfrm>
+            <a:off x="6516135" y="1277527"/>
+            <a:ext cx="2646045" cy="2158283"/>
+          </a:xfrm>
+          <a:prstGeom prst="rect">
+            <a:avLst/>
+          </a:prstGeom>
+          <a:noFill/>
+          <a:ln>
+            <a:noFill/>
+            <a:prstDash val="dash"/>
+          </a:ln>
+        </p:spPr>
+        <p:txBody>
+          <a:bodyPr wrap="square" lIns="71755" tIns="36195" rIns="71755" bIns="36195" rtlCol="0">
+            <a:spAutoFit/>
+          </a:bodyPr>
+          <a:lstStyle>
+            <a:defPPr>
+              <a:defRPr lang="zh-CN"/>
+            </a:defPPr>
+            <a:lvl1pPr fontAlgn="auto">
+              <a:lnSpc>
+                <a:spcPct val="130000"/>
+              </a:lnSpc>
+              <a:spcAft>
+                <a:spcPts val="1000"/>
+              </a:spcAft>
+              <a:defRPr sz="1600" spc="150"/>
+            </a:lvl1pPr>
+          </a:lstStyle>
+          <a:p>
+            <a:pPr lvl="0" algn="l" fontAlgn="ctr">
+              <a:lnSpc>
+                <a:spcPct val="130000"/>
+              </a:lnSpc>
+              <a:spcBef>
+                <a:spcPts val="1000"/>
+              </a:spcBef>
+              <a:spcAft>
+                <a:spcPts val="0"/>
+              </a:spcAft>
+              <a:buSzPct val="100000"/>
+              <a:buFont typeface="+mj-ea"/>
+              <a:buNone/>
+            </a:pPr>
+            <a:r>
+              <a:rPr lang="zh-CN" altLang="en-US" sz="1500" b="1" spc="133" dirty="0">
+                <a:ln w="10160">
+                  <a:noFill/>
+                  <a:prstDash val="solid"/>
+                </a:ln>
+                <a:solidFill>
+                  <a:srgbClr val="FFFFFF"/>
+                </a:solidFill>
+                <a:effectLst>
+                  <a:outerShdw blurRad="38100" dist="22860" dir="5400000" algn="tl" rotWithShape="0">
+                    <a:srgbClr val="000000">
+                      <a:alpha val="30000"/>
+                    </a:srgbClr>
+                  </a:outerShdw>
+                </a:effectLst>
+                <a:uFillTx/>
+                <a:latin typeface="微软雅黑" panose="020B0503020204020204" pitchFamily="2" charset="-122"/>
+                <a:ea typeface="微软雅黑" panose="020B0503020204020204" pitchFamily="2" charset="-122"/>
+                <a:sym typeface="+mn-ea"/>
+              </a:rPr>
+              <a:t>Eleven老师</a:t>
+            </a:r>
+          </a:p>
+          <a:p>
+            <a:pPr lvl="0" algn="l" fontAlgn="ctr">
+              <a:lnSpc>
+                <a:spcPct val="100000"/>
+              </a:lnSpc>
+              <a:spcBef>
+                <a:spcPts val="1000"/>
+              </a:spcBef>
+              <a:spcAft>
+                <a:spcPts val="0"/>
+              </a:spcAft>
+              <a:buSzPct val="100000"/>
+              <a:buFont typeface="+mj-ea"/>
+              <a:buNone/>
+            </a:pPr>
+            <a:r>
+              <a:rPr lang="zh-CN" altLang="en-US" sz="1000" spc="113" dirty="0">
+                <a:ln w="10160">
+                  <a:noFill/>
+                  <a:prstDash val="solid"/>
+                </a:ln>
+                <a:solidFill>
+                  <a:srgbClr val="FFFFFF"/>
+                </a:solidFill>
+                <a:effectLst>
+                  <a:outerShdw blurRad="38100" dist="22860" dir="5400000" algn="tl" rotWithShape="0">
+                    <a:srgbClr val="000000">
+                      <a:alpha val="30000"/>
+                    </a:srgbClr>
+                  </a:outerShdw>
+                </a:effectLst>
+                <a:uFillTx/>
+                <a:latin typeface="微软雅黑" panose="020B0503020204020204" pitchFamily="2" charset="-122"/>
+                <a:ea typeface="微软雅黑" panose="020B0503020204020204" pitchFamily="2" charset="-122"/>
+                <a:sym typeface="+mn-ea"/>
+              </a:rPr>
+              <a:t>●</a:t>
+            </a:r>
+            <a:r>
+              <a:rPr lang="zh-CN" altLang="en-US" sz="1100" spc="113" dirty="0">
+                <a:ln w="10160">
+                  <a:noFill/>
+                  <a:prstDash val="solid"/>
+                </a:ln>
+                <a:solidFill>
+                  <a:srgbClr val="FFFFFF"/>
+                </a:solidFill>
+                <a:effectLst>
+                  <a:outerShdw blurRad="38100" dist="22860" dir="5400000" algn="tl" rotWithShape="0">
+                    <a:srgbClr val="000000">
+                      <a:alpha val="30000"/>
+                    </a:srgbClr>
+                  </a:outerShdw>
+                </a:effectLst>
+                <a:uFillTx/>
+                <a:latin typeface="微软雅黑" panose="020B0503020204020204" pitchFamily="2" charset="-122"/>
+                <a:ea typeface="微软雅黑" panose="020B0503020204020204" pitchFamily="2" charset="-122"/>
+                <a:sym typeface="+mn-ea"/>
+              </a:rPr>
+              <a:t> 武大毕业，4年开发，7年架构</a:t>
+            </a:r>
+            <a:endParaRPr lang="zh-CN" altLang="en-US" sz="1000" spc="113" dirty="0">
+              <a:ln w="10160">
+                <a:noFill/>
+                <a:prstDash val="solid"/>
+              </a:ln>
+              <a:solidFill>
+                <a:srgbClr val="FFFFFF"/>
+              </a:solidFill>
+              <a:effectLst>
+                <a:outerShdw blurRad="38100" dist="22860" dir="5400000" algn="tl" rotWithShape="0">
+                  <a:srgbClr val="000000">
+                    <a:alpha val="30000"/>
+                  </a:srgbClr>
+                </a:outerShdw>
+              </a:effectLst>
+              <a:uFillTx/>
+              <a:latin typeface="微软雅黑" panose="020B0503020204020204" pitchFamily="2" charset="-122"/>
+              <a:ea typeface="微软雅黑" panose="020B0503020204020204" pitchFamily="2" charset="-122"/>
+              <a:sym typeface="+mn-ea"/>
+            </a:endParaRPr>
+          </a:p>
+          <a:p>
+            <a:pPr lvl="0" algn="l" fontAlgn="ctr">
+              <a:lnSpc>
+                <a:spcPct val="100000"/>
+              </a:lnSpc>
+              <a:spcBef>
+                <a:spcPts val="1000"/>
+              </a:spcBef>
+              <a:spcAft>
+                <a:spcPts val="0"/>
+              </a:spcAft>
+              <a:buSzPct val="100000"/>
+              <a:buFont typeface="+mj-ea"/>
+              <a:buNone/>
+            </a:pPr>
+            <a:r>
+              <a:rPr lang="zh-CN" altLang="en-US" sz="1000" spc="113" dirty="0">
+                <a:ln w="10160">
+                  <a:noFill/>
+                  <a:prstDash val="solid"/>
+                </a:ln>
+                <a:solidFill>
+                  <a:srgbClr val="FFFFFF"/>
+                </a:solidFill>
+                <a:effectLst>
+                  <a:outerShdw blurRad="38100" dist="22860" dir="5400000" algn="tl" rotWithShape="0">
+                    <a:srgbClr val="000000">
+                      <a:alpha val="30000"/>
+                    </a:srgbClr>
+                  </a:outerShdw>
+                </a:effectLst>
+                <a:uFillTx/>
+                <a:latin typeface="微软雅黑" panose="020B0503020204020204" pitchFamily="2" charset="-122"/>
+                <a:ea typeface="微软雅黑" panose="020B0503020204020204" pitchFamily="2" charset="-122"/>
+                <a:sym typeface="+mn-ea"/>
+              </a:rPr>
+              <a:t>● </a:t>
+            </a:r>
+            <a:r>
+              <a:rPr lang="zh-CN" altLang="en-US" sz="1100" spc="113" dirty="0">
+                <a:ln w="10160">
+                  <a:noFill/>
+                  <a:prstDash val="solid"/>
+                </a:ln>
+                <a:solidFill>
+                  <a:srgbClr val="FFFFFF"/>
+                </a:solidFill>
+                <a:effectLst>
+                  <a:outerShdw blurRad="38100" dist="22860" dir="5400000" algn="tl" rotWithShape="0">
+                    <a:srgbClr val="000000">
+                      <a:alpha val="30000"/>
+                    </a:srgbClr>
+                  </a:outerShdw>
+                </a:effectLst>
+                <a:uFillTx/>
+                <a:latin typeface="微软雅黑" panose="020B0503020204020204" pitchFamily="2" charset="-122"/>
+                <a:ea typeface="微软雅黑" panose="020B0503020204020204" pitchFamily="2" charset="-122"/>
+                <a:sym typeface="+mn-ea"/>
+              </a:rPr>
+              <a:t>54个月在线教育</a:t>
+            </a:r>
+            <a:r>
+              <a:rPr lang="en-US" altLang="zh-CN" sz="1100" spc="113" dirty="0">
+                <a:ln w="10160">
+                  <a:noFill/>
+                  <a:prstDash val="solid"/>
+                </a:ln>
+                <a:solidFill>
+                  <a:srgbClr val="FFFFFF"/>
+                </a:solidFill>
+                <a:effectLst>
+                  <a:outerShdw blurRad="38100" dist="22860" dir="5400000" algn="tl" rotWithShape="0">
+                    <a:srgbClr val="000000">
+                      <a:alpha val="30000"/>
+                    </a:srgbClr>
+                  </a:outerShdw>
+                </a:effectLst>
+                <a:latin typeface="微软雅黑" panose="020B0503020204020204" pitchFamily="2" charset="-122"/>
+                <a:ea typeface="微软雅黑" panose="020B0503020204020204" pitchFamily="2" charset="-122"/>
+                <a:sym typeface="+mn-ea"/>
+              </a:rPr>
+              <a:t>,60w</a:t>
+            </a:r>
+            <a:r>
+              <a:rPr lang="zh-CN" altLang="en-US" sz="1100" spc="113" dirty="0">
+                <a:ln w="10160">
+                  <a:noFill/>
+                  <a:prstDash val="solid"/>
+                </a:ln>
+                <a:solidFill>
+                  <a:srgbClr val="FFFFFF"/>
+                </a:solidFill>
+                <a:effectLst>
+                  <a:outerShdw blurRad="38100" dist="22860" dir="5400000" algn="tl" rotWithShape="0">
+                    <a:srgbClr val="000000">
+                      <a:alpha val="30000"/>
+                    </a:srgbClr>
+                  </a:outerShdw>
+                </a:effectLst>
+                <a:latin typeface="微软雅黑" panose="020B0503020204020204" pitchFamily="2" charset="-122"/>
+                <a:ea typeface="微软雅黑" panose="020B0503020204020204" pitchFamily="2" charset="-122"/>
+                <a:sym typeface="+mn-ea"/>
+              </a:rPr>
+              <a:t>粉丝</a:t>
+            </a:r>
+            <a:endParaRPr lang="zh-CN" altLang="en-US" sz="1100" spc="113" dirty="0">
+              <a:ln w="10160">
+                <a:noFill/>
+                <a:prstDash val="solid"/>
+              </a:ln>
+              <a:solidFill>
+                <a:srgbClr val="FFFFFF"/>
+              </a:solidFill>
+              <a:effectLst>
+                <a:outerShdw blurRad="38100" dist="22860" dir="5400000" algn="tl" rotWithShape="0">
+                  <a:srgbClr val="000000">
+                    <a:alpha val="30000"/>
+                  </a:srgbClr>
+                </a:outerShdw>
+              </a:effectLst>
+              <a:uFillTx/>
+              <a:latin typeface="微软雅黑" panose="020B0503020204020204" pitchFamily="2" charset="-122"/>
+              <a:ea typeface="微软雅黑" panose="020B0503020204020204" pitchFamily="2" charset="-122"/>
+              <a:sym typeface="+mn-ea"/>
+            </a:endParaRPr>
+          </a:p>
+          <a:p>
+            <a:pPr lvl="0" algn="l" fontAlgn="ctr">
+              <a:lnSpc>
+                <a:spcPct val="100000"/>
+              </a:lnSpc>
+              <a:spcBef>
+                <a:spcPts val="1000"/>
+              </a:spcBef>
+              <a:spcAft>
+                <a:spcPts val="0"/>
+              </a:spcAft>
+              <a:buSzPct val="100000"/>
+              <a:buFont typeface="+mj-ea"/>
+              <a:buNone/>
+            </a:pPr>
+            <a:r>
+              <a:rPr lang="zh-CN" altLang="en-US" sz="1000" spc="113" dirty="0">
+                <a:ln w="10160">
+                  <a:noFill/>
+                  <a:prstDash val="solid"/>
+                </a:ln>
+                <a:solidFill>
+                  <a:srgbClr val="FFFFFF"/>
+                </a:solidFill>
+                <a:effectLst>
+                  <a:outerShdw blurRad="38100" dist="22860" dir="5400000" algn="tl" rotWithShape="0">
+                    <a:srgbClr val="000000">
+                      <a:alpha val="30000"/>
+                    </a:srgbClr>
+                  </a:outerShdw>
+                </a:effectLst>
+                <a:uFillTx/>
+                <a:latin typeface="微软雅黑" panose="020B0503020204020204" pitchFamily="2" charset="-122"/>
+                <a:ea typeface="微软雅黑" panose="020B0503020204020204" pitchFamily="2" charset="-122"/>
+                <a:sym typeface="+mn-ea"/>
+              </a:rPr>
+              <a:t>● </a:t>
+            </a:r>
+            <a:r>
+              <a:rPr lang="zh-CN" altLang="en-US" sz="1100" spc="113" dirty="0">
+                <a:ln w="10160">
+                  <a:noFill/>
+                  <a:prstDash val="solid"/>
+                </a:ln>
+                <a:solidFill>
+                  <a:srgbClr val="FFFFFF"/>
+                </a:solidFill>
+                <a:effectLst>
+                  <a:outerShdw blurRad="38100" dist="22860" dir="5400000" algn="tl" rotWithShape="0">
+                    <a:srgbClr val="000000">
+                      <a:alpha val="30000"/>
+                    </a:srgbClr>
+                  </a:outerShdw>
+                </a:effectLst>
+                <a:uFillTx/>
+                <a:latin typeface="微软雅黑" panose="020B0503020204020204" pitchFamily="2" charset="-122"/>
+                <a:ea typeface="微软雅黑" panose="020B0503020204020204" pitchFamily="2" charset="-122"/>
+                <a:sym typeface="+mn-ea"/>
+              </a:rPr>
+              <a:t>13个学期，3000+ VIP学员</a:t>
+            </a:r>
+          </a:p>
+          <a:p>
+            <a:pPr lvl="0" algn="l" fontAlgn="ctr">
+              <a:lnSpc>
+                <a:spcPct val="100000"/>
+              </a:lnSpc>
+              <a:spcBef>
+                <a:spcPts val="1000"/>
+              </a:spcBef>
+              <a:spcAft>
+                <a:spcPts val="0"/>
+              </a:spcAft>
+              <a:buSzPct val="100000"/>
+              <a:buFont typeface="+mj-ea"/>
+              <a:buNone/>
+            </a:pPr>
+            <a:r>
+              <a:rPr lang="zh-CN" altLang="en-US" sz="1000" spc="113" dirty="0">
+                <a:ln w="10160">
+                  <a:noFill/>
+                  <a:prstDash val="solid"/>
+                </a:ln>
+                <a:solidFill>
+                  <a:srgbClr val="FFFFFF"/>
+                </a:solidFill>
+                <a:effectLst>
+                  <a:outerShdw blurRad="38100" dist="22860" dir="5400000" algn="tl" rotWithShape="0">
+                    <a:srgbClr val="000000">
+                      <a:alpha val="30000"/>
+                    </a:srgbClr>
+                  </a:outerShdw>
+                </a:effectLst>
+                <a:uFillTx/>
+                <a:latin typeface="微软雅黑" panose="020B0503020204020204" pitchFamily="2" charset="-122"/>
+                <a:ea typeface="微软雅黑" panose="020B0503020204020204" pitchFamily="2" charset="-122"/>
+                <a:sym typeface="+mn-ea"/>
+              </a:rPr>
+              <a:t>● </a:t>
+            </a:r>
+            <a:r>
+              <a:rPr lang="zh-CN" altLang="en-US" sz="1100" spc="113" dirty="0">
+                <a:ln w="10160">
+                  <a:noFill/>
+                  <a:prstDash val="solid"/>
+                </a:ln>
+                <a:solidFill>
+                  <a:srgbClr val="FFFFFF"/>
+                </a:solidFill>
+                <a:effectLst>
+                  <a:outerShdw blurRad="38100" dist="22860" dir="5400000" algn="tl" rotWithShape="0">
+                    <a:srgbClr val="000000">
+                      <a:alpha val="30000"/>
+                    </a:srgbClr>
+                  </a:outerShdw>
+                </a:effectLst>
+                <a:uFillTx/>
+                <a:latin typeface="微软雅黑" panose="020B0503020204020204" pitchFamily="2" charset="-122"/>
+                <a:ea typeface="微软雅黑" panose="020B0503020204020204" pitchFamily="2" charset="-122"/>
+                <a:sym typeface="+mn-ea"/>
+              </a:rPr>
+              <a:t>连续3年腾讯课堂金牌讲师</a:t>
+            </a:r>
+          </a:p>
+          <a:p>
+            <a:pPr lvl="0" algn="l" fontAlgn="ctr">
+              <a:lnSpc>
+                <a:spcPct val="100000"/>
+              </a:lnSpc>
+              <a:spcBef>
+                <a:spcPts val="1000"/>
+              </a:spcBef>
+              <a:spcAft>
+                <a:spcPts val="0"/>
+              </a:spcAft>
+              <a:buSzPct val="100000"/>
+              <a:buFont typeface="+mj-ea"/>
+              <a:buNone/>
+            </a:pPr>
+            <a:r>
+              <a:rPr lang="zh-CN" altLang="en-US" sz="1000" spc="113" dirty="0">
+                <a:ln w="10160">
+                  <a:noFill/>
+                  <a:prstDash val="solid"/>
+                </a:ln>
+                <a:solidFill>
+                  <a:srgbClr val="FFFFFF"/>
+                </a:solidFill>
+                <a:effectLst>
+                  <a:outerShdw blurRad="38100" dist="22860" dir="5400000" algn="tl" rotWithShape="0">
+                    <a:srgbClr val="000000">
+                      <a:alpha val="30000"/>
+                    </a:srgbClr>
+                  </a:outerShdw>
+                </a:effectLst>
+                <a:uFillTx/>
+                <a:latin typeface="微软雅黑" panose="020B0503020204020204" pitchFamily="2" charset="-122"/>
+                <a:ea typeface="微软雅黑" panose="020B0503020204020204" pitchFamily="2" charset="-122"/>
+                <a:sym typeface="+mn-ea"/>
+              </a:rPr>
+              <a:t>● </a:t>
+            </a:r>
+            <a:r>
+              <a:rPr lang="zh-CN" altLang="en-US" sz="1100" spc="113" dirty="0">
+                <a:ln w="10160">
+                  <a:noFill/>
+                  <a:prstDash val="solid"/>
+                </a:ln>
+                <a:solidFill>
+                  <a:srgbClr val="FFFFFF"/>
+                </a:solidFill>
+                <a:effectLst>
+                  <a:outerShdw blurRad="38100" dist="22860" dir="5400000" algn="tl" rotWithShape="0">
+                    <a:srgbClr val="000000">
+                      <a:alpha val="30000"/>
+                    </a:srgbClr>
+                  </a:outerShdw>
+                </a:effectLst>
+                <a:uFillTx/>
+                <a:latin typeface="微软雅黑" panose="020B0503020204020204" pitchFamily="2" charset="-122"/>
+                <a:ea typeface="微软雅黑" panose="020B0503020204020204" pitchFamily="2" charset="-122"/>
+                <a:sym typeface="+mn-ea"/>
+              </a:rPr>
+              <a:t>腾讯总部滨海大厦特邀嘉宾</a:t>
+            </a:r>
+          </a:p>
+          <a:p>
+            <a:pPr lvl="0" algn="l" fontAlgn="ctr">
+              <a:lnSpc>
+                <a:spcPct val="100000"/>
+              </a:lnSpc>
+              <a:spcBef>
+                <a:spcPts val="1000"/>
+              </a:spcBef>
+              <a:spcAft>
+                <a:spcPts val="0"/>
+              </a:spcAft>
+              <a:buSzPct val="100000"/>
+              <a:buFont typeface="+mj-ea"/>
+              <a:buNone/>
+            </a:pPr>
+            <a:endParaRPr lang="zh-CN" altLang="en-US" sz="1100" spc="113" dirty="0">
+              <a:ln w="10160">
+                <a:noFill/>
+                <a:prstDash val="solid"/>
+              </a:ln>
+              <a:solidFill>
+                <a:srgbClr val="FFFFFF"/>
+              </a:solidFill>
+              <a:effectLst>
+                <a:outerShdw blurRad="38100" dist="22860" dir="5400000" algn="tl" rotWithShape="0">
+                  <a:srgbClr val="000000">
+                    <a:alpha val="30000"/>
+                  </a:srgbClr>
+                </a:outerShdw>
+              </a:effectLst>
+              <a:uFillTx/>
+              <a:latin typeface="微软雅黑" panose="020B0503020204020204" pitchFamily="2" charset="-122"/>
+              <a:ea typeface="微软雅黑" panose="020B0503020204020204" pitchFamily="2" charset="-122"/>
+              <a:sym typeface="+mn-ea"/>
+            </a:endParaRPr>
+          </a:p>
+        </p:txBody>
+      </p:sp>
+      <p:pic>
+        <p:nvPicPr>
+          <p:cNvPr id="18" name="图片 17"/>
+          <p:cNvPicPr>
+            <a:picLocks noChangeAspect="1"/>
+          </p:cNvPicPr>
+          <p:nvPr/>
+        </p:nvPicPr>
+        <p:blipFill>
+          <a:blip r:embed="rId7" cstate="print">
+            <a:extLst>
+              <a:ext uri="{28A0092B-C50C-407E-A947-70E740481C1C}">
+                <a14:useLocalDpi xmlns:a14="http://schemas.microsoft.com/office/drawing/2010/main" val="0"/>
+              </a:ext>
+            </a:extLst>
+          </a:blip>
+          <a:stretch>
+            <a:fillRect/>
+          </a:stretch>
+        </p:blipFill>
+        <p:spPr>
+          <a:xfrm>
+            <a:off x="4440362" y="1335962"/>
+            <a:ext cx="2041525" cy="3063240"/>
+          </a:xfrm>
+          <a:prstGeom prst="rect">
+            <a:avLst/>
+          </a:prstGeom>
+        </p:spPr>
+      </p:pic>
+      <p:sp>
+        <p:nvSpPr>
+          <p:cNvPr id="12" name="文本框 11"/>
+          <p:cNvSpPr txBox="1"/>
+          <p:nvPr>
+            <p:custDataLst>
+              <p:tags r:id="rId3"/>
+            </p:custDataLst>
+          </p:nvPr>
+        </p:nvSpPr>
+        <p:spPr>
+          <a:xfrm>
+            <a:off x="278130" y="1203655"/>
             <a:ext cx="3773170" cy="2307555"/>
           </a:xfrm>
           <a:prstGeom prst="rect">
@@ -8553,7 +9852,7 @@
         <p:spPr>
           <a:xfrm>
             <a:off x="476250" y="177800"/>
-            <a:ext cx="2117054" cy="461665"/>
+            <a:ext cx="1809278" cy="461665"/>
           </a:xfrm>
           <a:prstGeom prst="rect">
             <a:avLst/>
@@ -8589,7 +9888,7 @@
                 <a:ea typeface="微软雅黑" panose="020B0503020204020204" pitchFamily="2" charset="-122"/>
                 <a:sym typeface="Impact" panose="020B0806030902050204" pitchFamily="2" charset="0"/>
               </a:rPr>
-              <a:t>构建</a:t>
+              <a:t>篇</a:t>
             </a:r>
             <a:endParaRPr lang="zh-CN" altLang="en-US" dirty="0">
               <a:ea typeface="宋体" panose="02010600030101010101" pitchFamily="2" charset="-122"/>
@@ -8665,46 +9964,67 @@
           <a:lstStyle/>
           <a:p>
             <a:r>
-              <a:rPr lang="en-US" altLang="zh-CN" dirty="0"/>
-              <a:t>1 </a:t>
-            </a:r>
-            <a:r>
               <a:rPr lang="en-US" altLang="zh-CN" dirty="0" err="1"/>
-              <a:t>Asp.Net</a:t>
+              <a:t>Dockerfile</a:t>
             </a:r>
             <a:r>
               <a:rPr lang="en-US" altLang="zh-CN" dirty="0"/>
               <a:t> </a:t>
             </a:r>
             <a:r>
-              <a:rPr lang="en-US" altLang="zh-CN" dirty="0" err="1"/>
-              <a:t>Core+Dockerfile</a:t>
+              <a:rPr lang="zh-CN" altLang="en-US" dirty="0"/>
+              <a:t>是一个用来构建镜像的文本文件，文本内容包含了一条条构建镜像所需的指令和说明。</a:t>
             </a:r>
             <a:endParaRPr lang="en-US" altLang="zh-CN" dirty="0"/>
           </a:p>
           <a:p>
-            <a:r>
-              <a:rPr lang="en-US" altLang="zh-CN" dirty="0"/>
-              <a:t>2 Build</a:t>
-            </a:r>
-            <a:r>
-              <a:rPr lang="zh-CN" altLang="en-US" dirty="0"/>
-              <a:t>镜像</a:t>
-            </a:r>
             <a:endParaRPr lang="en-US" altLang="zh-CN" dirty="0"/>
           </a:p>
-          <a:p>
-            <a:r>
-              <a:rPr lang="en-US" altLang="zh-CN" dirty="0"/>
-              <a:t>3 Run</a:t>
-            </a:r>
-          </a:p>
-        </p:txBody>
-      </p:sp>
+        </p:txBody>
+      </p:sp>
+      <p:pic>
+        <p:nvPicPr>
+          <p:cNvPr id="6" name="图片 5">
+            <a:extLst>
+              <a:ext uri="{FF2B5EF4-FFF2-40B4-BE49-F238E27FC236}">
+                <a16:creationId xmlns:a16="http://schemas.microsoft.com/office/drawing/2014/main" id="{C54DB215-69F5-4FC3-ACD1-F76449178FA2}"/>
+              </a:ext>
+            </a:extLst>
+          </p:cNvPr>
+          <p:cNvPicPr/>
+          <p:nvPr/>
+        </p:nvPicPr>
+        <p:blipFill>
+          <a:blip r:embed="rId2">
+            <a:extLst>
+              <a:ext uri="{28A0092B-C50C-407E-A947-70E740481C1C}">
+                <a14:useLocalDpi xmlns:a14="http://schemas.microsoft.com/office/drawing/2010/main" val="0"/>
+              </a:ext>
+            </a:extLst>
+          </a:blip>
+          <a:srcRect/>
+          <a:stretch>
+            <a:fillRect/>
+          </a:stretch>
+        </p:blipFill>
+        <p:spPr bwMode="auto">
+          <a:xfrm>
+            <a:off x="3304250" y="1419670"/>
+            <a:ext cx="5274310" cy="2771775"/>
+          </a:xfrm>
+          <a:prstGeom prst="rect">
+            <a:avLst/>
+          </a:prstGeom>
+          <a:noFill/>
+          <a:ln>
+            <a:noFill/>
+          </a:ln>
+        </p:spPr>
+      </p:pic>
     </p:spTree>
     <p:extLst>
       <p:ext uri="{BB962C8B-B14F-4D97-AF65-F5344CB8AC3E}">
-        <p14:creationId xmlns:p14="http://schemas.microsoft.com/office/powerpoint/2010/main" val="4038734913"/>
+        <p14:creationId xmlns:p14="http://schemas.microsoft.com/office/powerpoint/2010/main" val="2354635437"/>
       </p:ext>
     </p:extLst>
   </p:cSld>
@@ -8780,7 +10100,7 @@
         <p:spPr>
           <a:xfrm>
             <a:off x="476250" y="177800"/>
-            <a:ext cx="1809278" cy="461665"/>
+            <a:ext cx="2117054" cy="461665"/>
           </a:xfrm>
           <a:prstGeom prst="rect">
             <a:avLst/>
@@ -8816,7 +10136,7 @@
                 <a:ea typeface="微软雅黑" panose="020B0503020204020204" pitchFamily="2" charset="-122"/>
                 <a:sym typeface="Impact" panose="020B0806030902050204" pitchFamily="2" charset="0"/>
               </a:rPr>
-              <a:t>篇</a:t>
+              <a:t>构建</a:t>
             </a:r>
             <a:endParaRPr lang="zh-CN" altLang="en-US" dirty="0">
               <a:ea typeface="宋体" panose="02010600030101010101" pitchFamily="2" charset="-122"/>
@@ -8878,7 +10198,7 @@
         <p:spPr>
           <a:xfrm>
             <a:off x="476250" y="863590"/>
-            <a:ext cx="8099120" cy="923330"/>
+            <a:ext cx="8099120" cy="2585323"/>
           </a:xfrm>
           <a:prstGeom prst="rect">
             <a:avLst/>
@@ -8892,67 +10212,95 @@
           <a:lstStyle/>
           <a:p>
             <a:r>
+              <a:rPr lang="en-US" altLang="zh-CN" dirty="0"/>
+              <a:t>1 </a:t>
+            </a:r>
+            <a:r>
+              <a:rPr lang="en-US" altLang="zh-CN" dirty="0" err="1"/>
+              <a:t>Asp.Net</a:t>
+            </a:r>
+            <a:r>
+              <a:rPr lang="en-US" altLang="zh-CN" dirty="0"/>
+              <a:t> </a:t>
+            </a:r>
+            <a:r>
+              <a:rPr lang="en-US" altLang="zh-CN" dirty="0" err="1"/>
+              <a:t>Core+Dockerfile</a:t>
+            </a:r>
+            <a:endParaRPr lang="en-US" altLang="zh-CN" dirty="0"/>
+          </a:p>
+          <a:p>
+            <a:r>
+              <a:rPr lang="en-US" altLang="zh-CN" dirty="0"/>
+              <a:t>2 Build</a:t>
+            </a:r>
+            <a:r>
+              <a:rPr lang="zh-CN" altLang="en-US" dirty="0"/>
+              <a:t>镜像</a:t>
+            </a:r>
+            <a:endParaRPr lang="en-US" altLang="zh-CN" dirty="0"/>
+          </a:p>
+          <a:p>
+            <a:r>
+              <a:rPr lang="en-US" altLang="zh-CN" dirty="0"/>
+              <a:t>3 Run</a:t>
+            </a:r>
+          </a:p>
+          <a:p>
+            <a:endParaRPr lang="en-US" altLang="zh-CN" dirty="0"/>
+          </a:p>
+          <a:p>
+            <a:r>
+              <a:rPr lang="en-US" altLang="zh-CN" dirty="0"/>
+              <a:t>docker build -t core31v1.619 -f </a:t>
+            </a:r>
+            <a:r>
               <a:rPr lang="en-US" altLang="zh-CN" dirty="0" err="1"/>
               <a:t>Dockerfile</a:t>
             </a:r>
             <a:r>
               <a:rPr lang="en-US" altLang="zh-CN" dirty="0"/>
-              <a:t> </a:t>
+              <a:t> .</a:t>
+            </a:r>
+            <a:endParaRPr lang="zh-CN" altLang="zh-CN" dirty="0"/>
+          </a:p>
+          <a:p>
+            <a:r>
+              <a:rPr lang="en-US" altLang="zh-CN" dirty="0"/>
+              <a:t>docker run -</a:t>
+            </a:r>
+            <a:r>
+              <a:rPr lang="en-US" altLang="zh-CN" dirty="0" err="1"/>
+              <a:t>itd</a:t>
+            </a:r>
+            <a:r>
+              <a:rPr lang="en-US" altLang="zh-CN" dirty="0"/>
+              <a:t> -p 8082:80 core31v1.619</a:t>
+            </a:r>
+          </a:p>
+          <a:p>
+            <a:endParaRPr lang="en-US" altLang="zh-CN" dirty="0"/>
+          </a:p>
+          <a:p>
+            <a:endParaRPr lang="en-US" altLang="zh-CN" dirty="0"/>
+          </a:p>
+          <a:p>
+            <a:r>
+              <a:rPr lang="en-US" altLang="zh-CN" dirty="0" err="1"/>
+              <a:t>dockfile</a:t>
             </a:r>
             <a:r>
               <a:rPr lang="zh-CN" altLang="en-US" dirty="0"/>
-              <a:t>是一个用来构建镜像的文本文件，文本内容包含了一条条构建镜像所需的指令和说明。</a:t>
+              <a:t>在项目文件夹一层</a:t>
             </a:r>
             <a:endParaRPr lang="en-US" altLang="zh-CN" dirty="0"/>
           </a:p>
-          <a:p>
-            <a:endParaRPr lang="en-US" altLang="zh-CN" dirty="0"/>
-          </a:p>
-        </p:txBody>
-      </p:sp>
-      <p:pic>
-        <p:nvPicPr>
-          <p:cNvPr id="6" name="图片 5">
-            <a:extLst>
-              <a:ext uri="{FF2B5EF4-FFF2-40B4-BE49-F238E27FC236}">
-                <a16:creationId xmlns:a16="http://schemas.microsoft.com/office/drawing/2014/main" id="{C54DB215-69F5-4FC3-ACD1-F76449178FA2}"/>
-              </a:ext>
-            </a:extLst>
-          </p:cNvPr>
-          <p:cNvPicPr/>
-          <p:nvPr/>
-        </p:nvPicPr>
-        <p:blipFill>
-          <a:blip r:embed="rId2">
-            <a:extLst>
-              <a:ext uri="{28A0092B-C50C-407E-A947-70E740481C1C}">
-                <a14:useLocalDpi xmlns:a14="http://schemas.microsoft.com/office/drawing/2010/main" val="0"/>
-              </a:ext>
-            </a:extLst>
-          </a:blip>
-          <a:srcRect/>
-          <a:stretch>
-            <a:fillRect/>
-          </a:stretch>
-        </p:blipFill>
-        <p:spPr bwMode="auto">
-          <a:xfrm>
-            <a:off x="3304250" y="1419670"/>
-            <a:ext cx="5274310" cy="2771775"/>
-          </a:xfrm>
-          <a:prstGeom prst="rect">
-            <a:avLst/>
-          </a:prstGeom>
-          <a:noFill/>
-          <a:ln>
-            <a:noFill/>
-          </a:ln>
-        </p:spPr>
-      </p:pic>
+        </p:txBody>
+      </p:sp>
     </p:spTree>
     <p:extLst>
       <p:ext uri="{BB962C8B-B14F-4D97-AF65-F5344CB8AC3E}">
-        <p14:creationId xmlns:p14="http://schemas.microsoft.com/office/powerpoint/2010/main" val="1589282479"/>
+        <p14:creationId xmlns:p14="http://schemas.microsoft.com/office/powerpoint/2010/main" val="4038734913"/>
       </p:ext>
     </p:extLst>
   </p:cSld>
@@ -9028,7 +10376,7 @@
         <p:spPr>
           <a:xfrm>
             <a:off x="476250" y="177800"/>
-            <a:ext cx="1669047" cy="461665"/>
+            <a:ext cx="3373039" cy="461665"/>
           </a:xfrm>
           <a:prstGeom prst="rect">
             <a:avLst/>
@@ -9053,7 +10401,7 @@
                 <a:ea typeface="微软雅黑" panose="020B0503020204020204" pitchFamily="2" charset="-122"/>
                 <a:sym typeface="Impact" panose="020B0806030902050204" pitchFamily="2" charset="0"/>
               </a:rPr>
-              <a:t>集群</a:t>
+              <a:t>镜像操作之上下文路径 </a:t>
             </a:r>
             <a:r>
               <a:rPr lang="en-US" altLang="zh-CN" sz="2400" dirty="0">
@@ -9064,7 +10412,7 @@
                 <a:ea typeface="微软雅黑" panose="020B0503020204020204" pitchFamily="2" charset="-122"/>
                 <a:sym typeface="Impact" panose="020B0806030902050204" pitchFamily="2" charset="0"/>
               </a:rPr>
-              <a:t>+Nginx</a:t>
+              <a:t>.</a:t>
             </a:r>
             <a:endParaRPr lang="zh-CN" altLang="en-US" dirty="0">
               <a:ea typeface="宋体" panose="02010600030101010101" pitchFamily="2" charset="-122"/>
@@ -9126,7 +10474,7 @@
         <p:spPr>
           <a:xfrm>
             <a:off x="476250" y="863590"/>
-            <a:ext cx="8099120" cy="2308324"/>
+            <a:ext cx="8099120" cy="646331"/>
           </a:xfrm>
           <a:prstGeom prst="rect">
             <a:avLst/>
@@ -9139,156 +10487,88 @@
           </a:bodyPr>
           <a:lstStyle/>
           <a:p>
-            <a:pPr marL="342900" indent="-342900">
-              <a:buAutoNum type="arabicPlain"/>
-            </a:pPr>
             <a:r>
               <a:rPr lang="en-US" altLang="zh-CN" dirty="0"/>
-              <a:t>Nginx</a:t>
+              <a:t>Build</a:t>
             </a:r>
             <a:r>
               <a:rPr lang="zh-CN" altLang="en-US" dirty="0"/>
-              <a:t>镜像</a:t>
+              <a:t>时，指令最后有个</a:t>
+            </a:r>
+            <a:r>
+              <a:rPr lang="en-US" altLang="zh-CN" dirty="0"/>
+              <a:t>.    </a:t>
+            </a:r>
+            <a:r>
+              <a:rPr lang="zh-CN" altLang="en-US" dirty="0"/>
+              <a:t>是表示上下文路径</a:t>
             </a:r>
             <a:endParaRPr lang="en-US" altLang="zh-CN" dirty="0"/>
           </a:p>
           <a:p>
-            <a:pPr marL="342900" indent="-342900">
-              <a:buAutoNum type="arabicPlain"/>
-            </a:pPr>
+            <a:r>
+              <a:rPr lang="en-US" altLang="zh-CN" dirty="0"/>
+              <a:t>CS</a:t>
+            </a:r>
             <a:r>
               <a:rPr lang="zh-CN" altLang="en-US" dirty="0"/>
-              <a:t>单独的</a:t>
-            </a:r>
-            <a:r>
-              <a:rPr lang="en-US" altLang="zh-CN" dirty="0" err="1"/>
-              <a:t>nginx.conf</a:t>
-            </a:r>
-            <a:r>
-              <a:rPr lang="en-US" altLang="zh-CN" dirty="0"/>
-              <a:t>(</a:t>
-            </a:r>
-            <a:r>
-              <a:rPr lang="zh-CN" altLang="en-US" dirty="0"/>
-              <a:t>对应版本</a:t>
-            </a:r>
-            <a:r>
-              <a:rPr lang="en-US" altLang="zh-CN" dirty="0"/>
-              <a:t>)</a:t>
-            </a:r>
-          </a:p>
-          <a:p>
-            <a:pPr marL="342900" indent="-342900">
-              <a:buAutoNum type="arabicPlain"/>
-            </a:pPr>
-            <a:r>
-              <a:rPr lang="zh-CN" altLang="en-US" dirty="0"/>
-              <a:t>修改配置文件，挂载进去</a:t>
+              <a:t>架构，打包文件</a:t>
             </a:r>
             <a:endParaRPr lang="en-US" altLang="zh-CN" dirty="0"/>
           </a:p>
-          <a:p>
-            <a:pPr marL="342900" indent="-342900">
-              <a:buAutoNum type="arabicPlain"/>
-            </a:pPr>
-            <a:r>
-              <a:rPr lang="en-US" altLang="zh-CN" dirty="0"/>
-              <a:t>Run</a:t>
-            </a:r>
-          </a:p>
-          <a:p>
-            <a:pPr marL="342900" indent="-342900">
-              <a:buAutoNum type="arabicPlain"/>
-            </a:pPr>
-            <a:endParaRPr lang="en-US" altLang="zh-CN" dirty="0"/>
-          </a:p>
-          <a:p>
-            <a:pPr marL="342900" indent="-342900">
-              <a:buAutoNum type="arabicPlain"/>
-            </a:pPr>
-            <a:endParaRPr lang="en-US" altLang="zh-CN" dirty="0"/>
-          </a:p>
-          <a:p>
-            <a:r>
-              <a:rPr lang="en-US" altLang="zh-CN" dirty="0"/>
-              <a:t>docker run -d -p 8086:80 -v /eleven/</a:t>
-            </a:r>
-            <a:r>
-              <a:rPr lang="en-US" altLang="zh-CN" dirty="0" err="1"/>
-              <a:t>enginx</a:t>
-            </a:r>
-            <a:r>
-              <a:rPr lang="en-US" altLang="zh-CN" dirty="0"/>
-              <a:t>/:/var/log/</a:t>
-            </a:r>
-            <a:r>
-              <a:rPr lang="en-US" altLang="zh-CN" dirty="0" err="1"/>
-              <a:t>nginx</a:t>
-            </a:r>
-            <a:r>
-              <a:rPr lang="en-US" altLang="zh-CN" dirty="0"/>
-              <a:t>/ -v /eleven/</a:t>
-            </a:r>
-            <a:r>
-              <a:rPr lang="en-US" altLang="zh-CN" dirty="0" err="1"/>
-              <a:t>enginx</a:t>
-            </a:r>
-            <a:r>
-              <a:rPr lang="en-US" altLang="zh-CN" dirty="0"/>
-              <a:t>/</a:t>
-            </a:r>
-            <a:r>
-              <a:rPr lang="en-US" altLang="zh-CN" dirty="0" err="1"/>
-              <a:t>nginx.conf</a:t>
-            </a:r>
-            <a:r>
-              <a:rPr lang="en-US" altLang="zh-CN" dirty="0"/>
-              <a:t>:/</a:t>
-            </a:r>
-            <a:r>
-              <a:rPr lang="en-US" altLang="zh-CN" dirty="0" err="1"/>
-              <a:t>etc</a:t>
-            </a:r>
-            <a:r>
-              <a:rPr lang="en-US" altLang="zh-CN" dirty="0"/>
-              <a:t>/</a:t>
-            </a:r>
-            <a:r>
-              <a:rPr lang="en-US" altLang="zh-CN" dirty="0" err="1"/>
-              <a:t>nginx</a:t>
-            </a:r>
-            <a:r>
-              <a:rPr lang="en-US" altLang="zh-CN" dirty="0"/>
-              <a:t>/</a:t>
-            </a:r>
-            <a:r>
-              <a:rPr lang="en-US" altLang="zh-CN" dirty="0" err="1"/>
-              <a:t>nginx.conf:ro</a:t>
-            </a:r>
-            <a:r>
-              <a:rPr lang="en-US" altLang="zh-CN" dirty="0"/>
-              <a:t> --name </a:t>
-            </a:r>
-            <a:r>
-              <a:rPr lang="en-US" altLang="zh-CN" dirty="0" err="1"/>
-              <a:t>elnginx</a:t>
-            </a:r>
-            <a:r>
-              <a:rPr lang="en-US" altLang="zh-CN" dirty="0"/>
-              <a:t>  </a:t>
-            </a:r>
-            <a:r>
-              <a:rPr lang="en-US" altLang="zh-CN" dirty="0" err="1"/>
-              <a:t>nginx</a:t>
-            </a:r>
-            <a:endParaRPr lang="zh-CN" altLang="zh-CN" dirty="0"/>
-          </a:p>
-        </p:txBody>
-      </p:sp>
+        </p:txBody>
+      </p:sp>
+      <p:pic>
+        <p:nvPicPr>
+          <p:cNvPr id="6" name="Picture 2">
+            <a:extLst>
+              <a:ext uri="{FF2B5EF4-FFF2-40B4-BE49-F238E27FC236}">
+                <a16:creationId xmlns:a16="http://schemas.microsoft.com/office/drawing/2014/main" id="{1CCF337D-18BD-4428-9D4A-8EE7DC56AAD6}"/>
+              </a:ext>
+            </a:extLst>
+          </p:cNvPr>
+          <p:cNvPicPr>
+            <a:picLocks noChangeAspect="1" noChangeArrowheads="1"/>
+          </p:cNvPicPr>
+          <p:nvPr/>
+        </p:nvPicPr>
+        <p:blipFill>
+          <a:blip r:embed="rId2">
+            <a:extLst>
+              <a:ext uri="{28A0092B-C50C-407E-A947-70E740481C1C}">
+                <a14:useLocalDpi xmlns:a14="http://schemas.microsoft.com/office/drawing/2010/main" val="0"/>
+              </a:ext>
+            </a:extLst>
+          </a:blip>
+          <a:srcRect/>
+          <a:stretch>
+            <a:fillRect/>
+          </a:stretch>
+        </p:blipFill>
+        <p:spPr bwMode="auto">
+          <a:xfrm>
+            <a:off x="2627865" y="1421530"/>
+            <a:ext cx="5516349" cy="2887464"/>
+          </a:xfrm>
+          <a:prstGeom prst="rect">
+            <a:avLst/>
+          </a:prstGeom>
+          <a:noFill/>
+          <a:extLst>
+            <a:ext uri="{909E8E84-426E-40DD-AFC4-6F175D3DCCD1}">
+              <a14:hiddenFill xmlns:a14="http://schemas.microsoft.com/office/drawing/2010/main">
+                <a:solidFill>
+                  <a:srgbClr val="FFFFFF"/>
+                </a:solidFill>
+              </a14:hiddenFill>
+            </a:ext>
+          </a:extLst>
+        </p:spPr>
+      </p:pic>
     </p:spTree>
     <p:extLst>
       <p:ext uri="{BB962C8B-B14F-4D97-AF65-F5344CB8AC3E}">
-        <p14:creationId xmlns:p14="http://schemas.microsoft.com/office/powerpoint/2010/main" val="341753624"/>
+        <p14:creationId xmlns:p14="http://schemas.microsoft.com/office/powerpoint/2010/main" val="3669854230"/>
       </p:ext>
     </p:extLst>
   </p:cSld>
@@ -9364,7 +10644,7 @@
         <p:spPr>
           <a:xfrm>
             <a:off x="476250" y="177800"/>
-            <a:ext cx="2316660" cy="461665"/>
+            <a:ext cx="1669047" cy="461665"/>
           </a:xfrm>
           <a:prstGeom prst="rect">
             <a:avLst/>
@@ -9380,6 +10660,17 @@
           </a:bodyPr>
           <a:lstStyle/>
           <a:p>
+            <a:r>
+              <a:rPr lang="zh-CN" altLang="en-US" sz="2400" dirty="0">
+                <a:solidFill>
+                  <a:srgbClr val="FF8607"/>
+                </a:solidFill>
+                <a:latin typeface="Impact" panose="020B0806030902050204" pitchFamily="2" charset="0"/>
+                <a:ea typeface="微软雅黑" panose="020B0503020204020204" pitchFamily="2" charset="-122"/>
+                <a:sym typeface="Impact" panose="020B0806030902050204" pitchFamily="2" charset="0"/>
+              </a:rPr>
+              <a:t>集群</a:t>
+            </a:r>
             <a:r>
               <a:rPr lang="en-US" altLang="zh-CN" sz="2400" dirty="0">
                 <a:solidFill>
@@ -9389,29 +10680,7 @@
                 <a:ea typeface="微软雅黑" panose="020B0503020204020204" pitchFamily="2" charset="-122"/>
                 <a:sym typeface="Impact" panose="020B0806030902050204" pitchFamily="2" charset="0"/>
               </a:rPr>
-              <a:t>Docker</a:t>
-            </a:r>
-            <a:r>
-              <a:rPr lang="zh-CN" altLang="en-US" sz="2400" dirty="0">
-                <a:solidFill>
-                  <a:srgbClr val="FF8607"/>
-                </a:solidFill>
-                <a:latin typeface="Impact" panose="020B0806030902050204" pitchFamily="2" charset="0"/>
-                <a:ea typeface="微软雅黑" panose="020B0503020204020204" pitchFamily="2" charset="-122"/>
-                <a:sym typeface="Impact" panose="020B0806030902050204" pitchFamily="2" charset="0"/>
-              </a:rPr>
-              <a:t> </a:t>
-            </a:r>
-            <a:r>
-              <a:rPr lang="en-US" altLang="zh-CN" sz="2400" dirty="0">
-                <a:solidFill>
-                  <a:srgbClr val="FF8607"/>
-                </a:solidFill>
-                <a:latin typeface="Impact" panose="020B0806030902050204" pitchFamily="2" charset="0"/>
-                <a:ea typeface="微软雅黑" panose="020B0503020204020204" pitchFamily="2" charset="-122"/>
-                <a:sym typeface="Impact" panose="020B0806030902050204" pitchFamily="2" charset="0"/>
-              </a:rPr>
-              <a:t>Compose</a:t>
+              <a:t>+Nginx</a:t>
             </a:r>
             <a:endParaRPr lang="zh-CN" altLang="en-US" dirty="0">
               <a:ea typeface="宋体" panose="02010600030101010101" pitchFamily="2" charset="-122"/>
@@ -9472,8 +10741,8 @@
         </p:nvSpPr>
         <p:spPr>
           <a:xfrm>
-            <a:off x="476250" y="863590"/>
-            <a:ext cx="8099120" cy="369332"/>
+            <a:off x="476250" y="915635"/>
+            <a:ext cx="5708365" cy="2585323"/>
           </a:xfrm>
           <a:prstGeom prst="rect">
             <a:avLst/>
@@ -9486,17 +10755,224 @@
           </a:bodyPr>
           <a:lstStyle/>
           <a:p>
+            <a:pPr marL="342900" indent="-342900">
+              <a:buAutoNum type="arabicPlain"/>
+            </a:pPr>
             <a:r>
               <a:rPr lang="en-US" altLang="zh-CN" dirty="0"/>
-              <a:t>1</a:t>
-            </a:r>
-          </a:p>
-        </p:txBody>
-      </p:sp>
+              <a:t>Nginx</a:t>
+            </a:r>
+            <a:r>
+              <a:rPr lang="zh-CN" altLang="en-US" dirty="0"/>
+              <a:t>镜像</a:t>
+            </a:r>
+            <a:endParaRPr lang="en-US" altLang="zh-CN" dirty="0"/>
+          </a:p>
+          <a:p>
+            <a:pPr marL="342900" indent="-342900">
+              <a:buAutoNum type="arabicPlain"/>
+            </a:pPr>
+            <a:r>
+              <a:rPr lang="zh-CN" altLang="en-US" dirty="0"/>
+              <a:t>单独的</a:t>
+            </a:r>
+            <a:r>
+              <a:rPr lang="en-US" altLang="zh-CN" dirty="0" err="1"/>
+              <a:t>nginx.conf</a:t>
+            </a:r>
+            <a:r>
+              <a:rPr lang="en-US" altLang="zh-CN" dirty="0"/>
+              <a:t>(</a:t>
+            </a:r>
+            <a:r>
+              <a:rPr lang="zh-CN" altLang="en-US" dirty="0"/>
+              <a:t>对应版本</a:t>
+            </a:r>
+            <a:r>
+              <a:rPr lang="en-US" altLang="zh-CN" dirty="0"/>
+              <a:t>)</a:t>
+            </a:r>
+          </a:p>
+          <a:p>
+            <a:pPr marL="342900" indent="-342900">
+              <a:buAutoNum type="arabicPlain"/>
+            </a:pPr>
+            <a:r>
+              <a:rPr lang="zh-CN" altLang="en-US" dirty="0"/>
+              <a:t>修改配置文件，挂载进去</a:t>
+            </a:r>
+            <a:endParaRPr lang="en-US" altLang="zh-CN" dirty="0"/>
+          </a:p>
+          <a:p>
+            <a:pPr marL="342900" indent="-342900">
+              <a:buAutoNum type="arabicPlain"/>
+            </a:pPr>
+            <a:r>
+              <a:rPr lang="en-US" altLang="zh-CN" dirty="0"/>
+              <a:t>Run</a:t>
+            </a:r>
+          </a:p>
+          <a:p>
+            <a:r>
+              <a:rPr lang="zh-CN" altLang="en-US" dirty="0"/>
+              <a:t>官方下载镜像</a:t>
+            </a:r>
+            <a:r>
+              <a:rPr lang="en-US" altLang="zh-CN" dirty="0"/>
+              <a:t>—8081/8082—</a:t>
+            </a:r>
+            <a:r>
+              <a:rPr lang="zh-CN" altLang="en-US" dirty="0"/>
+              <a:t>默认监听</a:t>
+            </a:r>
+            <a:r>
+              <a:rPr lang="en-US" altLang="zh-CN" dirty="0"/>
+              <a:t>80—</a:t>
+            </a:r>
+            <a:r>
+              <a:rPr lang="zh-CN" altLang="en-US" dirty="0"/>
+              <a:t>靠配置文件</a:t>
+            </a:r>
+            <a:endParaRPr lang="en-US" altLang="zh-CN" dirty="0"/>
+          </a:p>
+          <a:p>
+            <a:r>
+              <a:rPr lang="en-US" altLang="zh-CN" dirty="0"/>
+              <a:t>docker pull </a:t>
+            </a:r>
+            <a:r>
+              <a:rPr lang="en-US" altLang="zh-CN" dirty="0" err="1"/>
+              <a:t>nginx</a:t>
+            </a:r>
+            <a:endParaRPr lang="en-US" altLang="zh-CN" dirty="0"/>
+          </a:p>
+          <a:p>
+            <a:r>
+              <a:rPr lang="en-US" altLang="zh-CN" dirty="0"/>
+              <a:t>docker run -d -p 8086:80 -v /</a:t>
+            </a:r>
+            <a:r>
+              <a:rPr lang="en-US" altLang="zh-CN" dirty="0" err="1"/>
+              <a:t>vip</a:t>
+            </a:r>
+            <a:r>
+              <a:rPr lang="en-US" altLang="zh-CN" dirty="0"/>
+              <a:t>/</a:t>
+            </a:r>
+            <a:r>
+              <a:rPr lang="en-US" altLang="zh-CN" dirty="0" err="1"/>
+              <a:t>enginx</a:t>
+            </a:r>
+            <a:r>
+              <a:rPr lang="en-US" altLang="zh-CN" dirty="0"/>
+              <a:t>/:/var/log/</a:t>
+            </a:r>
+            <a:r>
+              <a:rPr lang="en-US" altLang="zh-CN" dirty="0" err="1"/>
+              <a:t>nginx</a:t>
+            </a:r>
+            <a:r>
+              <a:rPr lang="en-US" altLang="zh-CN" dirty="0"/>
+              <a:t>/ -v /</a:t>
+            </a:r>
+            <a:r>
+              <a:rPr lang="en-US" altLang="zh-CN" dirty="0" err="1"/>
+              <a:t>vip</a:t>
+            </a:r>
+            <a:r>
+              <a:rPr lang="en-US" altLang="zh-CN" dirty="0"/>
+              <a:t>/</a:t>
+            </a:r>
+            <a:r>
+              <a:rPr lang="en-US" altLang="zh-CN" dirty="0" err="1"/>
+              <a:t>enginx</a:t>
+            </a:r>
+            <a:r>
+              <a:rPr lang="en-US" altLang="zh-CN" dirty="0"/>
+              <a:t>/</a:t>
+            </a:r>
+            <a:r>
+              <a:rPr lang="en-US" altLang="zh-CN" dirty="0" err="1"/>
+              <a:t>nginx.conf</a:t>
+            </a:r>
+            <a:r>
+              <a:rPr lang="en-US" altLang="zh-CN" dirty="0"/>
+              <a:t>:/</a:t>
+            </a:r>
+            <a:r>
+              <a:rPr lang="en-US" altLang="zh-CN" dirty="0" err="1"/>
+              <a:t>etc</a:t>
+            </a:r>
+            <a:r>
+              <a:rPr lang="en-US" altLang="zh-CN" dirty="0"/>
+              <a:t>/</a:t>
+            </a:r>
+            <a:r>
+              <a:rPr lang="en-US" altLang="zh-CN" dirty="0" err="1"/>
+              <a:t>nginx</a:t>
+            </a:r>
+            <a:r>
+              <a:rPr lang="en-US" altLang="zh-CN" dirty="0"/>
+              <a:t>/</a:t>
+            </a:r>
+            <a:r>
+              <a:rPr lang="en-US" altLang="zh-CN" dirty="0" err="1"/>
+              <a:t>nginx.conf:ro</a:t>
+            </a:r>
+            <a:r>
+              <a:rPr lang="en-US" altLang="zh-CN" dirty="0"/>
+              <a:t> --name </a:t>
+            </a:r>
+            <a:r>
+              <a:rPr lang="en-US" altLang="zh-CN" dirty="0" err="1"/>
+              <a:t>elnginx</a:t>
+            </a:r>
+            <a:r>
+              <a:rPr lang="en-US" altLang="zh-CN" dirty="0"/>
+              <a:t>  </a:t>
+            </a:r>
+            <a:r>
+              <a:rPr lang="en-US" altLang="zh-CN" dirty="0" err="1"/>
+              <a:t>nginx</a:t>
+            </a:r>
+            <a:endParaRPr lang="zh-CN" altLang="zh-CN" dirty="0"/>
+          </a:p>
+        </p:txBody>
+      </p:sp>
+      <p:pic>
+        <p:nvPicPr>
+          <p:cNvPr id="3" name="图片 2">
+            <a:extLst>
+              <a:ext uri="{FF2B5EF4-FFF2-40B4-BE49-F238E27FC236}">
+                <a16:creationId xmlns:a16="http://schemas.microsoft.com/office/drawing/2014/main" id="{494A41FE-81A0-4688-BADA-3C100BA39437}"/>
+              </a:ext>
+            </a:extLst>
+          </p:cNvPr>
+          <p:cNvPicPr>
+            <a:picLocks noChangeAspect="1"/>
+          </p:cNvPicPr>
+          <p:nvPr/>
+        </p:nvPicPr>
+        <p:blipFill>
+          <a:blip r:embed="rId2"/>
+          <a:stretch>
+            <a:fillRect/>
+          </a:stretch>
+        </p:blipFill>
+        <p:spPr>
+          <a:xfrm>
+            <a:off x="6184615" y="843630"/>
+            <a:ext cx="2598471" cy="1926257"/>
+          </a:xfrm>
+          <a:prstGeom prst="rect">
+            <a:avLst/>
+          </a:prstGeom>
+        </p:spPr>
+      </p:pic>
     </p:spTree>
     <p:extLst>
       <p:ext uri="{BB962C8B-B14F-4D97-AF65-F5344CB8AC3E}">
-        <p14:creationId xmlns:p14="http://schemas.microsoft.com/office/powerpoint/2010/main" val="4133212748"/>
+        <p14:creationId xmlns:p14="http://schemas.microsoft.com/office/powerpoint/2010/main" val="341753624"/>
       </p:ext>
     </p:extLst>
   </p:cSld>
@@ -9572,7 +11048,7 @@
         <p:spPr>
           <a:xfrm>
             <a:off x="476250" y="177800"/>
-            <a:ext cx="2226892" cy="461665"/>
+            <a:ext cx="1954381" cy="461665"/>
           </a:xfrm>
           <a:prstGeom prst="rect">
             <a:avLst/>
@@ -9589,7 +11065,7 @@
           <a:lstStyle/>
           <a:p>
             <a:r>
-              <a:rPr lang="en-US" altLang="zh-CN" sz="2400" dirty="0">
+              <a:rPr lang="en-US" altLang="zh-CN" sz="2400" dirty="0" err="1">
                 <a:solidFill>
                   <a:srgbClr val="FF8607"/>
                 </a:solidFill>
@@ -9597,7 +11073,7 @@
                 <a:ea typeface="微软雅黑" panose="020B0503020204020204" pitchFamily="2" charset="-122"/>
                 <a:sym typeface="Impact" panose="020B0806030902050204" pitchFamily="2" charset="0"/>
               </a:rPr>
-              <a:t>Docker Machine</a:t>
+              <a:t>Docker+Redis</a:t>
             </a:r>
             <a:endParaRPr lang="zh-CN" altLang="en-US" dirty="0">
               <a:ea typeface="宋体" panose="02010600030101010101" pitchFamily="2" charset="-122"/>
@@ -9658,8 +11134,8 @@
         </p:nvSpPr>
         <p:spPr>
           <a:xfrm>
-            <a:off x="476250" y="863590"/>
-            <a:ext cx="8099120" cy="369332"/>
+            <a:off x="476250" y="915635"/>
+            <a:ext cx="8099120" cy="2862322"/>
           </a:xfrm>
           <a:prstGeom prst="rect">
             <a:avLst/>
@@ -9672,17 +11148,262 @@
           </a:bodyPr>
           <a:lstStyle/>
           <a:p>
+            <a:pPr marL="342900" indent="-342900">
+              <a:buAutoNum type="arabicPlain"/>
+            </a:pPr>
+            <a:r>
+              <a:rPr lang="zh-CN" altLang="en-US" dirty="0"/>
+              <a:t>单独的</a:t>
+            </a:r>
+            <a:r>
+              <a:rPr lang="en-US" altLang="zh-CN" dirty="0" err="1"/>
+              <a:t>redis.conf</a:t>
+            </a:r>
             <a:r>
               <a:rPr lang="en-US" altLang="zh-CN" dirty="0"/>
-              <a:t>1</a:t>
-            </a:r>
-          </a:p>
-        </p:txBody>
-      </p:sp>
+              <a:t>(</a:t>
+            </a:r>
+            <a:r>
+              <a:rPr lang="zh-CN" altLang="en-US" dirty="0"/>
+              <a:t>对应版本</a:t>
+            </a:r>
+            <a:r>
+              <a:rPr lang="en-US" altLang="zh-CN" dirty="0"/>
+              <a:t>)</a:t>
+            </a:r>
+          </a:p>
+          <a:p>
+            <a:pPr marL="342900" indent="-342900">
+              <a:buAutoNum type="arabicPlain"/>
+            </a:pPr>
+            <a:r>
+              <a:rPr lang="zh-CN" altLang="en-US" dirty="0"/>
+              <a:t>修改配置文件，挂载进去</a:t>
+            </a:r>
+            <a:r>
+              <a:rPr lang="en-US" altLang="zh-CN" dirty="0"/>
+              <a:t>(bind-protected-6380)</a:t>
+            </a:r>
+          </a:p>
+          <a:p>
+            <a:pPr marL="342900" indent="-342900">
+              <a:buAutoNum type="arabicPlain"/>
+            </a:pPr>
+            <a:r>
+              <a:rPr lang="zh-CN" altLang="en-US" dirty="0"/>
+              <a:t>直接启动</a:t>
+            </a:r>
+            <a:endParaRPr lang="en-US" altLang="zh-CN" dirty="0"/>
+          </a:p>
+          <a:p>
+            <a:pPr marL="342900" indent="-342900">
+              <a:buAutoNum type="arabicPlain"/>
+            </a:pPr>
+            <a:r>
+              <a:rPr lang="zh-CN" altLang="en-US" dirty="0"/>
+              <a:t>文件挂载检查</a:t>
+            </a:r>
+            <a:endParaRPr lang="en-US" altLang="zh-CN" dirty="0"/>
+          </a:p>
+          <a:p>
+            <a:pPr marL="342900" indent="-342900">
+              <a:buAutoNum type="arabicPlain"/>
+            </a:pPr>
+            <a:endParaRPr lang="en-US" altLang="zh-CN" dirty="0"/>
+          </a:p>
+          <a:p>
+            <a:r>
+              <a:rPr lang="en-US" altLang="zh-CN" dirty="0"/>
+              <a:t>docker run -d -p 8085:6380  -v /</a:t>
+            </a:r>
+            <a:r>
+              <a:rPr lang="en-US" altLang="zh-CN" dirty="0" err="1"/>
+              <a:t>vip</a:t>
+            </a:r>
+            <a:r>
+              <a:rPr lang="en-US" altLang="zh-CN" dirty="0"/>
+              <a:t>/</a:t>
+            </a:r>
+            <a:r>
+              <a:rPr lang="en-US" altLang="zh-CN" dirty="0" err="1"/>
+              <a:t>eredis</a:t>
+            </a:r>
+            <a:r>
+              <a:rPr lang="en-US" altLang="zh-CN" dirty="0"/>
+              <a:t>/</a:t>
+            </a:r>
+            <a:r>
+              <a:rPr lang="en-US" altLang="zh-CN" dirty="0" err="1"/>
+              <a:t>redis.conf</a:t>
+            </a:r>
+            <a:r>
+              <a:rPr lang="en-US" altLang="zh-CN" dirty="0"/>
+              <a:t>:/</a:t>
+            </a:r>
+            <a:r>
+              <a:rPr lang="en-US" altLang="zh-CN" dirty="0" err="1"/>
+              <a:t>usr</a:t>
+            </a:r>
+            <a:r>
+              <a:rPr lang="en-US" altLang="zh-CN" dirty="0"/>
+              <a:t>/local/</a:t>
+            </a:r>
+            <a:r>
+              <a:rPr lang="en-US" altLang="zh-CN" dirty="0" err="1"/>
+              <a:t>etc</a:t>
+            </a:r>
+            <a:r>
+              <a:rPr lang="en-US" altLang="zh-CN" dirty="0"/>
+              <a:t>/</a:t>
+            </a:r>
+            <a:r>
+              <a:rPr lang="en-US" altLang="zh-CN" dirty="0" err="1"/>
+              <a:t>redis</a:t>
+            </a:r>
+            <a:r>
+              <a:rPr lang="en-US" altLang="zh-CN" dirty="0"/>
+              <a:t>/</a:t>
+            </a:r>
+            <a:r>
+              <a:rPr lang="en-US" altLang="zh-CN" dirty="0" err="1"/>
+              <a:t>redis.conf</a:t>
+            </a:r>
+            <a:r>
+              <a:rPr lang="en-US" altLang="zh-CN" dirty="0"/>
+              <a:t> -v /</a:t>
+            </a:r>
+            <a:r>
+              <a:rPr lang="en-US" altLang="zh-CN" dirty="0" err="1"/>
+              <a:t>vip</a:t>
+            </a:r>
+            <a:r>
+              <a:rPr lang="en-US" altLang="zh-CN" dirty="0"/>
+              <a:t>/</a:t>
+            </a:r>
+            <a:r>
+              <a:rPr lang="en-US" altLang="zh-CN" dirty="0" err="1"/>
+              <a:t>eredis</a:t>
+            </a:r>
+            <a:r>
+              <a:rPr lang="en-US" altLang="zh-CN" dirty="0"/>
+              <a:t>/data:/</a:t>
+            </a:r>
+            <a:r>
+              <a:rPr lang="en-US" altLang="zh-CN" dirty="0" err="1"/>
+              <a:t>data:rw</a:t>
+            </a:r>
+            <a:r>
+              <a:rPr lang="en-US" altLang="zh-CN" dirty="0"/>
+              <a:t> --name redis02 redis:6.0 </a:t>
+            </a:r>
+            <a:r>
+              <a:rPr lang="en-US" altLang="zh-CN" dirty="0" err="1"/>
+              <a:t>redis</a:t>
+            </a:r>
+            <a:r>
+              <a:rPr lang="en-US" altLang="zh-CN" dirty="0"/>
+              <a:t>-server /</a:t>
+            </a:r>
+            <a:r>
+              <a:rPr lang="en-US" altLang="zh-CN" dirty="0" err="1"/>
+              <a:t>usr</a:t>
+            </a:r>
+            <a:r>
+              <a:rPr lang="en-US" altLang="zh-CN" dirty="0"/>
+              <a:t>/local/</a:t>
+            </a:r>
+            <a:r>
+              <a:rPr lang="en-US" altLang="zh-CN" dirty="0" err="1"/>
+              <a:t>etc</a:t>
+            </a:r>
+            <a:r>
+              <a:rPr lang="en-US" altLang="zh-CN" dirty="0"/>
+              <a:t>/</a:t>
+            </a:r>
+            <a:r>
+              <a:rPr lang="en-US" altLang="zh-CN" dirty="0" err="1"/>
+              <a:t>redis</a:t>
+            </a:r>
+            <a:r>
+              <a:rPr lang="en-US" altLang="zh-CN" dirty="0"/>
+              <a:t>/</a:t>
+            </a:r>
+            <a:r>
+              <a:rPr lang="en-US" altLang="zh-CN" dirty="0" err="1"/>
+              <a:t>redis.conf</a:t>
+            </a:r>
+            <a:endParaRPr lang="en-US" altLang="zh-CN" dirty="0"/>
+          </a:p>
+          <a:p>
+            <a:endParaRPr lang="en-US" altLang="zh-CN" dirty="0"/>
+          </a:p>
+          <a:p>
+            <a:r>
+              <a:rPr lang="zh-CN" altLang="en-US" dirty="0"/>
+              <a:t>默认</a:t>
+            </a:r>
+            <a:r>
+              <a:rPr lang="en-US" altLang="zh-CN" dirty="0" err="1"/>
+              <a:t>redis</a:t>
+            </a:r>
+            <a:r>
+              <a:rPr lang="zh-CN" altLang="en-US" dirty="0"/>
+              <a:t>是没有密码</a:t>
+            </a:r>
+            <a:r>
+              <a:rPr lang="en-US" altLang="zh-CN" dirty="0"/>
+              <a:t>—6379—</a:t>
+            </a:r>
+            <a:r>
+              <a:rPr lang="zh-CN" altLang="en-US" dirty="0"/>
+              <a:t>只能本机</a:t>
+            </a:r>
+            <a:r>
+              <a:rPr lang="en-US" altLang="zh-CN" dirty="0"/>
+              <a:t>—</a:t>
+            </a:r>
+            <a:r>
+              <a:rPr lang="zh-CN" altLang="en-US" dirty="0"/>
+              <a:t>又得进去修改</a:t>
+            </a:r>
+            <a:endParaRPr lang="zh-CN" altLang="zh-CN" dirty="0"/>
+          </a:p>
+        </p:txBody>
+      </p:sp>
+      <p:pic>
+        <p:nvPicPr>
+          <p:cNvPr id="3" name="图片 2">
+            <a:extLst>
+              <a:ext uri="{FF2B5EF4-FFF2-40B4-BE49-F238E27FC236}">
+                <a16:creationId xmlns:a16="http://schemas.microsoft.com/office/drawing/2014/main" id="{6A9E773E-51AD-42E7-9E30-B02FC4ABB2FF}"/>
+              </a:ext>
+            </a:extLst>
+          </p:cNvPr>
+          <p:cNvPicPr>
+            <a:picLocks noChangeAspect="1"/>
+          </p:cNvPicPr>
+          <p:nvPr/>
+        </p:nvPicPr>
+        <p:blipFill>
+          <a:blip r:embed="rId2"/>
+          <a:stretch>
+            <a:fillRect/>
+          </a:stretch>
+        </p:blipFill>
+        <p:spPr>
+          <a:xfrm>
+            <a:off x="5364055" y="1419670"/>
+            <a:ext cx="2967055" cy="1058087"/>
+          </a:xfrm>
+          <a:prstGeom prst="rect">
+            <a:avLst/>
+          </a:prstGeom>
+        </p:spPr>
+      </p:pic>
     </p:spTree>
     <p:extLst>
       <p:ext uri="{BB962C8B-B14F-4D97-AF65-F5344CB8AC3E}">
-        <p14:creationId xmlns:p14="http://schemas.microsoft.com/office/powerpoint/2010/main" val="607502451"/>
+        <p14:creationId xmlns:p14="http://schemas.microsoft.com/office/powerpoint/2010/main" val="3168619113"/>
       </p:ext>
     </p:extLst>
   </p:cSld>
@@ -9758,6 +11479,1981 @@
         <p:spPr>
           <a:xfrm>
             <a:off x="476250" y="177800"/>
+            <a:ext cx="1749197" cy="461665"/>
+          </a:xfrm>
+          <a:prstGeom prst="rect">
+            <a:avLst/>
+          </a:prstGeom>
+          <a:noFill/>
+          <a:ln w="9525">
+            <a:noFill/>
+          </a:ln>
+        </p:spPr>
+        <p:txBody>
+          <a:bodyPr wrap="none">
+            <a:spAutoFit/>
+          </a:bodyPr>
+          <a:lstStyle/>
+          <a:p>
+            <a:r>
+              <a:rPr lang="en-US" altLang="zh-CN" sz="2400" dirty="0">
+                <a:solidFill>
+                  <a:srgbClr val="FF8607"/>
+                </a:solidFill>
+                <a:latin typeface="Impact" panose="020B0806030902050204" pitchFamily="2" charset="0"/>
+                <a:ea typeface="微软雅黑" panose="020B0503020204020204" pitchFamily="2" charset="-122"/>
+                <a:sym typeface="Impact" panose="020B0806030902050204" pitchFamily="2" charset="0"/>
+              </a:rPr>
+              <a:t>Docker</a:t>
+            </a:r>
+            <a:r>
+              <a:rPr lang="zh-CN" altLang="en-US" sz="2400" dirty="0">
+                <a:solidFill>
+                  <a:srgbClr val="FF8607"/>
+                </a:solidFill>
+                <a:latin typeface="Impact" panose="020B0806030902050204" pitchFamily="2" charset="0"/>
+                <a:ea typeface="微软雅黑" panose="020B0503020204020204" pitchFamily="2" charset="-122"/>
+                <a:sym typeface="Impact" panose="020B0806030902050204" pitchFamily="2" charset="0"/>
+              </a:rPr>
+              <a:t> 管理</a:t>
+            </a:r>
+            <a:endParaRPr lang="zh-CN" altLang="en-US" dirty="0">
+              <a:ea typeface="宋体" panose="02010600030101010101" pitchFamily="2" charset="-122"/>
+            </a:endParaRPr>
+          </a:p>
+        </p:txBody>
+      </p:sp>
+      <p:sp>
+        <p:nvSpPr>
+          <p:cNvPr id="12292" name="等腰三角形 28"/>
+          <p:cNvSpPr/>
+          <p:nvPr/>
+        </p:nvSpPr>
+        <p:spPr>
+          <a:xfrm rot="5400000">
+            <a:off x="-39687" y="157163"/>
+            <a:ext cx="581025" cy="501650"/>
+          </a:xfrm>
+          <a:prstGeom prst="triangle">
+            <a:avLst>
+              <a:gd name="adj" fmla="val 50000"/>
+            </a:avLst>
+          </a:prstGeom>
+          <a:solidFill>
+            <a:srgbClr val="282828"/>
+          </a:solidFill>
+          <a:ln w="9525">
+            <a:noFill/>
+          </a:ln>
+        </p:spPr>
+        <p:txBody>
+          <a:bodyPr vert="horz" wrap="square" anchor="ctr"/>
+          <a:lstStyle/>
+          <a:p>
+            <a:pPr algn="ctr"/>
+            <a:endParaRPr>
+              <a:solidFill>
+                <a:srgbClr val="FFFFFF"/>
+              </a:solidFill>
+              <a:latin typeface="微软雅黑" panose="020B0503020204020204" pitchFamily="2" charset="-122"/>
+              <a:ea typeface="微软雅黑" panose="020B0503020204020204" pitchFamily="2" charset="-122"/>
+              <a:sym typeface="微软雅黑" panose="020B0503020204020204" pitchFamily="2" charset="-122"/>
+            </a:endParaRPr>
+          </a:p>
+        </p:txBody>
+      </p:sp>
+      <p:sp>
+        <p:nvSpPr>
+          <p:cNvPr id="2" name="文本框 1">
+            <a:extLst>
+              <a:ext uri="{FF2B5EF4-FFF2-40B4-BE49-F238E27FC236}">
+                <a16:creationId xmlns:a16="http://schemas.microsoft.com/office/drawing/2014/main" id="{16B512D6-5C02-4FFA-BD5E-8D82BFAB8AA1}"/>
+              </a:ext>
+            </a:extLst>
+          </p:cNvPr>
+          <p:cNvSpPr txBox="1"/>
+          <p:nvPr/>
+        </p:nvSpPr>
+        <p:spPr>
+          <a:xfrm>
+            <a:off x="476250" y="863590"/>
+            <a:ext cx="8099120" cy="369332"/>
+          </a:xfrm>
+          <a:prstGeom prst="rect">
+            <a:avLst/>
+          </a:prstGeom>
+          <a:noFill/>
+        </p:spPr>
+        <p:txBody>
+          <a:bodyPr wrap="square" rtlCol="0">
+            <a:spAutoFit/>
+          </a:bodyPr>
+          <a:lstStyle/>
+          <a:p>
+            <a:r>
+              <a:rPr lang="zh-CN" altLang="en-US" dirty="0"/>
+              <a:t>管理工具</a:t>
+            </a:r>
+            <a:endParaRPr lang="en-US" altLang="zh-CN" dirty="0"/>
+          </a:p>
+        </p:txBody>
+      </p:sp>
+      <p:pic>
+        <p:nvPicPr>
+          <p:cNvPr id="1028" name="Picture 4">
+            <a:extLst>
+              <a:ext uri="{FF2B5EF4-FFF2-40B4-BE49-F238E27FC236}">
+                <a16:creationId xmlns:a16="http://schemas.microsoft.com/office/drawing/2014/main" id="{C9781DF7-A087-47D1-9310-50EECBA8E39D}"/>
+              </a:ext>
+            </a:extLst>
+          </p:cNvPr>
+          <p:cNvPicPr>
+            <a:picLocks noChangeAspect="1" noChangeArrowheads="1"/>
+          </p:cNvPicPr>
+          <p:nvPr/>
+        </p:nvPicPr>
+        <p:blipFill>
+          <a:blip r:embed="rId2" cstate="print">
+            <a:extLst>
+              <a:ext uri="{28A0092B-C50C-407E-A947-70E740481C1C}">
+                <a14:useLocalDpi xmlns:a14="http://schemas.microsoft.com/office/drawing/2010/main" val="0"/>
+              </a:ext>
+            </a:extLst>
+          </a:blip>
+          <a:srcRect/>
+          <a:stretch>
+            <a:fillRect/>
+          </a:stretch>
+        </p:blipFill>
+        <p:spPr bwMode="auto">
+          <a:xfrm>
+            <a:off x="611725" y="1779748"/>
+            <a:ext cx="5777983" cy="2497774"/>
+          </a:xfrm>
+          <a:prstGeom prst="rect">
+            <a:avLst/>
+          </a:prstGeom>
+          <a:noFill/>
+          <a:extLst>
+            <a:ext uri="{909E8E84-426E-40DD-AFC4-6F175D3DCCD1}">
+              <a14:hiddenFill xmlns:a14="http://schemas.microsoft.com/office/drawing/2010/main">
+                <a:solidFill>
+                  <a:srgbClr val="FFFFFF"/>
+                </a:solidFill>
+              </a14:hiddenFill>
+            </a:ext>
+          </a:extLst>
+        </p:spPr>
+      </p:pic>
+    </p:spTree>
+    <p:extLst>
+      <p:ext uri="{BB962C8B-B14F-4D97-AF65-F5344CB8AC3E}">
+        <p14:creationId xmlns:p14="http://schemas.microsoft.com/office/powerpoint/2010/main" val="4133212748"/>
+      </p:ext>
+    </p:extLst>
+  </p:cSld>
+  <p:clrMapOvr>
+    <a:masterClrMapping/>
+  </p:clrMapOvr>
+  <p:transition spd="slow">
+    <p:push dir="u"/>
+  </p:transition>
+</p:sld>
+</file>
+
+<file path=ppt/slides/slide27.xml><?xml version="1.0" encoding="utf-8"?>
+<p:sld xmlns:a="http://schemas.openxmlformats.org/drawingml/2006/main" xmlns:r="http://schemas.openxmlformats.org/officeDocument/2006/relationships" xmlns:p="http://schemas.openxmlformats.org/presentationml/2006/main">
+  <p:cSld>
+    <p:spTree>
+      <p:nvGrpSpPr>
+        <p:cNvPr id="1" name=""/>
+        <p:cNvGrpSpPr/>
+        <p:nvPr/>
+      </p:nvGrpSpPr>
+      <p:grpSpPr>
+        <a:xfrm>
+          <a:off x="0" y="0"/>
+          <a:ext cx="0" cy="0"/>
+          <a:chOff x="0" y="0"/>
+          <a:chExt cx="0" cy="0"/>
+        </a:xfrm>
+      </p:grpSpPr>
+      <p:sp>
+        <p:nvSpPr>
+          <p:cNvPr id="12290" name="矩形 9"/>
+          <p:cNvSpPr/>
+          <p:nvPr/>
+        </p:nvSpPr>
+        <p:spPr>
+          <a:xfrm>
+            <a:off x="0" y="4562474"/>
+            <a:ext cx="9144000" cy="581026"/>
+          </a:xfrm>
+          <a:prstGeom prst="rect">
+            <a:avLst/>
+          </a:prstGeom>
+          <a:solidFill>
+            <a:srgbClr val="282828"/>
+          </a:solidFill>
+          <a:ln w="9525">
+            <a:noFill/>
+          </a:ln>
+        </p:spPr>
+        <p:txBody>
+          <a:bodyPr anchor="ctr"/>
+          <a:lstStyle/>
+          <a:p>
+            <a:pPr algn="ctr"/>
+            <a:endParaRPr>
+              <a:solidFill>
+                <a:srgbClr val="FFFFFF"/>
+              </a:solidFill>
+              <a:latin typeface="微软雅黑" panose="020B0503020204020204" pitchFamily="2" charset="-122"/>
+              <a:ea typeface="微软雅黑" panose="020B0503020204020204" pitchFamily="2" charset="-122"/>
+              <a:sym typeface="微软雅黑" panose="020B0503020204020204" pitchFamily="2" charset="-122"/>
+            </a:endParaRPr>
+          </a:p>
+        </p:txBody>
+      </p:sp>
+      <p:sp>
+        <p:nvSpPr>
+          <p:cNvPr id="12291" name="矩形 27"/>
+          <p:cNvSpPr/>
+          <p:nvPr/>
+        </p:nvSpPr>
+        <p:spPr>
+          <a:xfrm>
+            <a:off x="476250" y="177800"/>
+            <a:ext cx="2316660" cy="461665"/>
+          </a:xfrm>
+          <a:prstGeom prst="rect">
+            <a:avLst/>
+          </a:prstGeom>
+          <a:noFill/>
+          <a:ln w="9525">
+            <a:noFill/>
+          </a:ln>
+        </p:spPr>
+        <p:txBody>
+          <a:bodyPr wrap="none">
+            <a:spAutoFit/>
+          </a:bodyPr>
+          <a:lstStyle/>
+          <a:p>
+            <a:r>
+              <a:rPr lang="en-US" altLang="zh-CN" sz="2400" dirty="0">
+                <a:solidFill>
+                  <a:srgbClr val="FF8607"/>
+                </a:solidFill>
+                <a:latin typeface="Impact" panose="020B0806030902050204" pitchFamily="2" charset="0"/>
+                <a:ea typeface="微软雅黑" panose="020B0503020204020204" pitchFamily="2" charset="-122"/>
+                <a:sym typeface="Impact" panose="020B0806030902050204" pitchFamily="2" charset="0"/>
+              </a:rPr>
+              <a:t>Docker</a:t>
+            </a:r>
+            <a:r>
+              <a:rPr lang="zh-CN" altLang="en-US" sz="2400" dirty="0">
+                <a:solidFill>
+                  <a:srgbClr val="FF8607"/>
+                </a:solidFill>
+                <a:latin typeface="Impact" panose="020B0806030902050204" pitchFamily="2" charset="0"/>
+                <a:ea typeface="微软雅黑" panose="020B0503020204020204" pitchFamily="2" charset="-122"/>
+                <a:sym typeface="Impact" panose="020B0806030902050204" pitchFamily="2" charset="0"/>
+              </a:rPr>
+              <a:t> </a:t>
+            </a:r>
+            <a:r>
+              <a:rPr lang="en-US" altLang="zh-CN" sz="2400" dirty="0">
+                <a:solidFill>
+                  <a:srgbClr val="FF8607"/>
+                </a:solidFill>
+                <a:latin typeface="Impact" panose="020B0806030902050204" pitchFamily="2" charset="0"/>
+                <a:ea typeface="微软雅黑" panose="020B0503020204020204" pitchFamily="2" charset="-122"/>
+                <a:sym typeface="Impact" panose="020B0806030902050204" pitchFamily="2" charset="0"/>
+              </a:rPr>
+              <a:t>Compose</a:t>
+            </a:r>
+            <a:endParaRPr lang="zh-CN" altLang="en-US" dirty="0">
+              <a:ea typeface="宋体" panose="02010600030101010101" pitchFamily="2" charset="-122"/>
+            </a:endParaRPr>
+          </a:p>
+        </p:txBody>
+      </p:sp>
+      <p:sp>
+        <p:nvSpPr>
+          <p:cNvPr id="12292" name="等腰三角形 28"/>
+          <p:cNvSpPr/>
+          <p:nvPr/>
+        </p:nvSpPr>
+        <p:spPr>
+          <a:xfrm rot="5400000">
+            <a:off x="-39687" y="157163"/>
+            <a:ext cx="581025" cy="501650"/>
+          </a:xfrm>
+          <a:prstGeom prst="triangle">
+            <a:avLst>
+              <a:gd name="adj" fmla="val 50000"/>
+            </a:avLst>
+          </a:prstGeom>
+          <a:solidFill>
+            <a:srgbClr val="282828"/>
+          </a:solidFill>
+          <a:ln w="9525">
+            <a:noFill/>
+          </a:ln>
+        </p:spPr>
+        <p:txBody>
+          <a:bodyPr vert="horz" wrap="square" anchor="ctr"/>
+          <a:lstStyle/>
+          <a:p>
+            <a:pPr algn="ctr"/>
+            <a:endParaRPr>
+              <a:solidFill>
+                <a:srgbClr val="FFFFFF"/>
+              </a:solidFill>
+              <a:latin typeface="微软雅黑" panose="020B0503020204020204" pitchFamily="2" charset="-122"/>
+              <a:ea typeface="微软雅黑" panose="020B0503020204020204" pitchFamily="2" charset="-122"/>
+              <a:sym typeface="微软雅黑" panose="020B0503020204020204" pitchFamily="2" charset="-122"/>
+            </a:endParaRPr>
+          </a:p>
+        </p:txBody>
+      </p:sp>
+      <p:sp>
+        <p:nvSpPr>
+          <p:cNvPr id="2" name="文本框 1">
+            <a:extLst>
+              <a:ext uri="{FF2B5EF4-FFF2-40B4-BE49-F238E27FC236}">
+                <a16:creationId xmlns:a16="http://schemas.microsoft.com/office/drawing/2014/main" id="{16B512D6-5C02-4FFA-BD5E-8D82BFAB8AA1}"/>
+              </a:ext>
+            </a:extLst>
+          </p:cNvPr>
+          <p:cNvSpPr txBox="1"/>
+          <p:nvPr/>
+        </p:nvSpPr>
+        <p:spPr>
+          <a:xfrm>
+            <a:off x="476250" y="863590"/>
+            <a:ext cx="8099120" cy="923330"/>
+          </a:xfrm>
+          <a:prstGeom prst="rect">
+            <a:avLst/>
+          </a:prstGeom>
+          <a:noFill/>
+        </p:spPr>
+        <p:txBody>
+          <a:bodyPr wrap="square" rtlCol="0">
+            <a:spAutoFit/>
+          </a:bodyPr>
+          <a:lstStyle/>
+          <a:p>
+            <a:r>
+              <a:rPr lang="en-US" altLang="zh-CN" dirty="0"/>
+              <a:t>Compose </a:t>
+            </a:r>
+            <a:r>
+              <a:rPr lang="zh-CN" altLang="zh-CN" dirty="0"/>
+              <a:t>是用于定义和运行多容器</a:t>
+            </a:r>
+            <a:r>
+              <a:rPr lang="en-US" altLang="zh-CN" dirty="0"/>
+              <a:t> Docker </a:t>
+            </a:r>
+            <a:r>
+              <a:rPr lang="zh-CN" altLang="zh-CN" dirty="0"/>
+              <a:t>应用程序的工具。</a:t>
+            </a:r>
+            <a:endParaRPr lang="en-US" altLang="zh-CN" dirty="0"/>
+          </a:p>
+          <a:p>
+            <a:endParaRPr lang="en-US" altLang="zh-CN" dirty="0"/>
+          </a:p>
+          <a:p>
+            <a:r>
+              <a:rPr lang="zh-CN" altLang="en-US" dirty="0"/>
+              <a:t>工具</a:t>
+            </a:r>
+            <a:r>
+              <a:rPr lang="en-US" altLang="zh-CN" dirty="0"/>
+              <a:t>+YAML</a:t>
+            </a:r>
+          </a:p>
+        </p:txBody>
+      </p:sp>
+      <p:pic>
+        <p:nvPicPr>
+          <p:cNvPr id="1026" name="Picture 2">
+            <a:extLst>
+              <a:ext uri="{FF2B5EF4-FFF2-40B4-BE49-F238E27FC236}">
+                <a16:creationId xmlns:a16="http://schemas.microsoft.com/office/drawing/2014/main" id="{38A6386C-CD87-4A9B-82DE-B47F3E1D37FB}"/>
+              </a:ext>
+            </a:extLst>
+          </p:cNvPr>
+          <p:cNvPicPr>
+            <a:picLocks noChangeAspect="1" noChangeArrowheads="1"/>
+          </p:cNvPicPr>
+          <p:nvPr/>
+        </p:nvPicPr>
+        <p:blipFill>
+          <a:blip r:embed="rId2">
+            <a:extLst>
+              <a:ext uri="{28A0092B-C50C-407E-A947-70E740481C1C}">
+                <a14:useLocalDpi xmlns:a14="http://schemas.microsoft.com/office/drawing/2010/main" val="0"/>
+              </a:ext>
+            </a:extLst>
+          </a:blip>
+          <a:srcRect/>
+          <a:stretch>
+            <a:fillRect/>
+          </a:stretch>
+        </p:blipFill>
+        <p:spPr bwMode="auto">
+          <a:xfrm>
+            <a:off x="3347915" y="1786920"/>
+            <a:ext cx="4926371" cy="2569292"/>
+          </a:xfrm>
+          <a:prstGeom prst="rect">
+            <a:avLst/>
+          </a:prstGeom>
+          <a:noFill/>
+          <a:extLst>
+            <a:ext uri="{909E8E84-426E-40DD-AFC4-6F175D3DCCD1}">
+              <a14:hiddenFill xmlns:a14="http://schemas.microsoft.com/office/drawing/2010/main">
+                <a:solidFill>
+                  <a:srgbClr val="FFFFFF"/>
+                </a:solidFill>
+              </a14:hiddenFill>
+            </a:ext>
+          </a:extLst>
+        </p:spPr>
+      </p:pic>
+    </p:spTree>
+    <p:extLst>
+      <p:ext uri="{BB962C8B-B14F-4D97-AF65-F5344CB8AC3E}">
+        <p14:creationId xmlns:p14="http://schemas.microsoft.com/office/powerpoint/2010/main" val="2717132842"/>
+      </p:ext>
+    </p:extLst>
+  </p:cSld>
+  <p:clrMapOvr>
+    <a:masterClrMapping/>
+  </p:clrMapOvr>
+  <p:transition spd="slow">
+    <p:push dir="u"/>
+  </p:transition>
+</p:sld>
+</file>
+
+<file path=ppt/slides/slide28.xml><?xml version="1.0" encoding="utf-8"?>
+<p:sld xmlns:a="http://schemas.openxmlformats.org/drawingml/2006/main" xmlns:r="http://schemas.openxmlformats.org/officeDocument/2006/relationships" xmlns:p="http://schemas.openxmlformats.org/presentationml/2006/main">
+  <p:cSld>
+    <p:spTree>
+      <p:nvGrpSpPr>
+        <p:cNvPr id="1" name=""/>
+        <p:cNvGrpSpPr/>
+        <p:nvPr/>
+      </p:nvGrpSpPr>
+      <p:grpSpPr>
+        <a:xfrm>
+          <a:off x="0" y="0"/>
+          <a:ext cx="0" cy="0"/>
+          <a:chOff x="0" y="0"/>
+          <a:chExt cx="0" cy="0"/>
+        </a:xfrm>
+      </p:grpSpPr>
+      <p:sp>
+        <p:nvSpPr>
+          <p:cNvPr id="12290" name="矩形 9"/>
+          <p:cNvSpPr/>
+          <p:nvPr/>
+        </p:nvSpPr>
+        <p:spPr>
+          <a:xfrm>
+            <a:off x="0" y="4562474"/>
+            <a:ext cx="9144000" cy="581026"/>
+          </a:xfrm>
+          <a:prstGeom prst="rect">
+            <a:avLst/>
+          </a:prstGeom>
+          <a:solidFill>
+            <a:srgbClr val="282828"/>
+          </a:solidFill>
+          <a:ln w="9525">
+            <a:noFill/>
+          </a:ln>
+        </p:spPr>
+        <p:txBody>
+          <a:bodyPr anchor="ctr"/>
+          <a:lstStyle/>
+          <a:p>
+            <a:pPr algn="ctr"/>
+            <a:endParaRPr>
+              <a:solidFill>
+                <a:srgbClr val="FFFFFF"/>
+              </a:solidFill>
+              <a:latin typeface="微软雅黑" panose="020B0503020204020204" pitchFamily="2" charset="-122"/>
+              <a:ea typeface="微软雅黑" panose="020B0503020204020204" pitchFamily="2" charset="-122"/>
+              <a:sym typeface="微软雅黑" panose="020B0503020204020204" pitchFamily="2" charset="-122"/>
+            </a:endParaRPr>
+          </a:p>
+        </p:txBody>
+      </p:sp>
+      <p:sp>
+        <p:nvSpPr>
+          <p:cNvPr id="12291" name="矩形 27"/>
+          <p:cNvSpPr/>
+          <p:nvPr/>
+        </p:nvSpPr>
+        <p:spPr>
+          <a:xfrm>
+            <a:off x="476250" y="177800"/>
+            <a:ext cx="2316660" cy="461665"/>
+          </a:xfrm>
+          <a:prstGeom prst="rect">
+            <a:avLst/>
+          </a:prstGeom>
+          <a:noFill/>
+          <a:ln w="9525">
+            <a:noFill/>
+          </a:ln>
+        </p:spPr>
+        <p:txBody>
+          <a:bodyPr wrap="none">
+            <a:spAutoFit/>
+          </a:bodyPr>
+          <a:lstStyle/>
+          <a:p>
+            <a:r>
+              <a:rPr lang="en-US" altLang="zh-CN" sz="2400" dirty="0">
+                <a:solidFill>
+                  <a:srgbClr val="FF8607"/>
+                </a:solidFill>
+                <a:latin typeface="Impact" panose="020B0806030902050204" pitchFamily="2" charset="0"/>
+                <a:ea typeface="微软雅黑" panose="020B0503020204020204" pitchFamily="2" charset="-122"/>
+                <a:sym typeface="Impact" panose="020B0806030902050204" pitchFamily="2" charset="0"/>
+              </a:rPr>
+              <a:t>Docker</a:t>
+            </a:r>
+            <a:r>
+              <a:rPr lang="zh-CN" altLang="en-US" sz="2400" dirty="0">
+                <a:solidFill>
+                  <a:srgbClr val="FF8607"/>
+                </a:solidFill>
+                <a:latin typeface="Impact" panose="020B0806030902050204" pitchFamily="2" charset="0"/>
+                <a:ea typeface="微软雅黑" panose="020B0503020204020204" pitchFamily="2" charset="-122"/>
+                <a:sym typeface="Impact" panose="020B0806030902050204" pitchFamily="2" charset="0"/>
+              </a:rPr>
+              <a:t> </a:t>
+            </a:r>
+            <a:r>
+              <a:rPr lang="en-US" altLang="zh-CN" sz="2400" dirty="0">
+                <a:solidFill>
+                  <a:srgbClr val="FF8607"/>
+                </a:solidFill>
+                <a:latin typeface="Impact" panose="020B0806030902050204" pitchFamily="2" charset="0"/>
+                <a:ea typeface="微软雅黑" panose="020B0503020204020204" pitchFamily="2" charset="-122"/>
+                <a:sym typeface="Impact" panose="020B0806030902050204" pitchFamily="2" charset="0"/>
+              </a:rPr>
+              <a:t>Compose</a:t>
+            </a:r>
+            <a:endParaRPr lang="zh-CN" altLang="en-US" dirty="0">
+              <a:ea typeface="宋体" panose="02010600030101010101" pitchFamily="2" charset="-122"/>
+            </a:endParaRPr>
+          </a:p>
+        </p:txBody>
+      </p:sp>
+      <p:sp>
+        <p:nvSpPr>
+          <p:cNvPr id="12292" name="等腰三角形 28"/>
+          <p:cNvSpPr/>
+          <p:nvPr/>
+        </p:nvSpPr>
+        <p:spPr>
+          <a:xfrm rot="5400000">
+            <a:off x="-39687" y="157163"/>
+            <a:ext cx="581025" cy="501650"/>
+          </a:xfrm>
+          <a:prstGeom prst="triangle">
+            <a:avLst>
+              <a:gd name="adj" fmla="val 50000"/>
+            </a:avLst>
+          </a:prstGeom>
+          <a:solidFill>
+            <a:srgbClr val="282828"/>
+          </a:solidFill>
+          <a:ln w="9525">
+            <a:noFill/>
+          </a:ln>
+        </p:spPr>
+        <p:txBody>
+          <a:bodyPr vert="horz" wrap="square" anchor="ctr"/>
+          <a:lstStyle/>
+          <a:p>
+            <a:pPr algn="ctr"/>
+            <a:endParaRPr>
+              <a:solidFill>
+                <a:srgbClr val="FFFFFF"/>
+              </a:solidFill>
+              <a:latin typeface="微软雅黑" panose="020B0503020204020204" pitchFamily="2" charset="-122"/>
+              <a:ea typeface="微软雅黑" panose="020B0503020204020204" pitchFamily="2" charset="-122"/>
+              <a:sym typeface="微软雅黑" panose="020B0503020204020204" pitchFamily="2" charset="-122"/>
+            </a:endParaRPr>
+          </a:p>
+        </p:txBody>
+      </p:sp>
+      <p:sp>
+        <p:nvSpPr>
+          <p:cNvPr id="2" name="文本框 1">
+            <a:extLst>
+              <a:ext uri="{FF2B5EF4-FFF2-40B4-BE49-F238E27FC236}">
+                <a16:creationId xmlns:a16="http://schemas.microsoft.com/office/drawing/2014/main" id="{16B512D6-5C02-4FFA-BD5E-8D82BFAB8AA1}"/>
+              </a:ext>
+            </a:extLst>
+          </p:cNvPr>
+          <p:cNvSpPr txBox="1"/>
+          <p:nvPr/>
+        </p:nvSpPr>
+        <p:spPr>
+          <a:xfrm>
+            <a:off x="476250" y="863590"/>
+            <a:ext cx="8099120" cy="3693319"/>
+          </a:xfrm>
+          <a:prstGeom prst="rect">
+            <a:avLst/>
+          </a:prstGeom>
+          <a:noFill/>
+        </p:spPr>
+        <p:txBody>
+          <a:bodyPr wrap="square" rtlCol="0">
+            <a:spAutoFit/>
+          </a:bodyPr>
+          <a:lstStyle/>
+          <a:p>
+            <a:r>
+              <a:rPr lang="zh-CN" altLang="en-US" dirty="0"/>
+              <a:t>下载</a:t>
+            </a:r>
+            <a:endParaRPr lang="en-US" altLang="zh-CN" dirty="0"/>
+          </a:p>
+          <a:p>
+            <a:r>
+              <a:rPr lang="en-US" altLang="zh-CN" dirty="0"/>
+              <a:t>curl -L https://get.daocloud.io/docker/compose/releases/download/1.25.0/docker-compose-`uname -s`-`</a:t>
+            </a:r>
+            <a:r>
+              <a:rPr lang="en-US" altLang="zh-CN" dirty="0" err="1"/>
+              <a:t>uname</a:t>
+            </a:r>
+            <a:r>
+              <a:rPr lang="en-US" altLang="zh-CN" dirty="0"/>
+              <a:t> -m` &gt; /</a:t>
+            </a:r>
+            <a:r>
+              <a:rPr lang="en-US" altLang="zh-CN" dirty="0" err="1"/>
+              <a:t>usr</a:t>
+            </a:r>
+            <a:r>
+              <a:rPr lang="en-US" altLang="zh-CN" dirty="0"/>
+              <a:t>/local/bin/docker-compose</a:t>
+            </a:r>
+          </a:p>
+          <a:p>
+            <a:endParaRPr lang="en-US" altLang="zh-CN" dirty="0"/>
+          </a:p>
+          <a:p>
+            <a:r>
+              <a:rPr lang="zh-CN" altLang="en-US" dirty="0"/>
+              <a:t>授权</a:t>
+            </a:r>
+            <a:endParaRPr lang="en-US" altLang="zh-CN" dirty="0"/>
+          </a:p>
+          <a:p>
+            <a:r>
+              <a:rPr lang="en-US" altLang="zh-CN" dirty="0" err="1"/>
+              <a:t>chmod</a:t>
+            </a:r>
+            <a:r>
+              <a:rPr lang="en-US" altLang="zh-CN" dirty="0"/>
+              <a:t> +x /</a:t>
+            </a:r>
+            <a:r>
+              <a:rPr lang="en-US" altLang="zh-CN" dirty="0" err="1"/>
+              <a:t>usr</a:t>
+            </a:r>
+            <a:r>
+              <a:rPr lang="en-US" altLang="zh-CN" dirty="0"/>
+              <a:t>/local/bin/docker-compose</a:t>
+            </a:r>
+          </a:p>
+          <a:p>
+            <a:endParaRPr lang="en-US" altLang="zh-CN" dirty="0"/>
+          </a:p>
+          <a:p>
+            <a:r>
+              <a:rPr lang="en-US" altLang="zh-CN" dirty="0"/>
+              <a:t>docker-compose</a:t>
+            </a:r>
+          </a:p>
+          <a:p>
+            <a:r>
+              <a:rPr lang="en-US" altLang="zh-CN" dirty="0"/>
+              <a:t>docker-compose –version</a:t>
+            </a:r>
+          </a:p>
+          <a:p>
+            <a:r>
+              <a:rPr lang="en-US" altLang="zh-CN" dirty="0"/>
+              <a:t>docker-compose stop</a:t>
+            </a:r>
+          </a:p>
+          <a:p>
+            <a:endParaRPr lang="en-US" altLang="zh-CN" dirty="0"/>
+          </a:p>
+          <a:p>
+            <a:r>
+              <a:rPr lang="en-US" altLang="zh-CN" dirty="0"/>
+              <a:t>22:01</a:t>
+            </a:r>
+            <a:r>
+              <a:rPr lang="zh-CN" altLang="en-US" dirty="0"/>
+              <a:t>开始提问</a:t>
+            </a:r>
+            <a:r>
+              <a:rPr lang="en-US" altLang="zh-CN" dirty="0"/>
+              <a:t>—</a:t>
+            </a:r>
+            <a:r>
+              <a:rPr lang="zh-CN" altLang="en-US" dirty="0"/>
+              <a:t>休息</a:t>
+            </a:r>
+            <a:r>
+              <a:rPr lang="en-US" altLang="zh-CN" dirty="0"/>
+              <a:t>---22:06</a:t>
+            </a:r>
+            <a:r>
+              <a:rPr lang="zh-CN" altLang="en-US" dirty="0"/>
+              <a:t>开始答疑</a:t>
+            </a:r>
+            <a:r>
+              <a:rPr lang="en-US" altLang="zh-CN" dirty="0"/>
+              <a:t>---</a:t>
+            </a:r>
+            <a:r>
+              <a:rPr lang="zh-CN" altLang="en-US" dirty="0"/>
+              <a:t>期间就不说话了</a:t>
+            </a:r>
+            <a:endParaRPr lang="en-US" altLang="zh-CN" dirty="0"/>
+          </a:p>
+        </p:txBody>
+      </p:sp>
+    </p:spTree>
+    <p:extLst>
+      <p:ext uri="{BB962C8B-B14F-4D97-AF65-F5344CB8AC3E}">
+        <p14:creationId xmlns:p14="http://schemas.microsoft.com/office/powerpoint/2010/main" val="218396211"/>
+      </p:ext>
+    </p:extLst>
+  </p:cSld>
+  <p:clrMapOvr>
+    <a:masterClrMapping/>
+  </p:clrMapOvr>
+  <p:transition spd="slow">
+    <p:push dir="u"/>
+  </p:transition>
+</p:sld>
+</file>
+
+<file path=ppt/slides/slide29.xml><?xml version="1.0" encoding="utf-8"?>
+<p:sld xmlns:a="http://schemas.openxmlformats.org/drawingml/2006/main" xmlns:r="http://schemas.openxmlformats.org/officeDocument/2006/relationships" xmlns:p="http://schemas.openxmlformats.org/presentationml/2006/main">
+  <p:cSld>
+    <p:spTree>
+      <p:nvGrpSpPr>
+        <p:cNvPr id="1" name=""/>
+        <p:cNvGrpSpPr/>
+        <p:nvPr/>
+      </p:nvGrpSpPr>
+      <p:grpSpPr>
+        <a:xfrm>
+          <a:off x="0" y="0"/>
+          <a:ext cx="0" cy="0"/>
+          <a:chOff x="0" y="0"/>
+          <a:chExt cx="0" cy="0"/>
+        </a:xfrm>
+      </p:grpSpPr>
+      <p:sp>
+        <p:nvSpPr>
+          <p:cNvPr id="12290" name="矩形 9"/>
+          <p:cNvSpPr/>
+          <p:nvPr/>
+        </p:nvSpPr>
+        <p:spPr>
+          <a:xfrm>
+            <a:off x="0" y="4562474"/>
+            <a:ext cx="9144000" cy="581026"/>
+          </a:xfrm>
+          <a:prstGeom prst="rect">
+            <a:avLst/>
+          </a:prstGeom>
+          <a:solidFill>
+            <a:srgbClr val="282828"/>
+          </a:solidFill>
+          <a:ln w="9525">
+            <a:noFill/>
+          </a:ln>
+        </p:spPr>
+        <p:txBody>
+          <a:bodyPr anchor="ctr"/>
+          <a:lstStyle/>
+          <a:p>
+            <a:pPr algn="ctr"/>
+            <a:endParaRPr>
+              <a:solidFill>
+                <a:srgbClr val="FFFFFF"/>
+              </a:solidFill>
+              <a:latin typeface="微软雅黑" panose="020B0503020204020204" pitchFamily="2" charset="-122"/>
+              <a:ea typeface="微软雅黑" panose="020B0503020204020204" pitchFamily="2" charset="-122"/>
+              <a:sym typeface="微软雅黑" panose="020B0503020204020204" pitchFamily="2" charset="-122"/>
+            </a:endParaRPr>
+          </a:p>
+        </p:txBody>
+      </p:sp>
+      <p:sp>
+        <p:nvSpPr>
+          <p:cNvPr id="12291" name="矩形 27"/>
+          <p:cNvSpPr/>
+          <p:nvPr/>
+        </p:nvSpPr>
+        <p:spPr>
+          <a:xfrm>
+            <a:off x="476250" y="177800"/>
+            <a:ext cx="1284326" cy="461665"/>
+          </a:xfrm>
+          <a:prstGeom prst="rect">
+            <a:avLst/>
+          </a:prstGeom>
+          <a:noFill/>
+          <a:ln w="9525">
+            <a:noFill/>
+          </a:ln>
+        </p:spPr>
+        <p:txBody>
+          <a:bodyPr wrap="none">
+            <a:spAutoFit/>
+          </a:bodyPr>
+          <a:lstStyle/>
+          <a:p>
+            <a:r>
+              <a:rPr lang="en-US" altLang="zh-CN" sz="2400" dirty="0">
+                <a:solidFill>
+                  <a:srgbClr val="FF8607"/>
+                </a:solidFill>
+                <a:latin typeface="Impact" panose="020B0806030902050204" pitchFamily="2" charset="0"/>
+                <a:ea typeface="微软雅黑" panose="020B0503020204020204" pitchFamily="2" charset="-122"/>
+                <a:sym typeface="Impact" panose="020B0806030902050204" pitchFamily="2" charset="0"/>
+              </a:rPr>
+              <a:t>YML</a:t>
+            </a:r>
+            <a:r>
+              <a:rPr lang="zh-CN" altLang="en-US" sz="2400" dirty="0">
+                <a:solidFill>
+                  <a:srgbClr val="FF8607"/>
+                </a:solidFill>
+                <a:latin typeface="Impact" panose="020B0806030902050204" pitchFamily="2" charset="0"/>
+                <a:ea typeface="微软雅黑" panose="020B0503020204020204" pitchFamily="2" charset="-122"/>
+                <a:sym typeface="Impact" panose="020B0806030902050204" pitchFamily="2" charset="0"/>
+              </a:rPr>
+              <a:t>案例</a:t>
+            </a:r>
+            <a:endParaRPr lang="zh-CN" altLang="en-US" dirty="0">
+              <a:ea typeface="宋体" panose="02010600030101010101" pitchFamily="2" charset="-122"/>
+            </a:endParaRPr>
+          </a:p>
+        </p:txBody>
+      </p:sp>
+      <p:sp>
+        <p:nvSpPr>
+          <p:cNvPr id="12292" name="等腰三角形 28"/>
+          <p:cNvSpPr/>
+          <p:nvPr/>
+        </p:nvSpPr>
+        <p:spPr>
+          <a:xfrm rot="5400000">
+            <a:off x="-39687" y="157163"/>
+            <a:ext cx="581025" cy="501650"/>
+          </a:xfrm>
+          <a:prstGeom prst="triangle">
+            <a:avLst>
+              <a:gd name="adj" fmla="val 50000"/>
+            </a:avLst>
+          </a:prstGeom>
+          <a:solidFill>
+            <a:srgbClr val="282828"/>
+          </a:solidFill>
+          <a:ln w="9525">
+            <a:noFill/>
+          </a:ln>
+        </p:spPr>
+        <p:txBody>
+          <a:bodyPr vert="horz" wrap="square" anchor="ctr"/>
+          <a:lstStyle/>
+          <a:p>
+            <a:pPr algn="ctr"/>
+            <a:endParaRPr>
+              <a:solidFill>
+                <a:srgbClr val="FFFFFF"/>
+              </a:solidFill>
+              <a:latin typeface="微软雅黑" panose="020B0503020204020204" pitchFamily="2" charset="-122"/>
+              <a:ea typeface="微软雅黑" panose="020B0503020204020204" pitchFamily="2" charset="-122"/>
+              <a:sym typeface="微软雅黑" panose="020B0503020204020204" pitchFamily="2" charset="-122"/>
+            </a:endParaRPr>
+          </a:p>
+        </p:txBody>
+      </p:sp>
+      <p:sp>
+        <p:nvSpPr>
+          <p:cNvPr id="2" name="文本框 1">
+            <a:extLst>
+              <a:ext uri="{FF2B5EF4-FFF2-40B4-BE49-F238E27FC236}">
+                <a16:creationId xmlns:a16="http://schemas.microsoft.com/office/drawing/2014/main" id="{16B512D6-5C02-4FFA-BD5E-8D82BFAB8AA1}"/>
+              </a:ext>
+            </a:extLst>
+          </p:cNvPr>
+          <p:cNvSpPr txBox="1"/>
+          <p:nvPr/>
+        </p:nvSpPr>
+        <p:spPr>
+          <a:xfrm>
+            <a:off x="560955" y="843630"/>
+            <a:ext cx="8022089" cy="2862322"/>
+          </a:xfrm>
+          <a:prstGeom prst="rect">
+            <a:avLst/>
+          </a:prstGeom>
+          <a:noFill/>
+        </p:spPr>
+        <p:txBody>
+          <a:bodyPr wrap="square" rtlCol="0">
+            <a:spAutoFit/>
+          </a:bodyPr>
+          <a:lstStyle/>
+          <a:p>
+            <a:r>
+              <a:rPr lang="en-US" altLang="zh-CN" dirty="0"/>
+              <a:t>- image - </a:t>
+            </a:r>
+            <a:r>
+              <a:rPr lang="zh-CN" altLang="en-US" dirty="0"/>
+              <a:t>指定了我们用来运行容器的镜像，如果指定的</a:t>
+            </a:r>
+            <a:r>
+              <a:rPr lang="en-US" altLang="zh-CN" dirty="0"/>
+              <a:t>image</a:t>
+            </a:r>
+            <a:r>
+              <a:rPr lang="zh-CN" altLang="en-US" dirty="0"/>
+              <a:t>不存在，它会自动从远程仓库下载</a:t>
+            </a:r>
+          </a:p>
+          <a:p>
+            <a:r>
+              <a:rPr lang="en-US" altLang="zh-CN" dirty="0"/>
+              <a:t>- ports - </a:t>
+            </a:r>
+            <a:r>
+              <a:rPr lang="zh-CN" altLang="en-US" dirty="0"/>
+              <a:t>指定了我们映射端口，这里把容器</a:t>
+            </a:r>
+            <a:r>
+              <a:rPr lang="en-US" altLang="zh-CN" dirty="0"/>
+              <a:t>80</a:t>
+            </a:r>
+            <a:r>
+              <a:rPr lang="zh-CN" altLang="en-US" dirty="0"/>
+              <a:t>端口映射到宿主机器</a:t>
+            </a:r>
+            <a:r>
+              <a:rPr lang="en-US" altLang="zh-CN" dirty="0"/>
+              <a:t>8081/8082</a:t>
+            </a:r>
+            <a:r>
+              <a:rPr lang="zh-CN" altLang="en-US" dirty="0"/>
+              <a:t>端口</a:t>
+            </a:r>
+          </a:p>
+          <a:p>
+            <a:r>
+              <a:rPr lang="en-US" altLang="zh-CN" dirty="0"/>
+              <a:t>- volumes - </a:t>
+            </a:r>
+            <a:r>
+              <a:rPr lang="zh-CN" altLang="en-US" dirty="0"/>
+              <a:t>指定了容器里的存储路径以</a:t>
+            </a:r>
+            <a:r>
+              <a:rPr lang="en-US" altLang="zh-CN" dirty="0"/>
+              <a:t>volume</a:t>
+            </a:r>
+            <a:r>
+              <a:rPr lang="zh-CN" altLang="en-US" dirty="0"/>
+              <a:t>挂载方式映射到宿主机器上</a:t>
+            </a:r>
+          </a:p>
+          <a:p>
+            <a:r>
+              <a:rPr lang="en-US" altLang="zh-CN" dirty="0"/>
+              <a:t>- context- </a:t>
+            </a:r>
+            <a:r>
+              <a:rPr lang="zh-CN" altLang="en-US" dirty="0"/>
+              <a:t>指定</a:t>
+            </a:r>
+            <a:r>
+              <a:rPr lang="en-US" altLang="zh-CN" dirty="0" err="1"/>
+              <a:t>Dockerfile</a:t>
+            </a:r>
+            <a:r>
+              <a:rPr lang="zh-CN" altLang="en-US" dirty="0"/>
+              <a:t>所在的位置</a:t>
+            </a:r>
+            <a:endParaRPr lang="en-US" altLang="zh-CN" dirty="0"/>
+          </a:p>
+          <a:p>
+            <a:pPr marL="285750" indent="-285750">
+              <a:buFontTx/>
+              <a:buChar char="-"/>
+            </a:pPr>
+            <a:endParaRPr lang="en-US" altLang="zh-CN" dirty="0"/>
+          </a:p>
+          <a:p>
+            <a:r>
+              <a:rPr lang="en-US" altLang="zh-CN" dirty="0"/>
+              <a:t>docker stop $(docker </a:t>
+            </a:r>
+            <a:r>
+              <a:rPr lang="en-US" altLang="zh-CN" dirty="0" err="1"/>
+              <a:t>ps</a:t>
+            </a:r>
+            <a:r>
+              <a:rPr lang="en-US" altLang="zh-CN" dirty="0"/>
+              <a:t> -q) &amp; docker rm $(docker </a:t>
+            </a:r>
+            <a:r>
+              <a:rPr lang="en-US" altLang="zh-CN" dirty="0" err="1"/>
+              <a:t>ps</a:t>
+            </a:r>
+            <a:r>
+              <a:rPr lang="en-US" altLang="zh-CN" dirty="0"/>
+              <a:t> -</a:t>
+            </a:r>
+            <a:r>
+              <a:rPr lang="en-US" altLang="zh-CN" dirty="0" err="1"/>
+              <a:t>aq</a:t>
+            </a:r>
+            <a:r>
+              <a:rPr lang="en-US" altLang="zh-CN" dirty="0"/>
+              <a:t>)</a:t>
+            </a:r>
+            <a:endParaRPr lang="zh-CN" altLang="zh-CN" dirty="0"/>
+          </a:p>
+          <a:p>
+            <a:r>
+              <a:rPr lang="en-US" altLang="zh-CN" dirty="0"/>
+              <a:t>docker-compose up –d</a:t>
+            </a:r>
+          </a:p>
+          <a:p>
+            <a:r>
+              <a:rPr lang="en-US" altLang="zh-CN" dirty="0"/>
+              <a:t>docker-compose stop</a:t>
+            </a:r>
+          </a:p>
+        </p:txBody>
+      </p:sp>
+    </p:spTree>
+    <p:extLst>
+      <p:ext uri="{BB962C8B-B14F-4D97-AF65-F5344CB8AC3E}">
+        <p14:creationId xmlns:p14="http://schemas.microsoft.com/office/powerpoint/2010/main" val="3644918101"/>
+      </p:ext>
+    </p:extLst>
+  </p:cSld>
+  <p:clrMapOvr>
+    <a:masterClrMapping/>
+  </p:clrMapOvr>
+  <p:transition spd="slow">
+    <p:push dir="u"/>
+  </p:transition>
+</p:sld>
+</file>
+
+<file path=ppt/slides/slide3.xml><?xml version="1.0" encoding="utf-8"?>
+<p:sld xmlns:a="http://schemas.openxmlformats.org/drawingml/2006/main" xmlns:r="http://schemas.openxmlformats.org/officeDocument/2006/relationships" xmlns:p="http://schemas.openxmlformats.org/presentationml/2006/main">
+  <p:cSld>
+    <p:spTree>
+      <p:nvGrpSpPr>
+        <p:cNvPr id="1" name=""/>
+        <p:cNvGrpSpPr/>
+        <p:nvPr/>
+      </p:nvGrpSpPr>
+      <p:grpSpPr>
+        <a:xfrm>
+          <a:off x="0" y="0"/>
+          <a:ext cx="0" cy="0"/>
+          <a:chOff x="0" y="0"/>
+          <a:chExt cx="0" cy="0"/>
+        </a:xfrm>
+      </p:grpSpPr>
+      <p:sp>
+        <p:nvSpPr>
+          <p:cNvPr id="12290" name="矩形 9"/>
+          <p:cNvSpPr/>
+          <p:nvPr/>
+        </p:nvSpPr>
+        <p:spPr>
+          <a:xfrm>
+            <a:off x="0" y="4562474"/>
+            <a:ext cx="9144000" cy="581026"/>
+          </a:xfrm>
+          <a:prstGeom prst="rect">
+            <a:avLst/>
+          </a:prstGeom>
+          <a:solidFill>
+            <a:srgbClr val="282828"/>
+          </a:solidFill>
+          <a:ln w="9525">
+            <a:noFill/>
+          </a:ln>
+        </p:spPr>
+        <p:txBody>
+          <a:bodyPr anchor="ctr"/>
+          <a:lstStyle/>
+          <a:p>
+            <a:pPr algn="ctr"/>
+            <a:endParaRPr>
+              <a:solidFill>
+                <a:srgbClr val="FFFFFF"/>
+              </a:solidFill>
+              <a:latin typeface="微软雅黑" panose="020B0503020204020204" pitchFamily="2" charset="-122"/>
+              <a:ea typeface="微软雅黑" panose="020B0503020204020204" pitchFamily="2" charset="-122"/>
+              <a:sym typeface="微软雅黑" panose="020B0503020204020204" pitchFamily="2" charset="-122"/>
+            </a:endParaRPr>
+          </a:p>
+        </p:txBody>
+      </p:sp>
+      <p:sp>
+        <p:nvSpPr>
+          <p:cNvPr id="12291" name="矩形 27"/>
+          <p:cNvSpPr/>
+          <p:nvPr/>
+        </p:nvSpPr>
+        <p:spPr>
+          <a:xfrm>
+            <a:off x="476250" y="177800"/>
+            <a:ext cx="2521844" cy="461665"/>
+          </a:xfrm>
+          <a:prstGeom prst="rect">
+            <a:avLst/>
+          </a:prstGeom>
+          <a:noFill/>
+          <a:ln w="9525">
+            <a:noFill/>
+          </a:ln>
+        </p:spPr>
+        <p:txBody>
+          <a:bodyPr wrap="none">
+            <a:spAutoFit/>
+          </a:bodyPr>
+          <a:lstStyle/>
+          <a:p>
+            <a:r>
+              <a:rPr lang="zh-CN" altLang="en-US" sz="2400" dirty="0">
+                <a:solidFill>
+                  <a:srgbClr val="FF8607"/>
+                </a:solidFill>
+                <a:latin typeface="Impact" panose="020B0806030902050204" pitchFamily="2" charset="0"/>
+                <a:ea typeface="微软雅黑" panose="020B0503020204020204" pitchFamily="2" charset="-122"/>
+                <a:sym typeface="Impact" panose="020B0806030902050204" pitchFamily="2" charset="0"/>
+              </a:rPr>
+              <a:t>虚拟机</a:t>
+            </a:r>
+            <a:r>
+              <a:rPr lang="en-US" altLang="zh-CN" sz="2400" dirty="0">
+                <a:solidFill>
+                  <a:srgbClr val="FF8607"/>
+                </a:solidFill>
+                <a:latin typeface="Impact" panose="020B0806030902050204" pitchFamily="2" charset="0"/>
+                <a:ea typeface="微软雅黑" panose="020B0503020204020204" pitchFamily="2" charset="-122"/>
+                <a:sym typeface="Impact" panose="020B0806030902050204" pitchFamily="2" charset="0"/>
+              </a:rPr>
+              <a:t>--</a:t>
+            </a:r>
+            <a:r>
+              <a:rPr lang="zh-CN" altLang="en-US" sz="2400" dirty="0">
+                <a:solidFill>
+                  <a:srgbClr val="FF8607"/>
+                </a:solidFill>
+                <a:latin typeface="Impact" panose="020B0806030902050204" pitchFamily="2" charset="0"/>
+                <a:ea typeface="微软雅黑" panose="020B0503020204020204" pitchFamily="2" charset="-122"/>
+                <a:sym typeface="Impact" panose="020B0806030902050204" pitchFamily="2" charset="0"/>
+              </a:rPr>
+              <a:t>容器来源</a:t>
+            </a:r>
+            <a:endParaRPr lang="zh-CN" altLang="en-US" dirty="0">
+              <a:ea typeface="宋体" panose="02010600030101010101" pitchFamily="2" charset="-122"/>
+            </a:endParaRPr>
+          </a:p>
+        </p:txBody>
+      </p:sp>
+      <p:sp>
+        <p:nvSpPr>
+          <p:cNvPr id="12292" name="等腰三角形 28"/>
+          <p:cNvSpPr/>
+          <p:nvPr/>
+        </p:nvSpPr>
+        <p:spPr>
+          <a:xfrm rot="5400000">
+            <a:off x="-39687" y="157163"/>
+            <a:ext cx="581025" cy="501650"/>
+          </a:xfrm>
+          <a:prstGeom prst="triangle">
+            <a:avLst>
+              <a:gd name="adj" fmla="val 50000"/>
+            </a:avLst>
+          </a:prstGeom>
+          <a:solidFill>
+            <a:srgbClr val="282828"/>
+          </a:solidFill>
+          <a:ln w="9525">
+            <a:noFill/>
+          </a:ln>
+        </p:spPr>
+        <p:txBody>
+          <a:bodyPr vert="horz" wrap="square" anchor="ctr"/>
+          <a:lstStyle/>
+          <a:p>
+            <a:pPr algn="ctr"/>
+            <a:endParaRPr>
+              <a:solidFill>
+                <a:srgbClr val="FFFFFF"/>
+              </a:solidFill>
+              <a:latin typeface="微软雅黑" panose="020B0503020204020204" pitchFamily="2" charset="-122"/>
+              <a:ea typeface="微软雅黑" panose="020B0503020204020204" pitchFamily="2" charset="-122"/>
+              <a:sym typeface="微软雅黑" panose="020B0503020204020204" pitchFamily="2" charset="-122"/>
+            </a:endParaRPr>
+          </a:p>
+        </p:txBody>
+      </p:sp>
+      <p:sp>
+        <p:nvSpPr>
+          <p:cNvPr id="5" name="文本框 4">
+            <a:extLst>
+              <a:ext uri="{FF2B5EF4-FFF2-40B4-BE49-F238E27FC236}">
+                <a16:creationId xmlns:a16="http://schemas.microsoft.com/office/drawing/2014/main" id="{EE5F25C2-BC30-4311-9878-D51D214E3AAC}"/>
+              </a:ext>
+            </a:extLst>
+          </p:cNvPr>
+          <p:cNvSpPr txBox="1"/>
+          <p:nvPr/>
+        </p:nvSpPr>
+        <p:spPr>
+          <a:xfrm>
+            <a:off x="505159" y="1059645"/>
+            <a:ext cx="8243131" cy="2585323"/>
+          </a:xfrm>
+          <a:prstGeom prst="rect">
+            <a:avLst/>
+          </a:prstGeom>
+          <a:noFill/>
+        </p:spPr>
+        <p:txBody>
+          <a:bodyPr wrap="square" rtlCol="0">
+            <a:spAutoFit/>
+          </a:bodyPr>
+          <a:lstStyle/>
+          <a:p>
+            <a:pPr marL="342900" indent="-342900">
+              <a:buAutoNum type="arabicPlain"/>
+            </a:pPr>
+            <a:r>
+              <a:rPr lang="zh-CN" altLang="en-US" dirty="0"/>
+              <a:t>硬件发展速度</a:t>
+            </a:r>
+            <a:r>
+              <a:rPr lang="en-US" altLang="zh-CN" dirty="0"/>
+              <a:t>---</a:t>
+            </a:r>
+            <a:r>
+              <a:rPr lang="zh-CN" altLang="en-US" dirty="0"/>
+              <a:t>各种翻倍</a:t>
+            </a:r>
+            <a:r>
+              <a:rPr lang="en-US" altLang="zh-CN" dirty="0"/>
+              <a:t>—</a:t>
+            </a:r>
+            <a:r>
+              <a:rPr lang="zh-CN" altLang="en-US" dirty="0"/>
+              <a:t>服务器内存</a:t>
+            </a:r>
+            <a:r>
+              <a:rPr lang="en-US" altLang="zh-CN" dirty="0"/>
+              <a:t>---</a:t>
+            </a:r>
+            <a:r>
+              <a:rPr lang="en-US" altLang="zh-CN" dirty="0" err="1"/>
+              <a:t>Asp.Net+SqlServer+Nginx</a:t>
+            </a:r>
+            <a:r>
+              <a:rPr lang="en-US" altLang="zh-CN" dirty="0"/>
+              <a:t>—</a:t>
+            </a:r>
+            <a:r>
+              <a:rPr lang="zh-CN" altLang="en-US" dirty="0"/>
+              <a:t>资源利用率太低</a:t>
+            </a:r>
+            <a:r>
+              <a:rPr lang="en-US" altLang="zh-CN" dirty="0"/>
+              <a:t>---</a:t>
+            </a:r>
+            <a:r>
+              <a:rPr lang="zh-CN" altLang="en-US" dirty="0"/>
+              <a:t>能不能分开用</a:t>
+            </a:r>
+            <a:endParaRPr lang="en-US" altLang="zh-CN" dirty="0"/>
+          </a:p>
+          <a:p>
+            <a:pPr marL="342900" indent="-342900">
+              <a:buAutoNum type="arabicPlain"/>
+            </a:pPr>
+            <a:r>
+              <a:rPr lang="zh-CN" altLang="en-US" dirty="0"/>
+              <a:t>环境冲突，程序之间相互影响</a:t>
+            </a:r>
+            <a:endParaRPr lang="en-US" altLang="zh-CN" dirty="0"/>
+          </a:p>
+          <a:p>
+            <a:pPr marL="342900" indent="-342900">
+              <a:buAutoNum type="arabicPlain"/>
+            </a:pPr>
+            <a:r>
+              <a:rPr lang="zh-CN" altLang="en-US" dirty="0"/>
+              <a:t>快速部署的需求</a:t>
+            </a:r>
+            <a:r>
+              <a:rPr lang="en-US" altLang="zh-CN" dirty="0"/>
+              <a:t>---</a:t>
+            </a:r>
+            <a:r>
+              <a:rPr lang="zh-CN" altLang="en-US" dirty="0"/>
+              <a:t>发布集群的时候</a:t>
+            </a:r>
+            <a:endParaRPr lang="en-US" altLang="zh-CN" dirty="0"/>
+          </a:p>
+          <a:p>
+            <a:pPr marL="342900" indent="-342900">
+              <a:buAutoNum type="arabicPlain"/>
+            </a:pPr>
+            <a:endParaRPr lang="en-US" altLang="zh-CN" dirty="0"/>
+          </a:p>
+          <a:p>
+            <a:r>
+              <a:rPr lang="zh-CN" altLang="en-US" dirty="0"/>
+              <a:t>把一个大的服务器分解成多个小的个体，五脏俱全，各种应用分布在不同的个体里面，互不影响</a:t>
+            </a:r>
+            <a:r>
+              <a:rPr lang="en-US" altLang="zh-CN" dirty="0"/>
+              <a:t>—</a:t>
+            </a:r>
+            <a:r>
+              <a:rPr lang="zh-CN" altLang="en-US" dirty="0"/>
+              <a:t>利用率提高</a:t>
+            </a:r>
+            <a:r>
+              <a:rPr lang="en-US" altLang="zh-CN" dirty="0"/>
+              <a:t>—</a:t>
+            </a:r>
+            <a:r>
+              <a:rPr lang="zh-CN" altLang="en-US" dirty="0"/>
+              <a:t>镜像快速部署</a:t>
+            </a:r>
+            <a:endParaRPr lang="en-US" altLang="zh-CN" dirty="0"/>
+          </a:p>
+          <a:p>
+            <a:pPr marL="342900" indent="-342900">
+              <a:buAutoNum type="arabicPlain"/>
+            </a:pPr>
+            <a:endParaRPr lang="en-US" altLang="zh-CN" dirty="0"/>
+          </a:p>
+          <a:p>
+            <a:r>
+              <a:rPr lang="en-US" altLang="zh-CN" dirty="0"/>
+              <a:t>2011—</a:t>
+            </a:r>
+            <a:r>
+              <a:rPr lang="zh-CN" altLang="en-US" dirty="0"/>
+              <a:t>云计算</a:t>
+            </a:r>
+          </a:p>
+        </p:txBody>
+      </p:sp>
+    </p:spTree>
+    <p:extLst>
+      <p:ext uri="{BB962C8B-B14F-4D97-AF65-F5344CB8AC3E}">
+        <p14:creationId xmlns:p14="http://schemas.microsoft.com/office/powerpoint/2010/main" val="2027692386"/>
+      </p:ext>
+    </p:extLst>
+  </p:cSld>
+  <p:clrMapOvr>
+    <a:masterClrMapping/>
+  </p:clrMapOvr>
+  <p:transition spd="slow">
+    <p:push dir="u"/>
+  </p:transition>
+</p:sld>
+</file>
+
+<file path=ppt/slides/slide30.xml><?xml version="1.0" encoding="utf-8"?>
+<p:sld xmlns:a="http://schemas.openxmlformats.org/drawingml/2006/main" xmlns:r="http://schemas.openxmlformats.org/officeDocument/2006/relationships" xmlns:p="http://schemas.openxmlformats.org/presentationml/2006/main">
+  <p:cSld>
+    <p:spTree>
+      <p:nvGrpSpPr>
+        <p:cNvPr id="1" name=""/>
+        <p:cNvGrpSpPr/>
+        <p:nvPr/>
+      </p:nvGrpSpPr>
+      <p:grpSpPr>
+        <a:xfrm>
+          <a:off x="0" y="0"/>
+          <a:ext cx="0" cy="0"/>
+          <a:chOff x="0" y="0"/>
+          <a:chExt cx="0" cy="0"/>
+        </a:xfrm>
+      </p:grpSpPr>
+      <p:sp>
+        <p:nvSpPr>
+          <p:cNvPr id="12290" name="矩形 9"/>
+          <p:cNvSpPr/>
+          <p:nvPr/>
+        </p:nvSpPr>
+        <p:spPr>
+          <a:xfrm>
+            <a:off x="0" y="4562474"/>
+            <a:ext cx="9144000" cy="581026"/>
+          </a:xfrm>
+          <a:prstGeom prst="rect">
+            <a:avLst/>
+          </a:prstGeom>
+          <a:solidFill>
+            <a:srgbClr val="282828"/>
+          </a:solidFill>
+          <a:ln w="9525">
+            <a:noFill/>
+          </a:ln>
+        </p:spPr>
+        <p:txBody>
+          <a:bodyPr anchor="ctr"/>
+          <a:lstStyle/>
+          <a:p>
+            <a:pPr algn="ctr"/>
+            <a:endParaRPr>
+              <a:solidFill>
+                <a:srgbClr val="FFFFFF"/>
+              </a:solidFill>
+              <a:latin typeface="微软雅黑" panose="020B0503020204020204" pitchFamily="2" charset="-122"/>
+              <a:ea typeface="微软雅黑" panose="020B0503020204020204" pitchFamily="2" charset="-122"/>
+              <a:sym typeface="微软雅黑" panose="020B0503020204020204" pitchFamily="2" charset="-122"/>
+            </a:endParaRPr>
+          </a:p>
+        </p:txBody>
+      </p:sp>
+      <p:sp>
+        <p:nvSpPr>
+          <p:cNvPr id="12291" name="矩形 27"/>
+          <p:cNvSpPr/>
+          <p:nvPr/>
+        </p:nvSpPr>
+        <p:spPr>
+          <a:xfrm>
+            <a:off x="476250" y="177800"/>
+            <a:ext cx="1284326" cy="461665"/>
+          </a:xfrm>
+          <a:prstGeom prst="rect">
+            <a:avLst/>
+          </a:prstGeom>
+          <a:noFill/>
+          <a:ln w="9525">
+            <a:noFill/>
+          </a:ln>
+        </p:spPr>
+        <p:txBody>
+          <a:bodyPr wrap="none">
+            <a:spAutoFit/>
+          </a:bodyPr>
+          <a:lstStyle/>
+          <a:p>
+            <a:r>
+              <a:rPr lang="en-US" altLang="zh-CN" sz="2400" dirty="0">
+                <a:solidFill>
+                  <a:srgbClr val="FF8607"/>
+                </a:solidFill>
+                <a:latin typeface="Impact" panose="020B0806030902050204" pitchFamily="2" charset="0"/>
+                <a:ea typeface="微软雅黑" panose="020B0503020204020204" pitchFamily="2" charset="-122"/>
+                <a:sym typeface="Impact" panose="020B0806030902050204" pitchFamily="2" charset="0"/>
+              </a:rPr>
+              <a:t>YML</a:t>
+            </a:r>
+            <a:r>
+              <a:rPr lang="zh-CN" altLang="en-US" sz="2400" dirty="0">
+                <a:solidFill>
+                  <a:srgbClr val="FF8607"/>
+                </a:solidFill>
+                <a:latin typeface="Impact" panose="020B0806030902050204" pitchFamily="2" charset="0"/>
+                <a:ea typeface="微软雅黑" panose="020B0503020204020204" pitchFamily="2" charset="-122"/>
+                <a:sym typeface="Impact" panose="020B0806030902050204" pitchFamily="2" charset="0"/>
+              </a:rPr>
+              <a:t>案例</a:t>
+            </a:r>
+            <a:endParaRPr lang="zh-CN" altLang="en-US" dirty="0">
+              <a:ea typeface="宋体" panose="02010600030101010101" pitchFamily="2" charset="-122"/>
+            </a:endParaRPr>
+          </a:p>
+        </p:txBody>
+      </p:sp>
+      <p:sp>
+        <p:nvSpPr>
+          <p:cNvPr id="12292" name="等腰三角形 28"/>
+          <p:cNvSpPr/>
+          <p:nvPr/>
+        </p:nvSpPr>
+        <p:spPr>
+          <a:xfrm rot="5400000">
+            <a:off x="-39687" y="157163"/>
+            <a:ext cx="581025" cy="501650"/>
+          </a:xfrm>
+          <a:prstGeom prst="triangle">
+            <a:avLst>
+              <a:gd name="adj" fmla="val 50000"/>
+            </a:avLst>
+          </a:prstGeom>
+          <a:solidFill>
+            <a:srgbClr val="282828"/>
+          </a:solidFill>
+          <a:ln w="9525">
+            <a:noFill/>
+          </a:ln>
+        </p:spPr>
+        <p:txBody>
+          <a:bodyPr vert="horz" wrap="square" anchor="ctr"/>
+          <a:lstStyle/>
+          <a:p>
+            <a:pPr algn="ctr"/>
+            <a:endParaRPr>
+              <a:solidFill>
+                <a:srgbClr val="FFFFFF"/>
+              </a:solidFill>
+              <a:latin typeface="微软雅黑" panose="020B0503020204020204" pitchFamily="2" charset="-122"/>
+              <a:ea typeface="微软雅黑" panose="020B0503020204020204" pitchFamily="2" charset="-122"/>
+              <a:sym typeface="微软雅黑" panose="020B0503020204020204" pitchFamily="2" charset="-122"/>
+            </a:endParaRPr>
+          </a:p>
+        </p:txBody>
+      </p:sp>
+      <p:pic>
+        <p:nvPicPr>
+          <p:cNvPr id="3" name="图片 2">
+            <a:extLst>
+              <a:ext uri="{FF2B5EF4-FFF2-40B4-BE49-F238E27FC236}">
+                <a16:creationId xmlns:a16="http://schemas.microsoft.com/office/drawing/2014/main" id="{34883B98-58DB-4E17-A733-940DD72F28AE}"/>
+              </a:ext>
+            </a:extLst>
+          </p:cNvPr>
+          <p:cNvPicPr>
+            <a:picLocks noChangeAspect="1"/>
+          </p:cNvPicPr>
+          <p:nvPr/>
+        </p:nvPicPr>
+        <p:blipFill>
+          <a:blip r:embed="rId2"/>
+          <a:stretch>
+            <a:fillRect/>
+          </a:stretch>
+        </p:blipFill>
+        <p:spPr>
+          <a:xfrm>
+            <a:off x="3779945" y="617006"/>
+            <a:ext cx="4612895" cy="3679734"/>
+          </a:xfrm>
+          <a:prstGeom prst="rect">
+            <a:avLst/>
+          </a:prstGeom>
+        </p:spPr>
+      </p:pic>
+    </p:spTree>
+    <p:extLst>
+      <p:ext uri="{BB962C8B-B14F-4D97-AF65-F5344CB8AC3E}">
+        <p14:creationId xmlns:p14="http://schemas.microsoft.com/office/powerpoint/2010/main" val="3341329412"/>
+      </p:ext>
+    </p:extLst>
+  </p:cSld>
+  <p:clrMapOvr>
+    <a:masterClrMapping/>
+  </p:clrMapOvr>
+  <p:transition spd="slow">
+    <p:push dir="u"/>
+  </p:transition>
+</p:sld>
+</file>
+
+<file path=ppt/slides/slide31.xml><?xml version="1.0" encoding="utf-8"?>
+<p:sld xmlns:a="http://schemas.openxmlformats.org/drawingml/2006/main" xmlns:r="http://schemas.openxmlformats.org/officeDocument/2006/relationships" xmlns:p="http://schemas.openxmlformats.org/presentationml/2006/main">
+  <p:cSld>
+    <p:spTree>
+      <p:nvGrpSpPr>
+        <p:cNvPr id="1" name=""/>
+        <p:cNvGrpSpPr/>
+        <p:nvPr/>
+      </p:nvGrpSpPr>
+      <p:grpSpPr>
+        <a:xfrm>
+          <a:off x="0" y="0"/>
+          <a:ext cx="0" cy="0"/>
+          <a:chOff x="0" y="0"/>
+          <a:chExt cx="0" cy="0"/>
+        </a:xfrm>
+      </p:grpSpPr>
+      <p:sp>
+        <p:nvSpPr>
+          <p:cNvPr id="12290" name="矩形 9"/>
+          <p:cNvSpPr/>
+          <p:nvPr/>
+        </p:nvSpPr>
+        <p:spPr>
+          <a:xfrm>
+            <a:off x="0" y="4562474"/>
+            <a:ext cx="9144000" cy="581026"/>
+          </a:xfrm>
+          <a:prstGeom prst="rect">
+            <a:avLst/>
+          </a:prstGeom>
+          <a:solidFill>
+            <a:srgbClr val="282828"/>
+          </a:solidFill>
+          <a:ln w="9525">
+            <a:noFill/>
+          </a:ln>
+        </p:spPr>
+        <p:txBody>
+          <a:bodyPr anchor="ctr"/>
+          <a:lstStyle/>
+          <a:p>
+            <a:pPr algn="ctr"/>
+            <a:endParaRPr>
+              <a:solidFill>
+                <a:srgbClr val="FFFFFF"/>
+              </a:solidFill>
+              <a:latin typeface="微软雅黑" panose="020B0503020204020204" pitchFamily="2" charset="-122"/>
+              <a:ea typeface="微软雅黑" panose="020B0503020204020204" pitchFamily="2" charset="-122"/>
+              <a:sym typeface="微软雅黑" panose="020B0503020204020204" pitchFamily="2" charset="-122"/>
+            </a:endParaRPr>
+          </a:p>
+        </p:txBody>
+      </p:sp>
+      <p:sp>
+        <p:nvSpPr>
+          <p:cNvPr id="12291" name="矩形 27"/>
+          <p:cNvSpPr/>
+          <p:nvPr/>
+        </p:nvSpPr>
+        <p:spPr>
+          <a:xfrm>
+            <a:off x="476250" y="177800"/>
+            <a:ext cx="2226892" cy="461665"/>
+          </a:xfrm>
+          <a:prstGeom prst="rect">
+            <a:avLst/>
+          </a:prstGeom>
+          <a:noFill/>
+          <a:ln w="9525">
+            <a:noFill/>
+          </a:ln>
+        </p:spPr>
+        <p:txBody>
+          <a:bodyPr wrap="none">
+            <a:spAutoFit/>
+          </a:bodyPr>
+          <a:lstStyle/>
+          <a:p>
+            <a:r>
+              <a:rPr lang="en-US" altLang="zh-CN" sz="2400" dirty="0">
+                <a:solidFill>
+                  <a:srgbClr val="FF8607"/>
+                </a:solidFill>
+                <a:latin typeface="Impact" panose="020B0806030902050204" pitchFamily="2" charset="0"/>
+                <a:ea typeface="微软雅黑" panose="020B0503020204020204" pitchFamily="2" charset="-122"/>
+                <a:sym typeface="Impact" panose="020B0806030902050204" pitchFamily="2" charset="0"/>
+              </a:rPr>
+              <a:t>Docker Machine</a:t>
+            </a:r>
+            <a:endParaRPr lang="zh-CN" altLang="en-US" dirty="0">
+              <a:ea typeface="宋体" panose="02010600030101010101" pitchFamily="2" charset="-122"/>
+            </a:endParaRPr>
+          </a:p>
+        </p:txBody>
+      </p:sp>
+      <p:sp>
+        <p:nvSpPr>
+          <p:cNvPr id="12292" name="等腰三角形 28"/>
+          <p:cNvSpPr/>
+          <p:nvPr/>
+        </p:nvSpPr>
+        <p:spPr>
+          <a:xfrm rot="5400000">
+            <a:off x="-39687" y="157163"/>
+            <a:ext cx="581025" cy="501650"/>
+          </a:xfrm>
+          <a:prstGeom prst="triangle">
+            <a:avLst>
+              <a:gd name="adj" fmla="val 50000"/>
+            </a:avLst>
+          </a:prstGeom>
+          <a:solidFill>
+            <a:srgbClr val="282828"/>
+          </a:solidFill>
+          <a:ln w="9525">
+            <a:noFill/>
+          </a:ln>
+        </p:spPr>
+        <p:txBody>
+          <a:bodyPr vert="horz" wrap="square" anchor="ctr"/>
+          <a:lstStyle/>
+          <a:p>
+            <a:pPr algn="ctr"/>
+            <a:endParaRPr>
+              <a:solidFill>
+                <a:srgbClr val="FFFFFF"/>
+              </a:solidFill>
+              <a:latin typeface="微软雅黑" panose="020B0503020204020204" pitchFamily="2" charset="-122"/>
+              <a:ea typeface="微软雅黑" panose="020B0503020204020204" pitchFamily="2" charset="-122"/>
+              <a:sym typeface="微软雅黑" panose="020B0503020204020204" pitchFamily="2" charset="-122"/>
+            </a:endParaRPr>
+          </a:p>
+        </p:txBody>
+      </p:sp>
+      <p:sp>
+        <p:nvSpPr>
+          <p:cNvPr id="2" name="文本框 1">
+            <a:extLst>
+              <a:ext uri="{FF2B5EF4-FFF2-40B4-BE49-F238E27FC236}">
+                <a16:creationId xmlns:a16="http://schemas.microsoft.com/office/drawing/2014/main" id="{16B512D6-5C02-4FFA-BD5E-8D82BFAB8AA1}"/>
+              </a:ext>
+            </a:extLst>
+          </p:cNvPr>
+          <p:cNvSpPr txBox="1"/>
+          <p:nvPr/>
+        </p:nvSpPr>
+        <p:spPr>
+          <a:xfrm>
+            <a:off x="476250" y="863590"/>
+            <a:ext cx="5247830" cy="1754326"/>
+          </a:xfrm>
+          <a:prstGeom prst="rect">
+            <a:avLst/>
+          </a:prstGeom>
+          <a:noFill/>
+        </p:spPr>
+        <p:txBody>
+          <a:bodyPr wrap="square" rtlCol="0">
+            <a:spAutoFit/>
+          </a:bodyPr>
+          <a:lstStyle/>
+          <a:p>
+            <a:pPr latinLnBrk="1"/>
+            <a:r>
+              <a:rPr lang="en-US" altLang="zh-CN" dirty="0"/>
+              <a:t>Docker Machine </a:t>
+            </a:r>
+            <a:r>
+              <a:rPr lang="zh-CN" altLang="en-US" dirty="0"/>
+              <a:t>是一种可以让您在虚拟主机上安装 </a:t>
+            </a:r>
+            <a:r>
+              <a:rPr lang="en-US" altLang="zh-CN" dirty="0"/>
+              <a:t>Docker </a:t>
+            </a:r>
+            <a:r>
+              <a:rPr lang="zh-CN" altLang="en-US" dirty="0"/>
+              <a:t>的工具，并可以使用 </a:t>
+            </a:r>
+            <a:r>
+              <a:rPr lang="en-US" altLang="zh-CN" dirty="0"/>
+              <a:t>docker-machine </a:t>
+            </a:r>
+            <a:r>
+              <a:rPr lang="zh-CN" altLang="en-US" dirty="0"/>
+              <a:t>命令来管理主机。</a:t>
+            </a:r>
+          </a:p>
+          <a:p>
+            <a:pPr latinLnBrk="1"/>
+            <a:r>
+              <a:rPr lang="en-US" altLang="zh-CN" dirty="0"/>
+              <a:t>Docker Machine </a:t>
+            </a:r>
+            <a:r>
+              <a:rPr lang="zh-CN" altLang="en-US" dirty="0"/>
+              <a:t>也可以集中管理所有的 </a:t>
+            </a:r>
+            <a:r>
+              <a:rPr lang="en-US" altLang="zh-CN" dirty="0"/>
+              <a:t>docker </a:t>
+            </a:r>
+            <a:r>
+              <a:rPr lang="zh-CN" altLang="en-US" dirty="0"/>
+              <a:t>主机，比如快速的给 </a:t>
+            </a:r>
+            <a:r>
+              <a:rPr lang="en-US" altLang="zh-CN" dirty="0"/>
+              <a:t>100 </a:t>
+            </a:r>
+            <a:r>
+              <a:rPr lang="zh-CN" altLang="en-US" dirty="0"/>
+              <a:t>台服务器安装上 </a:t>
+            </a:r>
+            <a:r>
+              <a:rPr lang="en-US" altLang="zh-CN" dirty="0"/>
+              <a:t>docker</a:t>
+            </a:r>
+            <a:r>
+              <a:rPr lang="zh-CN" altLang="en-US" dirty="0"/>
+              <a:t>。</a:t>
+            </a:r>
+          </a:p>
+          <a:p>
+            <a:endParaRPr lang="en-US" altLang="zh-CN" dirty="0"/>
+          </a:p>
+        </p:txBody>
+      </p:sp>
+      <p:pic>
+        <p:nvPicPr>
+          <p:cNvPr id="4098" name="Picture 2">
+            <a:extLst>
+              <a:ext uri="{FF2B5EF4-FFF2-40B4-BE49-F238E27FC236}">
+                <a16:creationId xmlns:a16="http://schemas.microsoft.com/office/drawing/2014/main" id="{4B0836BA-2530-4448-8B33-1625BB720928}"/>
+              </a:ext>
+            </a:extLst>
+          </p:cNvPr>
+          <p:cNvPicPr>
+            <a:picLocks noChangeAspect="1" noChangeArrowheads="1"/>
+          </p:cNvPicPr>
+          <p:nvPr/>
+        </p:nvPicPr>
+        <p:blipFill>
+          <a:blip r:embed="rId2">
+            <a:extLst>
+              <a:ext uri="{28A0092B-C50C-407E-A947-70E740481C1C}">
+                <a14:useLocalDpi xmlns:a14="http://schemas.microsoft.com/office/drawing/2010/main" val="0"/>
+              </a:ext>
+            </a:extLst>
+          </a:blip>
+          <a:srcRect/>
+          <a:stretch>
+            <a:fillRect/>
+          </a:stretch>
+        </p:blipFill>
+        <p:spPr bwMode="auto">
+          <a:xfrm>
+            <a:off x="5825298" y="889602"/>
+            <a:ext cx="2857500" cy="3429000"/>
+          </a:xfrm>
+          <a:prstGeom prst="rect">
+            <a:avLst/>
+          </a:prstGeom>
+          <a:noFill/>
+          <a:extLst>
+            <a:ext uri="{909E8E84-426E-40DD-AFC4-6F175D3DCCD1}">
+              <a14:hiddenFill xmlns:a14="http://schemas.microsoft.com/office/drawing/2010/main">
+                <a:solidFill>
+                  <a:srgbClr val="FFFFFF"/>
+                </a:solidFill>
+              </a14:hiddenFill>
+            </a:ext>
+          </a:extLst>
+        </p:spPr>
+      </p:pic>
+    </p:spTree>
+    <p:extLst>
+      <p:ext uri="{BB962C8B-B14F-4D97-AF65-F5344CB8AC3E}">
+        <p14:creationId xmlns:p14="http://schemas.microsoft.com/office/powerpoint/2010/main" val="607502451"/>
+      </p:ext>
+    </p:extLst>
+  </p:cSld>
+  <p:clrMapOvr>
+    <a:masterClrMapping/>
+  </p:clrMapOvr>
+  <p:transition spd="slow">
+    <p:push dir="u"/>
+  </p:transition>
+</p:sld>
+</file>
+
+<file path=ppt/slides/slide32.xml><?xml version="1.0" encoding="utf-8"?>
+<p:sld xmlns:a="http://schemas.openxmlformats.org/drawingml/2006/main" xmlns:r="http://schemas.openxmlformats.org/officeDocument/2006/relationships" xmlns:p="http://schemas.openxmlformats.org/presentationml/2006/main">
+  <p:cSld>
+    <p:spTree>
+      <p:nvGrpSpPr>
+        <p:cNvPr id="1" name=""/>
+        <p:cNvGrpSpPr/>
+        <p:nvPr/>
+      </p:nvGrpSpPr>
+      <p:grpSpPr>
+        <a:xfrm>
+          <a:off x="0" y="0"/>
+          <a:ext cx="0" cy="0"/>
+          <a:chOff x="0" y="0"/>
+          <a:chExt cx="0" cy="0"/>
+        </a:xfrm>
+      </p:grpSpPr>
+      <p:sp>
+        <p:nvSpPr>
+          <p:cNvPr id="12290" name="矩形 9"/>
+          <p:cNvSpPr/>
+          <p:nvPr/>
+        </p:nvSpPr>
+        <p:spPr>
+          <a:xfrm>
+            <a:off x="0" y="4562474"/>
+            <a:ext cx="9144000" cy="581026"/>
+          </a:xfrm>
+          <a:prstGeom prst="rect">
+            <a:avLst/>
+          </a:prstGeom>
+          <a:solidFill>
+            <a:srgbClr val="282828"/>
+          </a:solidFill>
+          <a:ln w="9525">
+            <a:noFill/>
+          </a:ln>
+        </p:spPr>
+        <p:txBody>
+          <a:bodyPr anchor="ctr"/>
+          <a:lstStyle/>
+          <a:p>
+            <a:pPr algn="ctr"/>
+            <a:endParaRPr>
+              <a:solidFill>
+                <a:srgbClr val="FFFFFF"/>
+              </a:solidFill>
+              <a:latin typeface="微软雅黑" panose="020B0503020204020204" pitchFamily="2" charset="-122"/>
+              <a:ea typeface="微软雅黑" panose="020B0503020204020204" pitchFamily="2" charset="-122"/>
+              <a:sym typeface="微软雅黑" panose="020B0503020204020204" pitchFamily="2" charset="-122"/>
+            </a:endParaRPr>
+          </a:p>
+        </p:txBody>
+      </p:sp>
+      <p:sp>
+        <p:nvSpPr>
+          <p:cNvPr id="12291" name="矩形 27"/>
+          <p:cNvSpPr/>
+          <p:nvPr/>
+        </p:nvSpPr>
+        <p:spPr>
+          <a:xfrm>
+            <a:off x="476250" y="177800"/>
             <a:ext cx="1053494" cy="461665"/>
           </a:xfrm>
           <a:prstGeom prst="rect">
@@ -9859,12 +13555,72 @@
           <a:lstStyle/>
           <a:p>
             <a:r>
-              <a:rPr lang="en-US" altLang="zh-CN" dirty="0"/>
-              <a:t>1</a:t>
-            </a:r>
-          </a:p>
-        </p:txBody>
-      </p:sp>
+              <a:rPr lang="sv-SE" altLang="zh-CN" dirty="0"/>
+              <a:t>Docker Swarm </a:t>
+            </a:r>
+            <a:r>
+              <a:rPr lang="zh-CN" altLang="sv-SE" dirty="0"/>
+              <a:t>是 </a:t>
+            </a:r>
+            <a:r>
+              <a:rPr lang="sv-SE" altLang="zh-CN" dirty="0"/>
+              <a:t>Docker </a:t>
+            </a:r>
+            <a:r>
+              <a:rPr lang="zh-CN" altLang="sv-SE" dirty="0"/>
+              <a:t>的集群管理工具。</a:t>
+            </a:r>
+            <a:endParaRPr lang="en-US" altLang="zh-CN" dirty="0"/>
+          </a:p>
+        </p:txBody>
+      </p:sp>
+      <p:pic>
+        <p:nvPicPr>
+          <p:cNvPr id="5122" name="Picture 2">
+            <a:extLst>
+              <a:ext uri="{FF2B5EF4-FFF2-40B4-BE49-F238E27FC236}">
+                <a16:creationId xmlns:a16="http://schemas.microsoft.com/office/drawing/2014/main" id="{0A46E611-5069-46FD-8EC9-9553BEB405F0}"/>
+              </a:ext>
+            </a:extLst>
+          </p:cNvPr>
+          <p:cNvPicPr>
+            <a:picLocks noChangeAspect="1" noChangeArrowheads="1"/>
+          </p:cNvPicPr>
+          <p:nvPr/>
+        </p:nvPicPr>
+        <p:blipFill>
+          <a:blip r:embed="rId2">
+            <a:extLst>
+              <a:ext uri="{28A0092B-C50C-407E-A947-70E740481C1C}">
+                <a14:useLocalDpi xmlns:a14="http://schemas.microsoft.com/office/drawing/2010/main" val="0"/>
+              </a:ext>
+            </a:extLst>
+          </a:blip>
+          <a:srcRect/>
+          <a:stretch>
+            <a:fillRect/>
+          </a:stretch>
+        </p:blipFill>
+        <p:spPr bwMode="auto">
+          <a:xfrm>
+            <a:off x="6084105" y="1457047"/>
+            <a:ext cx="1877219" cy="2571750"/>
+          </a:xfrm>
+          <a:prstGeom prst="rect">
+            <a:avLst/>
+          </a:prstGeom>
+          <a:noFill/>
+          <a:extLst>
+            <a:ext uri="{909E8E84-426E-40DD-AFC4-6F175D3DCCD1}">
+              <a14:hiddenFill xmlns:a14="http://schemas.microsoft.com/office/drawing/2010/main">
+                <a:solidFill>
+                  <a:srgbClr val="FFFFFF"/>
+                </a:solidFill>
+              </a14:hiddenFill>
+            </a:ext>
+          </a:extLst>
+        </p:spPr>
+      </p:pic>
     </p:spTree>
     <p:extLst>
       <p:ext uri="{BB962C8B-B14F-4D97-AF65-F5344CB8AC3E}">
@@ -9881,7 +13637,585 @@
 </p:sld>
 </file>
 
-<file path=ppt/slides/slide27.xml><?xml version="1.0" encoding="utf-8"?>
+<file path=ppt/slides/slide33.xml><?xml version="1.0" encoding="utf-8"?>
+<p:sld xmlns:a="http://schemas.openxmlformats.org/drawingml/2006/main" xmlns:r="http://schemas.openxmlformats.org/officeDocument/2006/relationships" xmlns:p="http://schemas.openxmlformats.org/presentationml/2006/main">
+  <p:cSld>
+    <p:spTree>
+      <p:nvGrpSpPr>
+        <p:cNvPr id="1" name=""/>
+        <p:cNvGrpSpPr/>
+        <p:nvPr/>
+      </p:nvGrpSpPr>
+      <p:grpSpPr>
+        <a:xfrm>
+          <a:off x="0" y="0"/>
+          <a:ext cx="0" cy="0"/>
+          <a:chOff x="0" y="0"/>
+          <a:chExt cx="0" cy="0"/>
+        </a:xfrm>
+      </p:grpSpPr>
+      <p:sp>
+        <p:nvSpPr>
+          <p:cNvPr id="12290" name="矩形 9"/>
+          <p:cNvSpPr/>
+          <p:nvPr/>
+        </p:nvSpPr>
+        <p:spPr>
+          <a:xfrm>
+            <a:off x="0" y="4562474"/>
+            <a:ext cx="9144000" cy="581026"/>
+          </a:xfrm>
+          <a:prstGeom prst="rect">
+            <a:avLst/>
+          </a:prstGeom>
+          <a:solidFill>
+            <a:srgbClr val="282828"/>
+          </a:solidFill>
+          <a:ln w="9525">
+            <a:noFill/>
+          </a:ln>
+        </p:spPr>
+        <p:txBody>
+          <a:bodyPr anchor="ctr"/>
+          <a:lstStyle/>
+          <a:p>
+            <a:pPr algn="ctr"/>
+            <a:endParaRPr>
+              <a:solidFill>
+                <a:srgbClr val="FFFFFF"/>
+              </a:solidFill>
+              <a:latin typeface="微软雅黑" panose="020B0503020204020204" pitchFamily="2" charset="-122"/>
+              <a:ea typeface="微软雅黑" panose="020B0503020204020204" pitchFamily="2" charset="-122"/>
+              <a:sym typeface="微软雅黑" panose="020B0503020204020204" pitchFamily="2" charset="-122"/>
+            </a:endParaRPr>
+          </a:p>
+        </p:txBody>
+      </p:sp>
+      <p:sp>
+        <p:nvSpPr>
+          <p:cNvPr id="12291" name="矩形 27"/>
+          <p:cNvSpPr/>
+          <p:nvPr/>
+        </p:nvSpPr>
+        <p:spPr>
+          <a:xfrm>
+            <a:off x="476250" y="177800"/>
+            <a:ext cx="1651414" cy="461665"/>
+          </a:xfrm>
+          <a:prstGeom prst="rect">
+            <a:avLst/>
+          </a:prstGeom>
+          <a:noFill/>
+          <a:ln w="9525">
+            <a:noFill/>
+          </a:ln>
+        </p:spPr>
+        <p:txBody>
+          <a:bodyPr wrap="none">
+            <a:spAutoFit/>
+          </a:bodyPr>
+          <a:lstStyle/>
+          <a:p>
+            <a:r>
+              <a:rPr lang="en-US" altLang="zh-CN" sz="2400" dirty="0">
+                <a:solidFill>
+                  <a:srgbClr val="FF8607"/>
+                </a:solidFill>
+                <a:latin typeface="Impact" panose="020B0806030902050204" pitchFamily="2" charset="0"/>
+                <a:ea typeface="微软雅黑" panose="020B0503020204020204" pitchFamily="2" charset="-122"/>
+                <a:sym typeface="Impact" panose="020B0806030902050204" pitchFamily="2" charset="0"/>
+              </a:rPr>
+              <a:t>Kubernetes</a:t>
+            </a:r>
+            <a:endParaRPr lang="zh-CN" altLang="en-US" dirty="0">
+              <a:ea typeface="宋体" panose="02010600030101010101" pitchFamily="2" charset="-122"/>
+            </a:endParaRPr>
+          </a:p>
+        </p:txBody>
+      </p:sp>
+      <p:sp>
+        <p:nvSpPr>
+          <p:cNvPr id="12292" name="等腰三角形 28"/>
+          <p:cNvSpPr/>
+          <p:nvPr/>
+        </p:nvSpPr>
+        <p:spPr>
+          <a:xfrm rot="5400000">
+            <a:off x="-39687" y="157163"/>
+            <a:ext cx="581025" cy="501650"/>
+          </a:xfrm>
+          <a:prstGeom prst="triangle">
+            <a:avLst>
+              <a:gd name="adj" fmla="val 50000"/>
+            </a:avLst>
+          </a:prstGeom>
+          <a:solidFill>
+            <a:srgbClr val="282828"/>
+          </a:solidFill>
+          <a:ln w="9525">
+            <a:noFill/>
+          </a:ln>
+        </p:spPr>
+        <p:txBody>
+          <a:bodyPr vert="horz" wrap="square" anchor="ctr"/>
+          <a:lstStyle/>
+          <a:p>
+            <a:pPr algn="ctr"/>
+            <a:endParaRPr>
+              <a:solidFill>
+                <a:srgbClr val="FFFFFF"/>
+              </a:solidFill>
+              <a:latin typeface="微软雅黑" panose="020B0503020204020204" pitchFamily="2" charset="-122"/>
+              <a:ea typeface="微软雅黑" panose="020B0503020204020204" pitchFamily="2" charset="-122"/>
+              <a:sym typeface="微软雅黑" panose="020B0503020204020204" pitchFamily="2" charset="-122"/>
+            </a:endParaRPr>
+          </a:p>
+        </p:txBody>
+      </p:sp>
+      <p:sp>
+        <p:nvSpPr>
+          <p:cNvPr id="2" name="文本框 1">
+            <a:extLst>
+              <a:ext uri="{FF2B5EF4-FFF2-40B4-BE49-F238E27FC236}">
+                <a16:creationId xmlns:a16="http://schemas.microsoft.com/office/drawing/2014/main" id="{16B512D6-5C02-4FFA-BD5E-8D82BFAB8AA1}"/>
+              </a:ext>
+            </a:extLst>
+          </p:cNvPr>
+          <p:cNvSpPr txBox="1"/>
+          <p:nvPr/>
+        </p:nvSpPr>
+        <p:spPr>
+          <a:xfrm>
+            <a:off x="476250" y="863590"/>
+            <a:ext cx="8099120" cy="369332"/>
+          </a:xfrm>
+          <a:prstGeom prst="rect">
+            <a:avLst/>
+          </a:prstGeom>
+          <a:noFill/>
+        </p:spPr>
+        <p:txBody>
+          <a:bodyPr wrap="square" rtlCol="0">
+            <a:spAutoFit/>
+          </a:bodyPr>
+          <a:lstStyle/>
+          <a:p>
+            <a:r>
+              <a:rPr lang="en-US" altLang="zh-CN" b="1" dirty="0"/>
+              <a:t>K8S</a:t>
+            </a:r>
+            <a:r>
+              <a:rPr lang="zh-CN" altLang="en-US" b="1" dirty="0"/>
+              <a:t>，就是基于容器的集群管理平台</a:t>
+            </a:r>
+            <a:endParaRPr lang="en-US" altLang="zh-CN" dirty="0"/>
+          </a:p>
+        </p:txBody>
+      </p:sp>
+      <p:pic>
+        <p:nvPicPr>
+          <p:cNvPr id="9218" name="Picture 2">
+            <a:extLst>
+              <a:ext uri="{FF2B5EF4-FFF2-40B4-BE49-F238E27FC236}">
+                <a16:creationId xmlns:a16="http://schemas.microsoft.com/office/drawing/2014/main" id="{F796320A-D4A4-46D5-B3A8-FB2ECF050F03}"/>
+              </a:ext>
+            </a:extLst>
+          </p:cNvPr>
+          <p:cNvPicPr>
+            <a:picLocks noChangeAspect="1" noChangeArrowheads="1"/>
+          </p:cNvPicPr>
+          <p:nvPr/>
+        </p:nvPicPr>
+        <p:blipFill>
+          <a:blip r:embed="rId2">
+            <a:extLst>
+              <a:ext uri="{28A0092B-C50C-407E-A947-70E740481C1C}">
+                <a14:useLocalDpi xmlns:a14="http://schemas.microsoft.com/office/drawing/2010/main" val="0"/>
+              </a:ext>
+            </a:extLst>
+          </a:blip>
+          <a:srcRect/>
+          <a:stretch>
+            <a:fillRect/>
+          </a:stretch>
+        </p:blipFill>
+        <p:spPr bwMode="auto">
+          <a:xfrm>
+            <a:off x="5004030" y="1923705"/>
+            <a:ext cx="3476625" cy="2162175"/>
+          </a:xfrm>
+          <a:prstGeom prst="rect">
+            <a:avLst/>
+          </a:prstGeom>
+          <a:noFill/>
+          <a:extLst>
+            <a:ext uri="{909E8E84-426E-40DD-AFC4-6F175D3DCCD1}">
+              <a14:hiddenFill xmlns:a14="http://schemas.microsoft.com/office/drawing/2010/main">
+                <a:solidFill>
+                  <a:srgbClr val="FFFFFF"/>
+                </a:solidFill>
+              </a14:hiddenFill>
+            </a:ext>
+          </a:extLst>
+        </p:spPr>
+      </p:pic>
+    </p:spTree>
+    <p:extLst>
+      <p:ext uri="{BB962C8B-B14F-4D97-AF65-F5344CB8AC3E}">
+        <p14:creationId xmlns:p14="http://schemas.microsoft.com/office/powerpoint/2010/main" val="1034742958"/>
+      </p:ext>
+    </p:extLst>
+  </p:cSld>
+  <p:clrMapOvr>
+    <a:masterClrMapping/>
+  </p:clrMapOvr>
+  <p:transition spd="slow">
+    <p:push dir="u"/>
+  </p:transition>
+</p:sld>
+</file>
+
+<file path=ppt/slides/slide34.xml><?xml version="1.0" encoding="utf-8"?>
+<p:sld xmlns:a="http://schemas.openxmlformats.org/drawingml/2006/main" xmlns:r="http://schemas.openxmlformats.org/officeDocument/2006/relationships" xmlns:p="http://schemas.openxmlformats.org/presentationml/2006/main">
+  <p:cSld>
+    <p:spTree>
+      <p:nvGrpSpPr>
+        <p:cNvPr id="1" name=""/>
+        <p:cNvGrpSpPr/>
+        <p:nvPr/>
+      </p:nvGrpSpPr>
+      <p:grpSpPr>
+        <a:xfrm>
+          <a:off x="0" y="0"/>
+          <a:ext cx="0" cy="0"/>
+          <a:chOff x="0" y="0"/>
+          <a:chExt cx="0" cy="0"/>
+        </a:xfrm>
+      </p:grpSpPr>
+      <p:sp>
+        <p:nvSpPr>
+          <p:cNvPr id="12290" name="矩形 9"/>
+          <p:cNvSpPr/>
+          <p:nvPr/>
+        </p:nvSpPr>
+        <p:spPr>
+          <a:xfrm>
+            <a:off x="0" y="4562474"/>
+            <a:ext cx="9144000" cy="581026"/>
+          </a:xfrm>
+          <a:prstGeom prst="rect">
+            <a:avLst/>
+          </a:prstGeom>
+          <a:solidFill>
+            <a:srgbClr val="282828"/>
+          </a:solidFill>
+          <a:ln w="9525">
+            <a:noFill/>
+          </a:ln>
+        </p:spPr>
+        <p:txBody>
+          <a:bodyPr anchor="ctr"/>
+          <a:lstStyle/>
+          <a:p>
+            <a:pPr algn="ctr"/>
+            <a:endParaRPr>
+              <a:solidFill>
+                <a:srgbClr val="FFFFFF"/>
+              </a:solidFill>
+              <a:latin typeface="微软雅黑" panose="020B0503020204020204" pitchFamily="2" charset="-122"/>
+              <a:ea typeface="微软雅黑" panose="020B0503020204020204" pitchFamily="2" charset="-122"/>
+              <a:sym typeface="微软雅黑" panose="020B0503020204020204" pitchFamily="2" charset="-122"/>
+            </a:endParaRPr>
+          </a:p>
+        </p:txBody>
+      </p:sp>
+      <p:sp>
+        <p:nvSpPr>
+          <p:cNvPr id="12291" name="矩形 27"/>
+          <p:cNvSpPr/>
+          <p:nvPr/>
+        </p:nvSpPr>
+        <p:spPr>
+          <a:xfrm>
+            <a:off x="476250" y="177800"/>
+            <a:ext cx="1651414" cy="461665"/>
+          </a:xfrm>
+          <a:prstGeom prst="rect">
+            <a:avLst/>
+          </a:prstGeom>
+          <a:noFill/>
+          <a:ln w="9525">
+            <a:noFill/>
+          </a:ln>
+        </p:spPr>
+        <p:txBody>
+          <a:bodyPr wrap="none">
+            <a:spAutoFit/>
+          </a:bodyPr>
+          <a:lstStyle/>
+          <a:p>
+            <a:r>
+              <a:rPr lang="en-US" altLang="zh-CN" sz="2400" dirty="0">
+                <a:solidFill>
+                  <a:srgbClr val="FF8607"/>
+                </a:solidFill>
+                <a:latin typeface="Impact" panose="020B0806030902050204" pitchFamily="2" charset="0"/>
+                <a:ea typeface="微软雅黑" panose="020B0503020204020204" pitchFamily="2" charset="-122"/>
+                <a:sym typeface="Impact" panose="020B0806030902050204" pitchFamily="2" charset="0"/>
+              </a:rPr>
+              <a:t>Kubernetes</a:t>
+            </a:r>
+            <a:endParaRPr lang="zh-CN" altLang="en-US" dirty="0">
+              <a:ea typeface="宋体" panose="02010600030101010101" pitchFamily="2" charset="-122"/>
+            </a:endParaRPr>
+          </a:p>
+        </p:txBody>
+      </p:sp>
+      <p:sp>
+        <p:nvSpPr>
+          <p:cNvPr id="12292" name="等腰三角形 28"/>
+          <p:cNvSpPr/>
+          <p:nvPr/>
+        </p:nvSpPr>
+        <p:spPr>
+          <a:xfrm rot="5400000">
+            <a:off x="-39687" y="157163"/>
+            <a:ext cx="581025" cy="501650"/>
+          </a:xfrm>
+          <a:prstGeom prst="triangle">
+            <a:avLst>
+              <a:gd name="adj" fmla="val 50000"/>
+            </a:avLst>
+          </a:prstGeom>
+          <a:solidFill>
+            <a:srgbClr val="282828"/>
+          </a:solidFill>
+          <a:ln w="9525">
+            <a:noFill/>
+          </a:ln>
+        </p:spPr>
+        <p:txBody>
+          <a:bodyPr vert="horz" wrap="square" anchor="ctr"/>
+          <a:lstStyle/>
+          <a:p>
+            <a:pPr algn="ctr"/>
+            <a:endParaRPr>
+              <a:solidFill>
+                <a:srgbClr val="FFFFFF"/>
+              </a:solidFill>
+              <a:latin typeface="微软雅黑" panose="020B0503020204020204" pitchFamily="2" charset="-122"/>
+              <a:ea typeface="微软雅黑" panose="020B0503020204020204" pitchFamily="2" charset="-122"/>
+              <a:sym typeface="微软雅黑" panose="020B0503020204020204" pitchFamily="2" charset="-122"/>
+            </a:endParaRPr>
+          </a:p>
+        </p:txBody>
+      </p:sp>
+      <p:sp>
+        <p:nvSpPr>
+          <p:cNvPr id="2" name="文本框 1">
+            <a:extLst>
+              <a:ext uri="{FF2B5EF4-FFF2-40B4-BE49-F238E27FC236}">
+                <a16:creationId xmlns:a16="http://schemas.microsoft.com/office/drawing/2014/main" id="{16B512D6-5C02-4FFA-BD5E-8D82BFAB8AA1}"/>
+              </a:ext>
+            </a:extLst>
+          </p:cNvPr>
+          <p:cNvSpPr txBox="1"/>
+          <p:nvPr/>
+        </p:nvSpPr>
+        <p:spPr>
+          <a:xfrm>
+            <a:off x="476250" y="863590"/>
+            <a:ext cx="8099120" cy="2308324"/>
+          </a:xfrm>
+          <a:prstGeom prst="rect">
+            <a:avLst/>
+          </a:prstGeom>
+          <a:noFill/>
+        </p:spPr>
+        <p:txBody>
+          <a:bodyPr wrap="square" rtlCol="0">
+            <a:spAutoFit/>
+          </a:bodyPr>
+          <a:lstStyle/>
+          <a:p>
+            <a:r>
+              <a:rPr lang="zh-CN" altLang="en-US" b="1" dirty="0"/>
+              <a:t>阿里云服务器</a:t>
+            </a:r>
+            <a:r>
+              <a:rPr lang="en-US" altLang="zh-CN" b="1" dirty="0"/>
+              <a:t>—</a:t>
+            </a:r>
+            <a:r>
+              <a:rPr lang="zh-CN" altLang="en-US" b="1" dirty="0"/>
+              <a:t>建议大家都配一个来学习</a:t>
+            </a:r>
+            <a:r>
+              <a:rPr lang="en-US" altLang="zh-CN" b="1" dirty="0"/>
+              <a:t>---</a:t>
+            </a:r>
+            <a:r>
+              <a:rPr lang="en-US" altLang="zh-CN" b="1" dirty="0" err="1"/>
+              <a:t>ip:port</a:t>
+            </a:r>
+            <a:r>
+              <a:rPr lang="en-US" altLang="zh-CN" b="1" dirty="0"/>
+              <a:t>—docker—</a:t>
+            </a:r>
+            <a:r>
+              <a:rPr lang="zh-CN" altLang="en-US" b="1" dirty="0"/>
+              <a:t>分布式</a:t>
+            </a:r>
+            <a:r>
+              <a:rPr lang="en-US" altLang="zh-CN" b="1" dirty="0"/>
+              <a:t>—docker</a:t>
+            </a:r>
+            <a:r>
+              <a:rPr lang="zh-CN" altLang="en-US" b="1" dirty="0"/>
+              <a:t>的网络很烦</a:t>
+            </a:r>
+            <a:r>
+              <a:rPr lang="en-US" altLang="zh-CN" b="1" dirty="0"/>
+              <a:t>---</a:t>
+            </a:r>
+            <a:r>
+              <a:rPr lang="zh-CN" altLang="en-US" b="1" dirty="0"/>
+              <a:t>学习用</a:t>
+            </a:r>
+            <a:r>
+              <a:rPr lang="en-US" altLang="zh-CN" b="1" dirty="0"/>
+              <a:t>1</a:t>
+            </a:r>
+            <a:r>
+              <a:rPr lang="zh-CN" altLang="en-US" b="1" dirty="0"/>
+              <a:t>核</a:t>
+            </a:r>
+            <a:r>
+              <a:rPr lang="en-US" altLang="zh-CN" b="1" dirty="0"/>
+              <a:t>2G1M  1</a:t>
+            </a:r>
+            <a:r>
+              <a:rPr lang="zh-CN" altLang="en-US" b="1" dirty="0"/>
+              <a:t>年</a:t>
+            </a:r>
+            <a:r>
+              <a:rPr lang="en-US" altLang="zh-CN" b="1" dirty="0"/>
+              <a:t>100</a:t>
+            </a:r>
+            <a:r>
+              <a:rPr lang="zh-CN" altLang="en-US" b="1" dirty="0"/>
+              <a:t>左右  </a:t>
+            </a:r>
+            <a:r>
+              <a:rPr lang="en-US" altLang="zh-CN" b="1" dirty="0"/>
+              <a:t>3</a:t>
+            </a:r>
+            <a:r>
+              <a:rPr lang="zh-CN" altLang="en-US" b="1" dirty="0"/>
+              <a:t>年也就几百</a:t>
+            </a:r>
+            <a:r>
+              <a:rPr lang="en-US" altLang="zh-CN" b="1" dirty="0"/>
+              <a:t>—</a:t>
+            </a:r>
+            <a:r>
+              <a:rPr lang="zh-CN" altLang="en-US" b="1" dirty="0"/>
+              <a:t>加配置很贵</a:t>
+            </a:r>
+            <a:r>
+              <a:rPr lang="en-US" altLang="zh-CN" b="1" dirty="0"/>
+              <a:t>—</a:t>
+            </a:r>
+            <a:r>
+              <a:rPr lang="zh-CN" altLang="en-US" b="1"/>
+              <a:t>续费也贵</a:t>
+            </a:r>
+            <a:endParaRPr lang="en-US" altLang="zh-CN" b="1" dirty="0"/>
+          </a:p>
+          <a:p>
+            <a:endParaRPr lang="en-US" altLang="zh-CN" b="1" dirty="0"/>
+          </a:p>
+          <a:p>
+            <a:r>
+              <a:rPr lang="zh-CN" altLang="en-US" dirty="0"/>
+              <a:t>准备和老季合作下</a:t>
+            </a:r>
+            <a:r>
+              <a:rPr lang="en-US" altLang="zh-CN" dirty="0"/>
+              <a:t>—</a:t>
+            </a:r>
+            <a:r>
+              <a:rPr lang="zh-CN" altLang="en-US" dirty="0"/>
+              <a:t>他提供服务</a:t>
+            </a:r>
+            <a:r>
+              <a:rPr lang="en-US" altLang="zh-CN" dirty="0"/>
+              <a:t>—</a:t>
+            </a:r>
+            <a:r>
+              <a:rPr lang="zh-CN" altLang="en-US" dirty="0"/>
+              <a:t>还有返利</a:t>
+            </a:r>
+            <a:r>
+              <a:rPr lang="en-US" altLang="zh-CN" dirty="0"/>
+              <a:t>—</a:t>
+            </a:r>
+            <a:r>
+              <a:rPr lang="zh-CN" altLang="en-US" dirty="0"/>
+              <a:t>你会选择一个吗</a:t>
+            </a:r>
+            <a:endParaRPr lang="en-US" altLang="zh-CN" dirty="0"/>
+          </a:p>
+          <a:p>
+            <a:endParaRPr lang="en-US" altLang="zh-CN" dirty="0"/>
+          </a:p>
+          <a:p>
+            <a:r>
+              <a:rPr lang="zh-CN" altLang="en-US" dirty="0"/>
+              <a:t>高级班是架构班非常优秀的补充</a:t>
+            </a:r>
+            <a:r>
+              <a:rPr lang="en-US" altLang="zh-CN" dirty="0"/>
+              <a:t>---4299</a:t>
+            </a:r>
+            <a:r>
+              <a:rPr lang="zh-CN" altLang="en-US" dirty="0"/>
+              <a:t>直接五折的</a:t>
+            </a:r>
+            <a:r>
+              <a:rPr lang="en-US" altLang="zh-CN" dirty="0"/>
+              <a:t>==2150 </a:t>
+            </a:r>
+          </a:p>
+          <a:p>
+            <a:r>
+              <a:rPr lang="zh-CN" altLang="en-US" dirty="0"/>
+              <a:t>开课以后不搞五折</a:t>
+            </a:r>
+            <a:r>
+              <a:rPr lang="en-US" altLang="zh-CN" dirty="0"/>
+              <a:t>---</a:t>
+            </a:r>
+          </a:p>
+        </p:txBody>
+      </p:sp>
+    </p:spTree>
+    <p:extLst>
+      <p:ext uri="{BB962C8B-B14F-4D97-AF65-F5344CB8AC3E}">
+        <p14:creationId xmlns:p14="http://schemas.microsoft.com/office/powerpoint/2010/main" val="2953628299"/>
+      </p:ext>
+    </p:extLst>
+  </p:cSld>
+  <p:clrMapOvr>
+    <a:masterClrMapping/>
+  </p:clrMapOvr>
+  <p:transition spd="slow">
+    <p:push dir="u"/>
+  </p:transition>
+</p:sld>
+</file>
+
+<file path=ppt/slides/slide35.xml><?xml version="1.0" encoding="utf-8"?>
 <p:sld xmlns:a="http://schemas.openxmlformats.org/drawingml/2006/main" xmlns:r="http://schemas.openxmlformats.org/officeDocument/2006/relationships" xmlns:p="http://schemas.openxmlformats.org/presentationml/2006/main">
   <p:cSld>
     <p:spTree>
@@ -10425,331 +14759,6 @@
 </p:sld>
 </file>
 
-<file path=ppt/slides/slide3.xml><?xml version="1.0" encoding="utf-8"?>
-<p:sld xmlns:a="http://schemas.openxmlformats.org/drawingml/2006/main" xmlns:r="http://schemas.openxmlformats.org/officeDocument/2006/relationships" xmlns:p="http://schemas.openxmlformats.org/presentationml/2006/main">
-  <p:cSld>
-    <p:spTree>
-      <p:nvGrpSpPr>
-        <p:cNvPr id="1" name=""/>
-        <p:cNvGrpSpPr/>
-        <p:nvPr/>
-      </p:nvGrpSpPr>
-      <p:grpSpPr>
-        <a:xfrm>
-          <a:off x="0" y="0"/>
-          <a:ext cx="0" cy="0"/>
-          <a:chOff x="0" y="0"/>
-          <a:chExt cx="0" cy="0"/>
-        </a:xfrm>
-      </p:grpSpPr>
-      <p:sp>
-        <p:nvSpPr>
-          <p:cNvPr id="12290" name="矩形 9"/>
-          <p:cNvSpPr/>
-          <p:nvPr/>
-        </p:nvSpPr>
-        <p:spPr>
-          <a:xfrm>
-            <a:off x="0" y="4562474"/>
-            <a:ext cx="9144000" cy="581026"/>
-          </a:xfrm>
-          <a:prstGeom prst="rect">
-            <a:avLst/>
-          </a:prstGeom>
-          <a:solidFill>
-            <a:srgbClr val="282828"/>
-          </a:solidFill>
-          <a:ln w="9525">
-            <a:noFill/>
-          </a:ln>
-        </p:spPr>
-        <p:txBody>
-          <a:bodyPr anchor="ctr"/>
-          <a:lstStyle/>
-          <a:p>
-            <a:pPr algn="ctr"/>
-            <a:endParaRPr>
-              <a:solidFill>
-                <a:srgbClr val="FFFFFF"/>
-              </a:solidFill>
-              <a:latin typeface="微软雅黑" panose="020B0503020204020204" pitchFamily="2" charset="-122"/>
-              <a:ea typeface="微软雅黑" panose="020B0503020204020204" pitchFamily="2" charset="-122"/>
-              <a:sym typeface="微软雅黑" panose="020B0503020204020204" pitchFamily="2" charset="-122"/>
-            </a:endParaRPr>
-          </a:p>
-        </p:txBody>
-      </p:sp>
-      <p:sp>
-        <p:nvSpPr>
-          <p:cNvPr id="12291" name="矩形 27"/>
-          <p:cNvSpPr/>
-          <p:nvPr/>
-        </p:nvSpPr>
-        <p:spPr>
-          <a:xfrm>
-            <a:off x="476250" y="177800"/>
-            <a:ext cx="2521844" cy="461665"/>
-          </a:xfrm>
-          <a:prstGeom prst="rect">
-            <a:avLst/>
-          </a:prstGeom>
-          <a:noFill/>
-          <a:ln w="9525">
-            <a:noFill/>
-          </a:ln>
-        </p:spPr>
-        <p:txBody>
-          <a:bodyPr wrap="none">
-            <a:spAutoFit/>
-          </a:bodyPr>
-          <a:lstStyle/>
-          <a:p>
-            <a:r>
-              <a:rPr lang="zh-CN" altLang="en-US" sz="2400" dirty="0">
-                <a:solidFill>
-                  <a:srgbClr val="FF8607"/>
-                </a:solidFill>
-                <a:latin typeface="Impact" panose="020B0806030902050204" pitchFamily="2" charset="0"/>
-                <a:ea typeface="微软雅黑" panose="020B0503020204020204" pitchFamily="2" charset="-122"/>
-                <a:sym typeface="Impact" panose="020B0806030902050204" pitchFamily="2" charset="0"/>
-              </a:rPr>
-              <a:t>虚拟机</a:t>
-            </a:r>
-            <a:r>
-              <a:rPr lang="en-US" altLang="zh-CN" sz="2400" dirty="0">
-                <a:solidFill>
-                  <a:srgbClr val="FF8607"/>
-                </a:solidFill>
-                <a:latin typeface="Impact" panose="020B0806030902050204" pitchFamily="2" charset="0"/>
-                <a:ea typeface="微软雅黑" panose="020B0503020204020204" pitchFamily="2" charset="-122"/>
-                <a:sym typeface="Impact" panose="020B0806030902050204" pitchFamily="2" charset="0"/>
-              </a:rPr>
-              <a:t>--</a:t>
-            </a:r>
-            <a:r>
-              <a:rPr lang="zh-CN" altLang="en-US" sz="2400" dirty="0">
-                <a:solidFill>
-                  <a:srgbClr val="FF8607"/>
-                </a:solidFill>
-                <a:latin typeface="Impact" panose="020B0806030902050204" pitchFamily="2" charset="0"/>
-                <a:ea typeface="微软雅黑" panose="020B0503020204020204" pitchFamily="2" charset="-122"/>
-                <a:sym typeface="Impact" panose="020B0806030902050204" pitchFamily="2" charset="0"/>
-              </a:rPr>
-              <a:t>容器来源</a:t>
-            </a:r>
-            <a:endParaRPr lang="zh-CN" altLang="en-US" dirty="0">
-              <a:ea typeface="宋体" panose="02010600030101010101" pitchFamily="2" charset="-122"/>
-            </a:endParaRPr>
-          </a:p>
-        </p:txBody>
-      </p:sp>
-      <p:sp>
-        <p:nvSpPr>
-          <p:cNvPr id="12292" name="等腰三角形 28"/>
-          <p:cNvSpPr/>
-          <p:nvPr/>
-        </p:nvSpPr>
-        <p:spPr>
-          <a:xfrm rot="5400000">
-            <a:off x="-39687" y="157163"/>
-            <a:ext cx="581025" cy="501650"/>
-          </a:xfrm>
-          <a:prstGeom prst="triangle">
-            <a:avLst>
-              <a:gd name="adj" fmla="val 50000"/>
-            </a:avLst>
-          </a:prstGeom>
-          <a:solidFill>
-            <a:srgbClr val="282828"/>
-          </a:solidFill>
-          <a:ln w="9525">
-            <a:noFill/>
-          </a:ln>
-        </p:spPr>
-        <p:txBody>
-          <a:bodyPr vert="horz" wrap="square" anchor="ctr"/>
-          <a:lstStyle/>
-          <a:p>
-            <a:pPr algn="ctr"/>
-            <a:endParaRPr>
-              <a:solidFill>
-                <a:srgbClr val="FFFFFF"/>
-              </a:solidFill>
-              <a:latin typeface="微软雅黑" panose="020B0503020204020204" pitchFamily="2" charset="-122"/>
-              <a:ea typeface="微软雅黑" panose="020B0503020204020204" pitchFamily="2" charset="-122"/>
-              <a:sym typeface="微软雅黑" panose="020B0503020204020204" pitchFamily="2" charset="-122"/>
-            </a:endParaRPr>
-          </a:p>
-        </p:txBody>
-      </p:sp>
-      <p:sp>
-        <p:nvSpPr>
-          <p:cNvPr id="5" name="文本框 4">
-            <a:extLst>
-              <a:ext uri="{FF2B5EF4-FFF2-40B4-BE49-F238E27FC236}">
-                <a16:creationId xmlns:a16="http://schemas.microsoft.com/office/drawing/2014/main" id="{EE5F25C2-BC30-4311-9878-D51D214E3AAC}"/>
-              </a:ext>
-            </a:extLst>
-          </p:cNvPr>
-          <p:cNvSpPr txBox="1"/>
-          <p:nvPr/>
-        </p:nvSpPr>
-        <p:spPr>
-          <a:xfrm>
-            <a:off x="505159" y="1059645"/>
-            <a:ext cx="8243131" cy="2585323"/>
-          </a:xfrm>
-          <a:prstGeom prst="rect">
-            <a:avLst/>
-          </a:prstGeom>
-          <a:noFill/>
-        </p:spPr>
-        <p:txBody>
-          <a:bodyPr wrap="square" rtlCol="0">
-            <a:spAutoFit/>
-          </a:bodyPr>
-          <a:lstStyle/>
-          <a:p>
-            <a:pPr marL="342900" indent="-342900">
-              <a:buAutoNum type="arabicPlain"/>
-            </a:pPr>
-            <a:r>
-              <a:rPr lang="zh-CN" altLang="en-US" dirty="0"/>
-              <a:t>硬件发展速度</a:t>
-            </a:r>
-            <a:r>
-              <a:rPr lang="en-US" altLang="zh-CN" dirty="0"/>
-              <a:t>---</a:t>
-            </a:r>
-            <a:r>
-              <a:rPr lang="zh-CN" altLang="en-US" dirty="0"/>
-              <a:t>各种翻倍</a:t>
-            </a:r>
-            <a:r>
-              <a:rPr lang="en-US" altLang="zh-CN" dirty="0"/>
-              <a:t>—</a:t>
-            </a:r>
-            <a:r>
-              <a:rPr lang="zh-CN" altLang="en-US" dirty="0"/>
-              <a:t>服务器内存</a:t>
-            </a:r>
-            <a:r>
-              <a:rPr lang="en-US" altLang="zh-CN" dirty="0"/>
-              <a:t>---</a:t>
-            </a:r>
-            <a:r>
-              <a:rPr lang="en-US" altLang="zh-CN" dirty="0" err="1"/>
-              <a:t>Asp.Net+SqlServer+Nginx</a:t>
-            </a:r>
-            <a:r>
-              <a:rPr lang="en-US" altLang="zh-CN" dirty="0"/>
-              <a:t>—</a:t>
-            </a:r>
-            <a:r>
-              <a:rPr lang="zh-CN" altLang="en-US" dirty="0"/>
-              <a:t>资源利用率太低</a:t>
-            </a:r>
-            <a:r>
-              <a:rPr lang="en-US" altLang="zh-CN" dirty="0"/>
-              <a:t>---</a:t>
-            </a:r>
-            <a:r>
-              <a:rPr lang="zh-CN" altLang="en-US" dirty="0"/>
-              <a:t>能不能分开用</a:t>
-            </a:r>
-            <a:endParaRPr lang="en-US" altLang="zh-CN" dirty="0"/>
-          </a:p>
-          <a:p>
-            <a:pPr marL="342900" indent="-342900">
-              <a:buAutoNum type="arabicPlain"/>
-            </a:pPr>
-            <a:r>
-              <a:rPr lang="zh-CN" altLang="en-US" dirty="0"/>
-              <a:t>环境冲突，程序之间相互影响</a:t>
-            </a:r>
-            <a:endParaRPr lang="en-US" altLang="zh-CN" dirty="0"/>
-          </a:p>
-          <a:p>
-            <a:pPr marL="342900" indent="-342900">
-              <a:buAutoNum type="arabicPlain"/>
-            </a:pPr>
-            <a:r>
-              <a:rPr lang="zh-CN" altLang="en-US" dirty="0"/>
-              <a:t>快速部署的需求</a:t>
-            </a:r>
-            <a:r>
-              <a:rPr lang="en-US" altLang="zh-CN" dirty="0"/>
-              <a:t>---</a:t>
-            </a:r>
-            <a:r>
-              <a:rPr lang="zh-CN" altLang="en-US" dirty="0"/>
-              <a:t>发布集群的时候</a:t>
-            </a:r>
-            <a:endParaRPr lang="en-US" altLang="zh-CN" dirty="0"/>
-          </a:p>
-          <a:p>
-            <a:pPr marL="342900" indent="-342900">
-              <a:buAutoNum type="arabicPlain"/>
-            </a:pPr>
-            <a:endParaRPr lang="en-US" altLang="zh-CN" dirty="0"/>
-          </a:p>
-          <a:p>
-            <a:r>
-              <a:rPr lang="zh-CN" altLang="en-US" dirty="0"/>
-              <a:t>把一个大的服务器分解成多个小的个体，五脏俱全，各种应用分布在不同的个体里面，互不影响</a:t>
-            </a:r>
-            <a:r>
-              <a:rPr lang="en-US" altLang="zh-CN" dirty="0"/>
-              <a:t>—</a:t>
-            </a:r>
-            <a:r>
-              <a:rPr lang="zh-CN" altLang="en-US" dirty="0"/>
-              <a:t>利用率提高</a:t>
-            </a:r>
-            <a:r>
-              <a:rPr lang="en-US" altLang="zh-CN" dirty="0"/>
-              <a:t>—</a:t>
-            </a:r>
-            <a:r>
-              <a:rPr lang="zh-CN" altLang="en-US" dirty="0"/>
-              <a:t>镜像快速部署</a:t>
-            </a:r>
-            <a:endParaRPr lang="en-US" altLang="zh-CN" dirty="0"/>
-          </a:p>
-          <a:p>
-            <a:pPr marL="342900" indent="-342900">
-              <a:buAutoNum type="arabicPlain"/>
-            </a:pPr>
-            <a:endParaRPr lang="en-US" altLang="zh-CN" dirty="0"/>
-          </a:p>
-          <a:p>
-            <a:r>
-              <a:rPr lang="en-US" altLang="zh-CN" dirty="0"/>
-              <a:t>2011—</a:t>
-            </a:r>
-            <a:r>
-              <a:rPr lang="zh-CN" altLang="en-US" dirty="0"/>
-              <a:t>云计算</a:t>
-            </a:r>
-          </a:p>
-        </p:txBody>
-      </p:sp>
-    </p:spTree>
-    <p:extLst>
-      <p:ext uri="{BB962C8B-B14F-4D97-AF65-F5344CB8AC3E}">
-        <p14:creationId xmlns:p14="http://schemas.microsoft.com/office/powerpoint/2010/main" val="2027692386"/>
-      </p:ext>
-    </p:extLst>
-  </p:cSld>
-  <p:clrMapOvr>
-    <a:masterClrMapping/>
-  </p:clrMapOvr>
-  <p:transition spd="slow">
-    <p:push dir="u"/>
-  </p:transition>
-</p:sld>
-</file>
-
 <file path=ppt/slides/slide4.xml><?xml version="1.0" encoding="utf-8"?>
 <p:sld xmlns:a="http://schemas.openxmlformats.org/drawingml/2006/main" xmlns:r="http://schemas.openxmlformats.org/officeDocument/2006/relationships" xmlns:p="http://schemas.openxmlformats.org/presentationml/2006/main">
   <p:cSld>
@@ -12089,7 +16098,7 @@
         <p:spPr>
           <a:xfrm>
             <a:off x="476250" y="863590"/>
-            <a:ext cx="8099120" cy="2031325"/>
+            <a:ext cx="8099120" cy="2585323"/>
           </a:xfrm>
           <a:prstGeom prst="rect">
             <a:avLst/>
@@ -12168,6 +16177,12 @@
               <a:rPr lang="en-US" altLang="zh-CN" dirty="0"/>
               <a:t>Client/Server</a:t>
             </a:r>
+          </a:p>
+          <a:p>
+            <a:endParaRPr lang="en-US" altLang="zh-CN" dirty="0"/>
+          </a:p>
+          <a:p>
+            <a:endParaRPr lang="en-US" altLang="zh-CN" dirty="0"/>
           </a:p>
         </p:txBody>
       </p:sp>
@@ -12564,6 +16579,29 @@
 
 <file path=ppt/tags/tag1.xml><?xml version="1.0" encoding="utf-8"?>
 <p:tagLst xmlns:a="http://schemas.openxmlformats.org/drawingml/2006/main" xmlns:r="http://schemas.openxmlformats.org/officeDocument/2006/relationships" xmlns:p="http://schemas.openxmlformats.org/presentationml/2006/main">
+  <p:tag name="KSO_WM_UNIT_TEXTBOXSTYLE_GUID" val="{b0e81210-372f-4e86-adbd-78e4571f1544}"/>
+</p:tagLst>
+</file>
+
+<file path=ppt/tags/tag10.xml><?xml version="1.0" encoding="utf-8"?>
+<p:tagLst xmlns:a="http://schemas.openxmlformats.org/drawingml/2006/main" xmlns:r="http://schemas.openxmlformats.org/officeDocument/2006/relationships" xmlns:p="http://schemas.openxmlformats.org/presentationml/2006/main">
+  <p:tag name="KSO_WM_UNIT_TEXTBOXSTYLE_SHAPETYPE" val="1"/>
+  <p:tag name="KSO_WM_UNIT_TEXTBOXSTYLE_ADJUSTLEFT" val="0_-25.75"/>
+  <p:tag name="KSO_WM_UNIT_TEXTBOXSTYLE_ADJUSTTOP" val="0_-19.10001"/>
+  <p:tag name="KSO_WM_UNIT_TEXTBOXSTYLE_ADJUSTWIDTH" val="100_51.5"/>
+  <p:tag name="KSO_WM_UNIT_TEXTBOXSTYLE_ADJUSTHEIGTH" val="100_38.14999"/>
+  <p:tag name="KSO_WM_UNIT_HIGHLIGHT" val="0"/>
+  <p:tag name="KSO_WM_UNIT_COMPATIBLE" val="0"/>
+  <p:tag name="KSO_WM_UNIT_DIAGRAM_ISNUMVISUAL" val="0"/>
+  <p:tag name="KSO_WM_UNIT_DIAGRAM_ISREFERUNIT" val="0"/>
+  <p:tag name="KSO_WM_UNIT_TYPE" val="i"/>
+  <p:tag name="KSO_WM_UNIT_INDEX" val="2"/>
+  <p:tag name="KSO_WM_UNIT_ID" val="mixed20201907_222*i*2"/>
+  <p:tag name="KSO_WM_TEMPLATE_CATEGORY" val="mixed"/>
+  <p:tag name="KSO_WM_TEMPLATE_INDEX" val="20201907"/>
+  <p:tag name="KSO_WM_UNIT_LAYERLEVEL" val="1"/>
+  <p:tag name="KSO_WM_TAG_VERSION" val="1.0"/>
+  <p:tag name="KSO_WM_BEAUTIFY_FLAG" val="#wm#"/>
   <p:tag name="KSO_WM_UNIT_TEXTBOXSTYLE_GUID" val="{b0e81210-372f-4e86-adbd-78e4571f1544}"/>
 </p:tagLst>
 </file>
@@ -12655,6 +16693,85 @@
   <p:tag name="KSO_WM_UNIT_TYPE" val="i"/>
   <p:tag name="KSO_WM_UNIT_INDEX" val="2"/>
   <p:tag name="KSO_WM_UNIT_ID" val="mixed20201907_222*i*2"/>
+  <p:tag name="KSO_WM_TEMPLATE_CATEGORY" val="mixed"/>
+  <p:tag name="KSO_WM_TEMPLATE_INDEX" val="20201907"/>
+  <p:tag name="KSO_WM_UNIT_LAYERLEVEL" val="1"/>
+  <p:tag name="KSO_WM_TAG_VERSION" val="1.0"/>
+  <p:tag name="KSO_WM_BEAUTIFY_FLAG" val="#wm#"/>
+  <p:tag name="KSO_WM_UNIT_TEXTBOXSTYLE_GUID" val="{b0e81210-372f-4e86-adbd-78e4571f1544}"/>
+</p:tagLst>
+</file>
+
+<file path=ppt/tags/tag6.xml><?xml version="1.0" encoding="utf-8"?>
+<p:tagLst xmlns:a="http://schemas.openxmlformats.org/drawingml/2006/main" xmlns:r="http://schemas.openxmlformats.org/officeDocument/2006/relationships" xmlns:p="http://schemas.openxmlformats.org/presentationml/2006/main">
+  <p:tag name="KSO_WM_UNIT_TEXTBOXSTYLE_GUID" val="{b0e81210-372f-4e86-adbd-78e4571f1544}"/>
+</p:tagLst>
+</file>
+
+<file path=ppt/tags/tag7.xml><?xml version="1.0" encoding="utf-8"?>
+<p:tagLst xmlns:a="http://schemas.openxmlformats.org/drawingml/2006/main" xmlns:r="http://schemas.openxmlformats.org/officeDocument/2006/relationships" xmlns:p="http://schemas.openxmlformats.org/presentationml/2006/main">
+  <p:tag name="KSO_WM_UNIT_TEXTBOXSTYLE_SHAPETYPE" val="0"/>
+  <p:tag name="KSO_WM_UNIT_TEXTBOXSTYLE_TEMPLATETYPE" val="1"/>
+  <p:tag name="KSO_WM_UNIT_PRESET_TEXT" val="点击此处添加标题：&#10;您的正文已经经简明扼要，字字珠玑。&#10;您的正文已经经简明扼要，字字珠玑。&#10;您的正文已经经简明扼要，字字珠玑。&#10;您的正文已经经简明扼要，字字珠玑。"/>
+  <p:tag name="KSO_WM_UNIT_NOCLEAR" val="1"/>
+  <p:tag name="KSO_WM_UNIT_VALUE" val="54"/>
+  <p:tag name="KSO_WM_UNIT_HIGHLIGHT" val="0"/>
+  <p:tag name="KSO_WM_UNIT_COMPATIBLE" val="0"/>
+  <p:tag name="KSO_WM_UNIT_DIAGRAM_ISNUMVISUAL" val="0"/>
+  <p:tag name="KSO_WM_UNIT_DIAGRAM_ISREFERUNIT" val="0"/>
+  <p:tag name="KSO_WM_UNIT_TYPE" val="f"/>
+  <p:tag name="KSO_WM_UNIT_INDEX" val="1"/>
+  <p:tag name="KSO_WM_UNIT_ID" val="mixed20201907_222*f*1"/>
+  <p:tag name="KSO_WM_TEMPLATE_CATEGORY" val="mixed"/>
+  <p:tag name="KSO_WM_TEMPLATE_INDEX" val="20201907"/>
+  <p:tag name="KSO_WM_UNIT_LAYERLEVEL" val="1"/>
+  <p:tag name="KSO_WM_TAG_VERSION" val="1.0"/>
+  <p:tag name="KSO_WM_BEAUTIFY_FLAG" val="#wm#"/>
+  <p:tag name="KSO_WM_UNIT_TEXTBOXSTYLE_GUID" val="{b0e81210-372f-4e86-adbd-78e4571f1544}"/>
+  <p:tag name="KSO_WM_UNIT_TEXTBOXSTYLE_TEMPLATEID" val="3134261"/>
+  <p:tag name="KSO_WM_UNIT_TEXTBOXSTYLE_TYPE" val="9"/>
+</p:tagLst>
+</file>
+
+<file path=ppt/tags/tag8.xml><?xml version="1.0" encoding="utf-8"?>
+<p:tagLst xmlns:a="http://schemas.openxmlformats.org/drawingml/2006/main" xmlns:r="http://schemas.openxmlformats.org/officeDocument/2006/relationships" xmlns:p="http://schemas.openxmlformats.org/presentationml/2006/main">
+  <p:tag name="KSO_WM_UNIT_TEXTBOXSTYLE_SHAPETYPE" val="0"/>
+  <p:tag name="KSO_WM_UNIT_TEXTBOXSTYLE_TEMPLATETYPE" val="1"/>
+  <p:tag name="KSO_WM_UNIT_PRESET_TEXT" val="点击此处添加标题：&#10;您的正文已经经简明扼要，字字珠玑。&#10;您的正文已经经简明扼要，字字珠玑。&#10;您的正文已经经简明扼要，字字珠玑。&#10;您的正文已经经简明扼要，字字珠玑。"/>
+  <p:tag name="KSO_WM_UNIT_NOCLEAR" val="1"/>
+  <p:tag name="KSO_WM_UNIT_VALUE" val="64"/>
+  <p:tag name="KSO_WM_UNIT_HIGHLIGHT" val="0"/>
+  <p:tag name="KSO_WM_UNIT_COMPATIBLE" val="0"/>
+  <p:tag name="KSO_WM_UNIT_DIAGRAM_ISNUMVISUAL" val="0"/>
+  <p:tag name="KSO_WM_UNIT_DIAGRAM_ISREFERUNIT" val="0"/>
+  <p:tag name="KSO_WM_UNIT_TYPE" val="f"/>
+  <p:tag name="KSO_WM_UNIT_INDEX" val="1"/>
+  <p:tag name="KSO_WM_UNIT_ID" val="mixed20201946_112*f*1"/>
+  <p:tag name="KSO_WM_TEMPLATE_CATEGORY" val="mixed"/>
+  <p:tag name="KSO_WM_TEMPLATE_INDEX" val="20201946"/>
+  <p:tag name="KSO_WM_UNIT_LAYERLEVEL" val="1"/>
+  <p:tag name="KSO_WM_TAG_VERSION" val="1.0"/>
+  <p:tag name="KSO_WM_BEAUTIFY_FLAG" val="#wm#"/>
+  <p:tag name="KSO_WM_UNIT_TEXTBOXSTYLE_GUID" val="{c08be4b2-cc91-4281-ac02-0a680571a4bc}"/>
+  <p:tag name="KSO_WM_UNIT_TEXTBOXSTYLE_TEMPLATEID" val="3131926"/>
+  <p:tag name="KSO_WM_UNIT_TEXTBOXSTYLE_TYPE" val="9"/>
+</p:tagLst>
+</file>
+
+<file path=ppt/tags/tag9.xml><?xml version="1.0" encoding="utf-8"?>
+<p:tagLst xmlns:a="http://schemas.openxmlformats.org/drawingml/2006/main" xmlns:r="http://schemas.openxmlformats.org/officeDocument/2006/relationships" xmlns:p="http://schemas.openxmlformats.org/presentationml/2006/main">
+  <p:tag name="KSO_WM_UNIT_TEXTBOXSTYLE_SHAPETYPE" val="1"/>
+  <p:tag name="KSO_WM_UNIT_TEXTBOXSTYLE_ADJUSTLEFT" val="0_-15.75"/>
+  <p:tag name="KSO_WM_UNIT_TEXTBOXSTYLE_ADJUSTTOP" val="0_-11.85001"/>
+  <p:tag name="KSO_WM_UNIT_TEXTBOXSTYLE_ADJUSTWIDTH" val="100_51.5"/>
+  <p:tag name="KSO_WM_UNIT_TEXTBOXSTYLE_ADJUSTHEIGTH" val="100_38.14999"/>
+  <p:tag name="KSO_WM_UNIT_HIGHLIGHT" val="0"/>
+  <p:tag name="KSO_WM_UNIT_COMPATIBLE" val="0"/>
+  <p:tag name="KSO_WM_UNIT_DIAGRAM_ISNUMVISUAL" val="0"/>
+  <p:tag name="KSO_WM_UNIT_DIAGRAM_ISREFERUNIT" val="0"/>
+  <p:tag name="KSO_WM_UNIT_TYPE" val="i"/>
+  <p:tag name="KSO_WM_UNIT_INDEX" val="1"/>
+  <p:tag name="KSO_WM_UNIT_ID" val="mixed20201907_222*i*1"/>
   <p:tag name="KSO_WM_TEMPLATE_CATEGORY" val="mixed"/>
   <p:tag name="KSO_WM_TEMPLATE_INDEX" val="20201907"/>
   <p:tag name="KSO_WM_UNIT_LAYERLEVEL" val="1"/>
